--- a/documentation/Trap them.pptx
+++ b/documentation/Trap them.pptx
@@ -10,7 +10,8 @@
     <p:sldId id="259" r:id="rId4"/>
     <p:sldId id="258" r:id="rId5"/>
     <p:sldId id="260" r:id="rId6"/>
-    <p:sldId id="261" r:id="rId7"/>
+    <p:sldId id="262" r:id="rId7"/>
+    <p:sldId id="261" r:id="rId8"/>
   </p:sldIdLst>
   <p:sldSz cx="12192000" cy="6858000"/>
   <p:notesSz cx="6858000" cy="9144000"/>
@@ -117,6 +118,14 @@
 </p:presentation>
 </file>
 
+<file path=ppt/revisionInfo.xml><?xml version="1.0" encoding="utf-8"?>
+<p1510:revInfo xmlns:a="http://schemas.openxmlformats.org/drawingml/2006/main" xmlns:r="http://schemas.openxmlformats.org/officeDocument/2006/relationships" xmlns:p1510="http://schemas.microsoft.com/office/powerpoint/2015/10/main">
+  <p1510:revLst>
+    <p1510:client id="{23B8045A-063B-4024-B18E-EFACEDA35FA6}" v="79" dt="2021-01-13T19:24:28.099"/>
+  </p1510:revLst>
+</p1510:revInfo>
+</file>
+
 <file path=ppt/slideLayouts/slideLayout1.xml><?xml version="1.0" encoding="utf-8"?>
 <p:sldLayout xmlns:a="http://schemas.openxmlformats.org/drawingml/2006/main" xmlns:r="http://schemas.openxmlformats.org/officeDocument/2006/relationships" xmlns:p="http://schemas.openxmlformats.org/presentationml/2006/main" showMasterSp="0" type="title" preserve="1">
   <p:cSld name="Титульный слайд">
@@ -247,7 +256,7 @@
           </a:lstStyle>
           <a:p>
             <a:r>
-              <a:rPr lang="ru-RU" smtClean="0"/>
+              <a:rPr lang="ru-RU"/>
               <a:t>Образец заголовка</a:t>
             </a:r>
             <a:endParaRPr lang="en-US" dirty="0"/>
@@ -319,7 +328,7 @@
           </a:lstStyle>
           <a:p>
             <a:r>
-              <a:rPr lang="ru-RU" smtClean="0"/>
+              <a:rPr lang="ru-RU"/>
               <a:t>Образец подзаголовка</a:t>
             </a:r>
             <a:endParaRPr lang="en-US" dirty="0"/>
@@ -343,7 +352,7 @@
           <a:p>
             <a:fld id="{80852AFD-DEE8-49E9-BC12-FAF705112EEC}" type="datetimeFigureOut">
               <a:rPr lang="ru-RU" smtClean="0"/>
-              <a:t>09.01.2021</a:t>
+              <a:t>13.01.2021</a:t>
             </a:fld>
             <a:endParaRPr lang="ru-RU"/>
           </a:p>
@@ -475,7 +484,7 @@
           <a:lstStyle/>
           <a:p>
             <a:r>
-              <a:rPr lang="ru-RU" smtClean="0"/>
+              <a:rPr lang="ru-RU"/>
               <a:t>Образец заголовка</a:t>
             </a:r>
             <a:endParaRPr lang="en-US" dirty="0"/>
@@ -499,35 +508,35 @@
           <a:p>
             <a:pPr lvl="0"/>
             <a:r>
-              <a:rPr lang="ru-RU" smtClean="0"/>
+              <a:rPr lang="ru-RU"/>
               <a:t>Образец текста</a:t>
             </a:r>
           </a:p>
           <a:p>
             <a:pPr lvl="1"/>
             <a:r>
-              <a:rPr lang="ru-RU" smtClean="0"/>
+              <a:rPr lang="ru-RU"/>
               <a:t>Второй уровень</a:t>
             </a:r>
           </a:p>
           <a:p>
             <a:pPr lvl="2"/>
             <a:r>
-              <a:rPr lang="ru-RU" smtClean="0"/>
+              <a:rPr lang="ru-RU"/>
               <a:t>Третий уровень</a:t>
             </a:r>
           </a:p>
           <a:p>
             <a:pPr lvl="3"/>
             <a:r>
-              <a:rPr lang="ru-RU" smtClean="0"/>
+              <a:rPr lang="ru-RU"/>
               <a:t>Четвертый уровень</a:t>
             </a:r>
           </a:p>
           <a:p>
             <a:pPr lvl="4"/>
             <a:r>
-              <a:rPr lang="ru-RU" smtClean="0"/>
+              <a:rPr lang="ru-RU"/>
               <a:t>Пятый уровень</a:t>
             </a:r>
             <a:endParaRPr lang="en-US" dirty="0"/>
@@ -551,7 +560,7 @@
           <a:p>
             <a:fld id="{80852AFD-DEE8-49E9-BC12-FAF705112EEC}" type="datetimeFigureOut">
               <a:rPr lang="ru-RU" smtClean="0"/>
-              <a:t>09.01.2021</a:t>
+              <a:t>13.01.2021</a:t>
             </a:fld>
             <a:endParaRPr lang="ru-RU"/>
           </a:p>
@@ -726,7 +735,7 @@
           <a:lstStyle/>
           <a:p>
             <a:r>
-              <a:rPr lang="ru-RU" smtClean="0"/>
+              <a:rPr lang="ru-RU"/>
               <a:t>Образец заголовка</a:t>
             </a:r>
             <a:endParaRPr lang="en-US" dirty="0"/>
@@ -755,35 +764,35 @@
           <a:p>
             <a:pPr lvl="0"/>
             <a:r>
-              <a:rPr lang="ru-RU" smtClean="0"/>
+              <a:rPr lang="ru-RU"/>
               <a:t>Образец текста</a:t>
             </a:r>
           </a:p>
           <a:p>
             <a:pPr lvl="1"/>
             <a:r>
-              <a:rPr lang="ru-RU" smtClean="0"/>
+              <a:rPr lang="ru-RU"/>
               <a:t>Второй уровень</a:t>
             </a:r>
           </a:p>
           <a:p>
             <a:pPr lvl="2"/>
             <a:r>
-              <a:rPr lang="ru-RU" smtClean="0"/>
+              <a:rPr lang="ru-RU"/>
               <a:t>Третий уровень</a:t>
             </a:r>
           </a:p>
           <a:p>
             <a:pPr lvl="3"/>
             <a:r>
-              <a:rPr lang="ru-RU" smtClean="0"/>
+              <a:rPr lang="ru-RU"/>
               <a:t>Четвертый уровень</a:t>
             </a:r>
           </a:p>
           <a:p>
             <a:pPr lvl="4"/>
             <a:r>
-              <a:rPr lang="ru-RU" smtClean="0"/>
+              <a:rPr lang="ru-RU"/>
               <a:t>Пятый уровень</a:t>
             </a:r>
             <a:endParaRPr lang="en-US" dirty="0"/>
@@ -807,7 +816,7 @@
           <a:p>
             <a:fld id="{80852AFD-DEE8-49E9-BC12-FAF705112EEC}" type="datetimeFigureOut">
               <a:rPr lang="ru-RU" smtClean="0"/>
-              <a:t>09.01.2021</a:t>
+              <a:t>13.01.2021</a:t>
             </a:fld>
             <a:endParaRPr lang="ru-RU"/>
           </a:p>
@@ -905,7 +914,7 @@
           </a:lstStyle>
           <a:p>
             <a:r>
-              <a:rPr lang="ru-RU" smtClean="0"/>
+              <a:rPr lang="ru-RU"/>
               <a:t>Образец заголовка</a:t>
             </a:r>
             <a:endParaRPr lang="en-US" dirty="0"/>
@@ -929,35 +938,35 @@
           <a:p>
             <a:pPr lvl="0"/>
             <a:r>
-              <a:rPr lang="ru-RU" smtClean="0"/>
+              <a:rPr lang="ru-RU"/>
               <a:t>Образец текста</a:t>
             </a:r>
           </a:p>
           <a:p>
             <a:pPr lvl="1"/>
             <a:r>
-              <a:rPr lang="ru-RU" smtClean="0"/>
+              <a:rPr lang="ru-RU"/>
               <a:t>Второй уровень</a:t>
             </a:r>
           </a:p>
           <a:p>
             <a:pPr lvl="2"/>
             <a:r>
-              <a:rPr lang="ru-RU" smtClean="0"/>
+              <a:rPr lang="ru-RU"/>
               <a:t>Третий уровень</a:t>
             </a:r>
           </a:p>
           <a:p>
             <a:pPr lvl="3"/>
             <a:r>
-              <a:rPr lang="ru-RU" smtClean="0"/>
+              <a:rPr lang="ru-RU"/>
               <a:t>Четвертый уровень</a:t>
             </a:r>
           </a:p>
           <a:p>
             <a:pPr lvl="4"/>
             <a:r>
-              <a:rPr lang="ru-RU" smtClean="0"/>
+              <a:rPr lang="ru-RU"/>
               <a:t>Пятый уровень</a:t>
             </a:r>
             <a:endParaRPr lang="en-US" dirty="0"/>
@@ -981,7 +990,7 @@
           <a:p>
             <a:fld id="{80852AFD-DEE8-49E9-BC12-FAF705112EEC}" type="datetimeFigureOut">
               <a:rPr lang="ru-RU" smtClean="0"/>
-              <a:t>09.01.2021</a:t>
+              <a:t>13.01.2021</a:t>
             </a:fld>
             <a:endParaRPr lang="ru-RU"/>
           </a:p>
@@ -1180,7 +1189,7 @@
           </a:lstStyle>
           <a:p>
             <a:r>
-              <a:rPr lang="ru-RU" smtClean="0"/>
+              <a:rPr lang="ru-RU"/>
               <a:t>Образец заголовка</a:t>
             </a:r>
             <a:endParaRPr lang="en-US" dirty="0"/>
@@ -1301,7 +1310,7 @@
           <a:p>
             <a:pPr lvl="0"/>
             <a:r>
-              <a:rPr lang="ru-RU" smtClean="0"/>
+              <a:rPr lang="ru-RU"/>
               <a:t>Образец текста</a:t>
             </a:r>
           </a:p>
@@ -1324,7 +1333,7 @@
           <a:p>
             <a:fld id="{80852AFD-DEE8-49E9-BC12-FAF705112EEC}" type="datetimeFigureOut">
               <a:rPr lang="ru-RU" smtClean="0"/>
-              <a:t>09.01.2021</a:t>
+              <a:t>13.01.2021</a:t>
             </a:fld>
             <a:endParaRPr lang="ru-RU"/>
           </a:p>
@@ -1461,7 +1470,7 @@
           <a:lstStyle/>
           <a:p>
             <a:r>
-              <a:rPr lang="ru-RU" smtClean="0"/>
+              <a:rPr lang="ru-RU"/>
               <a:t>Образец заголовка</a:t>
             </a:r>
             <a:endParaRPr lang="en-US" dirty="0"/>
@@ -1490,35 +1499,35 @@
           <a:p>
             <a:pPr lvl="0"/>
             <a:r>
-              <a:rPr lang="ru-RU" smtClean="0"/>
+              <a:rPr lang="ru-RU"/>
               <a:t>Образец текста</a:t>
             </a:r>
           </a:p>
           <a:p>
             <a:pPr lvl="1"/>
             <a:r>
-              <a:rPr lang="ru-RU" smtClean="0"/>
+              <a:rPr lang="ru-RU"/>
               <a:t>Второй уровень</a:t>
             </a:r>
           </a:p>
           <a:p>
             <a:pPr lvl="2"/>
             <a:r>
-              <a:rPr lang="ru-RU" smtClean="0"/>
+              <a:rPr lang="ru-RU"/>
               <a:t>Третий уровень</a:t>
             </a:r>
           </a:p>
           <a:p>
             <a:pPr lvl="3"/>
             <a:r>
-              <a:rPr lang="ru-RU" smtClean="0"/>
+              <a:rPr lang="ru-RU"/>
               <a:t>Четвертый уровень</a:t>
             </a:r>
           </a:p>
           <a:p>
             <a:pPr lvl="4"/>
             <a:r>
-              <a:rPr lang="ru-RU" smtClean="0"/>
+              <a:rPr lang="ru-RU"/>
               <a:t>Пятый уровень</a:t>
             </a:r>
             <a:endParaRPr lang="en-US" dirty="0"/>
@@ -1547,35 +1556,35 @@
           <a:p>
             <a:pPr lvl="0"/>
             <a:r>
-              <a:rPr lang="ru-RU" smtClean="0"/>
+              <a:rPr lang="ru-RU"/>
               <a:t>Образец текста</a:t>
             </a:r>
           </a:p>
           <a:p>
             <a:pPr lvl="1"/>
             <a:r>
-              <a:rPr lang="ru-RU" smtClean="0"/>
+              <a:rPr lang="ru-RU"/>
               <a:t>Второй уровень</a:t>
             </a:r>
           </a:p>
           <a:p>
             <a:pPr lvl="2"/>
             <a:r>
-              <a:rPr lang="ru-RU" smtClean="0"/>
+              <a:rPr lang="ru-RU"/>
               <a:t>Третий уровень</a:t>
             </a:r>
           </a:p>
           <a:p>
             <a:pPr lvl="3"/>
             <a:r>
-              <a:rPr lang="ru-RU" smtClean="0"/>
+              <a:rPr lang="ru-RU"/>
               <a:t>Четвертый уровень</a:t>
             </a:r>
           </a:p>
           <a:p>
             <a:pPr lvl="4"/>
             <a:r>
-              <a:rPr lang="ru-RU" smtClean="0"/>
+              <a:rPr lang="ru-RU"/>
               <a:t>Пятый уровень</a:t>
             </a:r>
             <a:endParaRPr lang="en-US" dirty="0"/>
@@ -1599,7 +1608,7 @@
           <a:p>
             <a:fld id="{80852AFD-DEE8-49E9-BC12-FAF705112EEC}" type="datetimeFigureOut">
               <a:rPr lang="ru-RU" smtClean="0"/>
-              <a:t>09.01.2021</a:t>
+              <a:t>13.01.2021</a:t>
             </a:fld>
             <a:endParaRPr lang="ru-RU"/>
           </a:p>
@@ -1698,7 +1707,7 @@
           <a:lstStyle/>
           <a:p>
             <a:r>
-              <a:rPr lang="ru-RU" smtClean="0"/>
+              <a:rPr lang="ru-RU"/>
               <a:t>Образец заголовка</a:t>
             </a:r>
             <a:endParaRPr lang="en-US" dirty="0"/>
@@ -1770,7 +1779,7 @@
           <a:p>
             <a:pPr lvl="0"/>
             <a:r>
-              <a:rPr lang="ru-RU" smtClean="0"/>
+              <a:rPr lang="ru-RU"/>
               <a:t>Образец текста</a:t>
             </a:r>
           </a:p>
@@ -1798,35 +1807,35 @@
           <a:p>
             <a:pPr lvl="0"/>
             <a:r>
-              <a:rPr lang="ru-RU" smtClean="0"/>
+              <a:rPr lang="ru-RU"/>
               <a:t>Образец текста</a:t>
             </a:r>
           </a:p>
           <a:p>
             <a:pPr lvl="1"/>
             <a:r>
-              <a:rPr lang="ru-RU" smtClean="0"/>
+              <a:rPr lang="ru-RU"/>
               <a:t>Второй уровень</a:t>
             </a:r>
           </a:p>
           <a:p>
             <a:pPr lvl="2"/>
             <a:r>
-              <a:rPr lang="ru-RU" smtClean="0"/>
+              <a:rPr lang="ru-RU"/>
               <a:t>Третий уровень</a:t>
             </a:r>
           </a:p>
           <a:p>
             <a:pPr lvl="3"/>
             <a:r>
-              <a:rPr lang="ru-RU" smtClean="0"/>
+              <a:rPr lang="ru-RU"/>
               <a:t>Четвертый уровень</a:t>
             </a:r>
           </a:p>
           <a:p>
             <a:pPr lvl="4"/>
             <a:r>
-              <a:rPr lang="ru-RU" smtClean="0"/>
+              <a:rPr lang="ru-RU"/>
               <a:t>Пятый уровень</a:t>
             </a:r>
             <a:endParaRPr lang="en-US" dirty="0"/>
@@ -1898,7 +1907,7 @@
           <a:p>
             <a:pPr lvl="0"/>
             <a:r>
-              <a:rPr lang="ru-RU" smtClean="0"/>
+              <a:rPr lang="ru-RU"/>
               <a:t>Образец текста</a:t>
             </a:r>
           </a:p>
@@ -1926,35 +1935,35 @@
           <a:p>
             <a:pPr lvl="0"/>
             <a:r>
-              <a:rPr lang="ru-RU" smtClean="0"/>
+              <a:rPr lang="ru-RU"/>
               <a:t>Образец текста</a:t>
             </a:r>
           </a:p>
           <a:p>
             <a:pPr lvl="1"/>
             <a:r>
-              <a:rPr lang="ru-RU" smtClean="0"/>
+              <a:rPr lang="ru-RU"/>
               <a:t>Второй уровень</a:t>
             </a:r>
           </a:p>
           <a:p>
             <a:pPr lvl="2"/>
             <a:r>
-              <a:rPr lang="ru-RU" smtClean="0"/>
+              <a:rPr lang="ru-RU"/>
               <a:t>Третий уровень</a:t>
             </a:r>
           </a:p>
           <a:p>
             <a:pPr lvl="3"/>
             <a:r>
-              <a:rPr lang="ru-RU" smtClean="0"/>
+              <a:rPr lang="ru-RU"/>
               <a:t>Четвертый уровень</a:t>
             </a:r>
           </a:p>
           <a:p>
             <a:pPr lvl="4"/>
             <a:r>
-              <a:rPr lang="ru-RU" smtClean="0"/>
+              <a:rPr lang="ru-RU"/>
               <a:t>Пятый уровень</a:t>
             </a:r>
             <a:endParaRPr lang="en-US" dirty="0"/>
@@ -1978,7 +1987,7 @@
           <a:p>
             <a:fld id="{80852AFD-DEE8-49E9-BC12-FAF705112EEC}" type="datetimeFigureOut">
               <a:rPr lang="ru-RU" smtClean="0"/>
-              <a:t>09.01.2021</a:t>
+              <a:t>13.01.2021</a:t>
             </a:fld>
             <a:endParaRPr lang="ru-RU"/>
           </a:p>
@@ -2072,7 +2081,7 @@
           <a:lstStyle/>
           <a:p>
             <a:r>
-              <a:rPr lang="ru-RU" smtClean="0"/>
+              <a:rPr lang="ru-RU"/>
               <a:t>Образец заголовка</a:t>
             </a:r>
             <a:endParaRPr lang="en-US" dirty="0"/>
@@ -2096,7 +2105,7 @@
           <a:p>
             <a:fld id="{80852AFD-DEE8-49E9-BC12-FAF705112EEC}" type="datetimeFigureOut">
               <a:rPr lang="ru-RU" smtClean="0"/>
-              <a:t>09.01.2021</a:t>
+              <a:t>13.01.2021</a:t>
             </a:fld>
             <a:endParaRPr lang="ru-RU"/>
           </a:p>
@@ -2267,7 +2276,7 @@
           <a:p>
             <a:fld id="{80852AFD-DEE8-49E9-BC12-FAF705112EEC}" type="datetimeFigureOut">
               <a:rPr lang="ru-RU" smtClean="0"/>
-              <a:t>09.01.2021</a:t>
+              <a:t>13.01.2021</a:t>
             </a:fld>
             <a:endParaRPr lang="ru-RU"/>
           </a:p>
@@ -2460,7 +2469,7 @@
           </a:lstStyle>
           <a:p>
             <a:r>
-              <a:rPr lang="ru-RU" smtClean="0"/>
+              <a:rPr lang="ru-RU"/>
               <a:t>Образец заголовка</a:t>
             </a:r>
             <a:endParaRPr lang="en-US" dirty="0"/>
@@ -2489,35 +2498,35 @@
           <a:p>
             <a:pPr lvl="0"/>
             <a:r>
-              <a:rPr lang="ru-RU" smtClean="0"/>
+              <a:rPr lang="ru-RU"/>
               <a:t>Образец текста</a:t>
             </a:r>
           </a:p>
           <a:p>
             <a:pPr lvl="1"/>
             <a:r>
-              <a:rPr lang="ru-RU" smtClean="0"/>
+              <a:rPr lang="ru-RU"/>
               <a:t>Второй уровень</a:t>
             </a:r>
           </a:p>
           <a:p>
             <a:pPr lvl="2"/>
             <a:r>
-              <a:rPr lang="ru-RU" smtClean="0"/>
+              <a:rPr lang="ru-RU"/>
               <a:t>Третий уровень</a:t>
             </a:r>
           </a:p>
           <a:p>
             <a:pPr lvl="3"/>
             <a:r>
-              <a:rPr lang="ru-RU" smtClean="0"/>
+              <a:rPr lang="ru-RU"/>
               <a:t>Четвертый уровень</a:t>
             </a:r>
           </a:p>
           <a:p>
             <a:pPr lvl="4"/>
             <a:r>
-              <a:rPr lang="ru-RU" smtClean="0"/>
+              <a:rPr lang="ru-RU"/>
               <a:t>Пятый уровень</a:t>
             </a:r>
             <a:endParaRPr lang="en-US" dirty="0"/>
@@ -2589,7 +2598,7 @@
           <a:p>
             <a:pPr lvl="0"/>
             <a:r>
-              <a:rPr lang="ru-RU" smtClean="0"/>
+              <a:rPr lang="ru-RU"/>
               <a:t>Образец текста</a:t>
             </a:r>
           </a:p>
@@ -2621,7 +2630,7 @@
           <a:p>
             <a:fld id="{80852AFD-DEE8-49E9-BC12-FAF705112EEC}" type="datetimeFigureOut">
               <a:rPr lang="ru-RU" smtClean="0"/>
-              <a:t>09.01.2021</a:t>
+              <a:t>13.01.2021</a:t>
             </a:fld>
             <a:endParaRPr lang="ru-RU"/>
           </a:p>
@@ -2827,7 +2836,7 @@
           </a:lstStyle>
           <a:p>
             <a:r>
-              <a:rPr lang="ru-RU" smtClean="0"/>
+              <a:rPr lang="ru-RU"/>
               <a:t>Образец заголовка</a:t>
             </a:r>
             <a:endParaRPr lang="en-US" dirty="0"/>
@@ -2902,7 +2911,7 @@
           </a:lstStyle>
           <a:p>
             <a:r>
-              <a:rPr lang="ru-RU" smtClean="0"/>
+              <a:rPr lang="ru-RU"/>
               <a:t>Вставка рисунка</a:t>
             </a:r>
             <a:endParaRPr lang="en-US" dirty="0"/>
@@ -2980,7 +2989,7 @@
           <a:p>
             <a:pPr lvl="0"/>
             <a:r>
-              <a:rPr lang="ru-RU" smtClean="0"/>
+              <a:rPr lang="ru-RU"/>
               <a:t>Образец текста</a:t>
             </a:r>
           </a:p>
@@ -3003,7 +3012,7 @@
           <a:p>
             <a:fld id="{80852AFD-DEE8-49E9-BC12-FAF705112EEC}" type="datetimeFigureOut">
               <a:rPr lang="ru-RU" smtClean="0"/>
-              <a:t>09.01.2021</a:t>
+              <a:t>13.01.2021</a:t>
             </a:fld>
             <a:endParaRPr lang="ru-RU"/>
           </a:p>
@@ -3188,7 +3197,7 @@
           <a:lstStyle/>
           <a:p>
             <a:r>
-              <a:rPr lang="ru-RU" smtClean="0"/>
+              <a:rPr lang="ru-RU"/>
               <a:t>Образец заголовка</a:t>
             </a:r>
             <a:endParaRPr lang="en-US" dirty="0"/>
@@ -3222,35 +3231,35 @@
           <a:p>
             <a:pPr lvl="0"/>
             <a:r>
-              <a:rPr lang="ru-RU" smtClean="0"/>
+              <a:rPr lang="ru-RU"/>
               <a:t>Образец текста</a:t>
             </a:r>
           </a:p>
           <a:p>
             <a:pPr lvl="1"/>
             <a:r>
-              <a:rPr lang="ru-RU" smtClean="0"/>
+              <a:rPr lang="ru-RU"/>
               <a:t>Второй уровень</a:t>
             </a:r>
           </a:p>
           <a:p>
             <a:pPr lvl="2"/>
             <a:r>
-              <a:rPr lang="ru-RU" smtClean="0"/>
+              <a:rPr lang="ru-RU"/>
               <a:t>Третий уровень</a:t>
             </a:r>
           </a:p>
           <a:p>
             <a:pPr lvl="3"/>
             <a:r>
-              <a:rPr lang="ru-RU" smtClean="0"/>
+              <a:rPr lang="ru-RU"/>
               <a:t>Четвертый уровень</a:t>
             </a:r>
           </a:p>
           <a:p>
             <a:pPr lvl="4"/>
             <a:r>
-              <a:rPr lang="ru-RU" smtClean="0"/>
+              <a:rPr lang="ru-RU"/>
               <a:t>Пятый уровень</a:t>
             </a:r>
             <a:endParaRPr lang="en-US" dirty="0"/>
@@ -3290,7 +3299,7 @@
           <a:p>
             <a:fld id="{80852AFD-DEE8-49E9-BC12-FAF705112EEC}" type="datetimeFigureOut">
               <a:rPr lang="ru-RU" smtClean="0"/>
-              <a:t>09.01.2021</a:t>
+              <a:t>13.01.2021</a:t>
             </a:fld>
             <a:endParaRPr lang="ru-RU"/>
           </a:p>
@@ -3800,6 +3809,14 @@
 <file path=ppt/slides/slide1.xml><?xml version="1.0" encoding="utf-8"?>
 <p:sld xmlns:a="http://schemas.openxmlformats.org/drawingml/2006/main" xmlns:r="http://schemas.openxmlformats.org/officeDocument/2006/relationships" xmlns:p="http://schemas.openxmlformats.org/presentationml/2006/main">
   <p:cSld>
+    <p:bg>
+      <p:bgPr>
+        <a:solidFill>
+          <a:schemeClr val="bg1"/>
+        </a:solidFill>
+        <a:effectLst/>
+      </p:bgPr>
+    </p:bg>
     <p:spTree>
       <p:nvGrpSpPr>
         <p:cNvPr id="1" name=""/>
@@ -3814,6 +3831,66 @@
           <a:chExt cx="0" cy="0"/>
         </a:xfrm>
       </p:grpSpPr>
+      <p:sp useBgFill="1">
+        <p:nvSpPr>
+          <p:cNvPr id="8" name="Rectangle 7">
+            <a:extLst>
+              <a:ext uri="{FF2B5EF4-FFF2-40B4-BE49-F238E27FC236}">
+                <a16:creationId xmlns:a16="http://schemas.microsoft.com/office/drawing/2014/main" xmlns="" id="{8C6E698C-8155-4B8B-BDC9-B7299772B509}"/>
+              </a:ext>
+              <a:ext uri="{C183D7F6-B498-43B3-948B-1728B52AA6E4}">
+                <adec:decorative xmlns:adec="http://schemas.microsoft.com/office/drawing/2017/decorative" xmlns="" val="1"/>
+              </a:ext>
+            </a:extLst>
+          </p:cNvPr>
+          <p:cNvSpPr>
+            <a:spLocks noGrp="1" noRot="1" noChangeAspect="1" noMove="1" noResize="1" noEditPoints="1" noAdjustHandles="1" noChangeArrowheads="1" noChangeShapeType="1" noTextEdit="1"/>
+          </p:cNvSpPr>
+          <p:nvPr>
+            <p:extLst>
+              <p:ext uri="{386F3935-93C4-4BCD-93E2-E3B085C9AB24}">
+                <p16:designElem xmlns:p16="http://schemas.microsoft.com/office/powerpoint/2015/main" xmlns="" val="1"/>
+              </p:ext>
+            </p:extLst>
+          </p:nvPr>
+        </p:nvSpPr>
+        <p:spPr>
+          <a:xfrm>
+            <a:off x="0" y="0"/>
+            <a:ext cx="12188952" cy="6858000"/>
+          </a:xfrm>
+          <a:prstGeom prst="rect">
+            <a:avLst/>
+          </a:prstGeom>
+          <a:ln>
+            <a:noFill/>
+          </a:ln>
+        </p:spPr>
+        <p:style>
+          <a:lnRef idx="2">
+            <a:schemeClr val="accent1">
+              <a:shade val="50000"/>
+            </a:schemeClr>
+          </a:lnRef>
+          <a:fillRef idx="1">
+            <a:schemeClr val="accent1"/>
+          </a:fillRef>
+          <a:effectRef idx="0">
+            <a:schemeClr val="accent1"/>
+          </a:effectRef>
+          <a:fontRef idx="minor">
+            <a:schemeClr val="lt1"/>
+          </a:fontRef>
+        </p:style>
+        <p:txBody>
+          <a:bodyPr rtlCol="0" anchor="ctr"/>
+          <a:lstStyle/>
+          <a:p>
+            <a:pPr algn="ctr"/>
+            <a:endParaRPr lang="en-US"/>
+          </a:p>
+        </p:txBody>
+      </p:sp>
       <p:sp>
         <p:nvSpPr>
           <p:cNvPr id="2" name="Заголовок 1"/>
@@ -3824,59 +3901,192 @@
             <p:ph type="ctrTitle"/>
           </p:nvPr>
         </p:nvSpPr>
-        <p:spPr/>
-        <p:txBody>
-          <a:bodyPr/>
-          <a:lstStyle/>
-          <a:p>
-            <a:r>
-              <a:rPr lang="en-US" dirty="0" smtClean="0"/>
-              <a:t>Trap them</a:t>
-            </a:r>
-            <a:endParaRPr lang="ru-RU" dirty="0"/>
-          </a:p>
-        </p:txBody>
-      </p:sp>
-      <p:sp>
-        <p:nvSpPr>
-          <p:cNvPr id="3" name="Подзаголовок 2"/>
-          <p:cNvSpPr>
-            <a:spLocks noGrp="1"/>
-          </p:cNvSpPr>
-          <p:nvPr>
-            <p:ph type="subTitle" idx="1"/>
-          </p:nvPr>
-        </p:nvSpPr>
-        <p:spPr/>
-        <p:txBody>
-          <a:bodyPr>
+        <p:spPr>
+          <a:xfrm>
+            <a:off x="5220928" y="965200"/>
+            <a:ext cx="5999002" cy="4927600"/>
+          </a:xfrm>
+        </p:spPr>
+        <p:txBody>
+          <a:bodyPr anchor="ctr">
             <a:normAutofit/>
           </a:bodyPr>
           <a:lstStyle/>
           <a:p>
-            <a:pPr algn="r"/>
-            <a:r>
-              <a:rPr lang="ru-RU" sz="1600" dirty="0" smtClean="0"/>
+            <a:r>
+              <a:rPr lang="en-US">
+                <a:solidFill>
+                  <a:schemeClr val="tx2"/>
+                </a:solidFill>
+              </a:rPr>
+              <a:t>Trap them</a:t>
+            </a:r>
+            <a:endParaRPr lang="ru-RU">
+              <a:solidFill>
+                <a:schemeClr val="tx2"/>
+              </a:solidFill>
+            </a:endParaRPr>
+          </a:p>
+        </p:txBody>
+      </p:sp>
+      <p:sp>
+        <p:nvSpPr>
+          <p:cNvPr id="10" name="Rectangle 9">
+            <a:extLst>
+              <a:ext uri="{FF2B5EF4-FFF2-40B4-BE49-F238E27FC236}">
+                <a16:creationId xmlns:a16="http://schemas.microsoft.com/office/drawing/2014/main" xmlns="" id="{0EEF5601-A8BC-411D-AA64-3E79320BA122}"/>
+              </a:ext>
+              <a:ext uri="{C183D7F6-B498-43B3-948B-1728B52AA6E4}">
+                <adec:decorative xmlns:adec="http://schemas.microsoft.com/office/drawing/2017/decorative" xmlns="" val="1"/>
+              </a:ext>
+            </a:extLst>
+          </p:cNvPr>
+          <p:cNvSpPr>
+            <a:spLocks noGrp="1" noRot="1" noChangeAspect="1" noMove="1" noResize="1" noEditPoints="1" noAdjustHandles="1" noChangeArrowheads="1" noChangeShapeType="1" noTextEdit="1"/>
+          </p:cNvSpPr>
+          <p:nvPr>
+            <p:extLst>
+              <p:ext uri="{386F3935-93C4-4BCD-93E2-E3B085C9AB24}">
+                <p16:designElem xmlns:p16="http://schemas.microsoft.com/office/powerpoint/2015/main" xmlns="" val="1"/>
+              </p:ext>
+            </p:extLst>
+          </p:nvPr>
+        </p:nvSpPr>
+        <p:spPr bwMode="white">
+          <a:xfrm>
+            <a:off x="0" y="0"/>
+            <a:ext cx="4584734" cy="6858000"/>
+          </a:xfrm>
+          <a:prstGeom prst="rect">
+            <a:avLst/>
+          </a:prstGeom>
+          <a:solidFill>
+            <a:schemeClr val="accent2"/>
+          </a:solidFill>
+          <a:ln>
+            <a:noFill/>
+          </a:ln>
+        </p:spPr>
+        <p:style>
+          <a:lnRef idx="2">
+            <a:schemeClr val="accent1">
+              <a:shade val="50000"/>
+            </a:schemeClr>
+          </a:lnRef>
+          <a:fillRef idx="1">
+            <a:schemeClr val="accent1"/>
+          </a:fillRef>
+          <a:effectRef idx="0">
+            <a:schemeClr val="accent1"/>
+          </a:effectRef>
+          <a:fontRef idx="minor">
+            <a:schemeClr val="lt1"/>
+          </a:fontRef>
+        </p:style>
+      </p:sp>
+      <p:sp>
+        <p:nvSpPr>
+          <p:cNvPr id="3" name="Подзаголовок 2"/>
+          <p:cNvSpPr>
+            <a:spLocks noGrp="1"/>
+          </p:cNvSpPr>
+          <p:nvPr>
+            <p:ph type="subTitle" idx="1"/>
+          </p:nvPr>
+        </p:nvSpPr>
+        <p:spPr>
+          <a:xfrm>
+            <a:off x="823356" y="1159565"/>
+            <a:ext cx="2938022" cy="4439055"/>
+          </a:xfrm>
+        </p:spPr>
+        <p:txBody>
+          <a:bodyPr anchor="ctr">
+            <a:normAutofit/>
+          </a:bodyPr>
+          <a:lstStyle/>
+          <a:p>
+            <a:r>
+              <a:rPr lang="ru-RU" dirty="0">
+                <a:solidFill>
+                  <a:srgbClr val="FFFFFF"/>
+                </a:solidFill>
+              </a:rPr>
               <a:t>Подготовили:</a:t>
             </a:r>
           </a:p>
           <a:p>
-            <a:pPr algn="r"/>
-            <a:r>
-              <a:rPr lang="ru-RU" sz="1600" dirty="0" smtClean="0"/>
-              <a:t> Проскурина Елизавета, </a:t>
-            </a:r>
-            <a:r>
-              <a:rPr lang="ru-RU" sz="1600" dirty="0"/>
-              <a:t>В</a:t>
-            </a:r>
-            <a:r>
-              <a:rPr lang="ru-RU" sz="1600" dirty="0" smtClean="0"/>
-              <a:t>ыдра Андрей</a:t>
-            </a:r>
-            <a:endParaRPr lang="ru-RU" sz="1600" dirty="0"/>
-          </a:p>
-        </p:txBody>
+            <a:r>
+              <a:rPr lang="ru-RU" dirty="0">
+                <a:solidFill>
+                  <a:srgbClr val="FFFFFF"/>
+                </a:solidFill>
+              </a:rPr>
+              <a:t>Проскурина Елизавета, Выдра Андрей</a:t>
+            </a:r>
+            <a:endParaRPr lang="ru-RU" dirty="0">
+              <a:solidFill>
+                <a:srgbClr val="FFFFFF"/>
+              </a:solidFill>
+              <a:cs typeface="Calibri Light"/>
+            </a:endParaRPr>
+          </a:p>
+        </p:txBody>
+      </p:sp>
+      <p:sp>
+        <p:nvSpPr>
+          <p:cNvPr id="12" name="Rectangle 11">
+            <a:extLst>
+              <a:ext uri="{FF2B5EF4-FFF2-40B4-BE49-F238E27FC236}">
+                <a16:creationId xmlns:a16="http://schemas.microsoft.com/office/drawing/2014/main" xmlns="" id="{33209156-242F-4B26-8D07-CEB2B68A9F9A}"/>
+              </a:ext>
+              <a:ext uri="{C183D7F6-B498-43B3-948B-1728B52AA6E4}">
+                <adec:decorative xmlns:adec="http://schemas.microsoft.com/office/drawing/2017/decorative" xmlns="" val="1"/>
+              </a:ext>
+            </a:extLst>
+          </p:cNvPr>
+          <p:cNvSpPr>
+            <a:spLocks noGrp="1" noRot="1" noChangeAspect="1" noMove="1" noResize="1" noEditPoints="1" noAdjustHandles="1" noChangeArrowheads="1" noChangeShapeType="1" noTextEdit="1"/>
+          </p:cNvSpPr>
+          <p:nvPr>
+            <p:extLst>
+              <p:ext uri="{386F3935-93C4-4BCD-93E2-E3B085C9AB24}">
+                <p16:designElem xmlns:p16="http://schemas.microsoft.com/office/powerpoint/2015/main" xmlns="" val="1"/>
+              </p:ext>
+            </p:extLst>
+          </p:nvPr>
+        </p:nvSpPr>
+        <p:spPr>
+          <a:xfrm>
+            <a:off x="4584734" y="0"/>
+            <a:ext cx="64008" cy="6858000"/>
+          </a:xfrm>
+          <a:prstGeom prst="rect">
+            <a:avLst/>
+          </a:prstGeom>
+          <a:solidFill>
+            <a:schemeClr val="accent1"/>
+          </a:solidFill>
+          <a:ln>
+            <a:noFill/>
+          </a:ln>
+        </p:spPr>
+        <p:style>
+          <a:lnRef idx="2">
+            <a:schemeClr val="accent1">
+              <a:shade val="50000"/>
+            </a:schemeClr>
+          </a:lnRef>
+          <a:fillRef idx="1">
+            <a:schemeClr val="accent1"/>
+          </a:fillRef>
+          <a:effectRef idx="0">
+            <a:schemeClr val="accent1"/>
+          </a:effectRef>
+          <a:fontRef idx="minor">
+            <a:schemeClr val="lt1"/>
+          </a:fontRef>
+        </p:style>
       </p:sp>
     </p:spTree>
     <p:extLst>
@@ -3888,10 +4098,1843 @@
   <p:clrMapOvr>
     <a:masterClrMapping/>
   </p:clrMapOvr>
+  <p:timing>
+    <p:tnLst>
+      <p:par>
+        <p:cTn id="1" dur="indefinite" restart="never" nodeType="tmRoot"/>
+      </p:par>
+    </p:tnLst>
+  </p:timing>
 </p:sld>
 </file>
 
 <file path=ppt/slides/slide2.xml><?xml version="1.0" encoding="utf-8"?>
+<p:sld xmlns:a="http://schemas.openxmlformats.org/drawingml/2006/main" xmlns:r="http://schemas.openxmlformats.org/officeDocument/2006/relationships" xmlns:p="http://schemas.openxmlformats.org/presentationml/2006/main">
+  <p:cSld>
+    <p:bg>
+      <p:bgPr>
+        <a:solidFill>
+          <a:schemeClr val="bg1"/>
+        </a:solidFill>
+        <a:effectLst/>
+      </p:bgPr>
+    </p:bg>
+    <p:spTree>
+      <p:nvGrpSpPr>
+        <p:cNvPr id="1" name=""/>
+        <p:cNvGrpSpPr/>
+        <p:nvPr/>
+      </p:nvGrpSpPr>
+      <p:grpSpPr>
+        <a:xfrm>
+          <a:off x="0" y="0"/>
+          <a:ext cx="0" cy="0"/>
+          <a:chOff x="0" y="0"/>
+          <a:chExt cx="0" cy="0"/>
+        </a:xfrm>
+      </p:grpSpPr>
+      <p:sp useBgFill="1">
+        <p:nvSpPr>
+          <p:cNvPr id="11" name="Rectangle 10">
+            <a:extLst>
+              <a:ext uri="{FF2B5EF4-FFF2-40B4-BE49-F238E27FC236}">
+                <a16:creationId xmlns:a16="http://schemas.microsoft.com/office/drawing/2014/main" xmlns="" id="{990D0034-F768-41E7-85D4-F38C4DE85770}"/>
+              </a:ext>
+              <a:ext uri="{C183D7F6-B498-43B3-948B-1728B52AA6E4}">
+                <adec:decorative xmlns:adec="http://schemas.microsoft.com/office/drawing/2017/decorative" xmlns="" val="1"/>
+              </a:ext>
+            </a:extLst>
+          </p:cNvPr>
+          <p:cNvSpPr>
+            <a:spLocks noGrp="1" noRot="1" noChangeAspect="1" noMove="1" noResize="1" noEditPoints="1" noAdjustHandles="1" noChangeArrowheads="1" noChangeShapeType="1" noTextEdit="1"/>
+          </p:cNvSpPr>
+          <p:nvPr>
+            <p:extLst>
+              <p:ext uri="{386F3935-93C4-4BCD-93E2-E3B085C9AB24}">
+                <p16:designElem xmlns:p16="http://schemas.microsoft.com/office/powerpoint/2015/main" xmlns="" val="1"/>
+              </p:ext>
+            </p:extLst>
+          </p:nvPr>
+        </p:nvSpPr>
+        <p:spPr>
+          <a:xfrm>
+            <a:off x="0" y="0"/>
+            <a:ext cx="12186315" cy="6858000"/>
+          </a:xfrm>
+          <a:prstGeom prst="rect">
+            <a:avLst/>
+          </a:prstGeom>
+          <a:ln>
+            <a:noFill/>
+          </a:ln>
+        </p:spPr>
+        <p:style>
+          <a:lnRef idx="2">
+            <a:schemeClr val="accent6">
+              <a:shade val="50000"/>
+            </a:schemeClr>
+          </a:lnRef>
+          <a:fillRef idx="1001">
+            <a:schemeClr val="lt1"/>
+          </a:fillRef>
+          <a:effectRef idx="0">
+            <a:schemeClr val="accent6"/>
+          </a:effectRef>
+          <a:fontRef idx="minor">
+            <a:schemeClr val="lt1"/>
+          </a:fontRef>
+        </p:style>
+        <p:txBody>
+          <a:bodyPr rtlCol="0" anchor="ctr"/>
+          <a:lstStyle/>
+          <a:p>
+            <a:pPr algn="ctr"/>
+            <a:endParaRPr lang="en-US"/>
+          </a:p>
+        </p:txBody>
+      </p:sp>
+      <p:sp>
+        <p:nvSpPr>
+          <p:cNvPr id="13" name="Rectangle 12">
+            <a:extLst>
+              <a:ext uri="{FF2B5EF4-FFF2-40B4-BE49-F238E27FC236}">
+                <a16:creationId xmlns:a16="http://schemas.microsoft.com/office/drawing/2014/main" xmlns="" id="{C4F7E42D-8B5A-4FC8-81CD-9E60171F7FA8}"/>
+              </a:ext>
+              <a:ext uri="{C183D7F6-B498-43B3-948B-1728B52AA6E4}">
+                <adec:decorative xmlns:adec="http://schemas.microsoft.com/office/drawing/2017/decorative" xmlns="" val="1"/>
+              </a:ext>
+            </a:extLst>
+          </p:cNvPr>
+          <p:cNvSpPr>
+            <a:spLocks noGrp="1" noRot="1" noChangeAspect="1" noMove="1" noResize="1" noEditPoints="1" noAdjustHandles="1" noChangeArrowheads="1" noChangeShapeType="1" noTextEdit="1"/>
+          </p:cNvSpPr>
+          <p:nvPr>
+            <p:extLst>
+              <p:ext uri="{386F3935-93C4-4BCD-93E2-E3B085C9AB24}">
+                <p16:designElem xmlns:p16="http://schemas.microsoft.com/office/powerpoint/2015/main" xmlns="" val="1"/>
+              </p:ext>
+            </p:extLst>
+          </p:nvPr>
+        </p:nvSpPr>
+        <p:spPr>
+          <a:xfrm>
+            <a:off x="16" y="0"/>
+            <a:ext cx="4050791" cy="6858000"/>
+          </a:xfrm>
+          <a:prstGeom prst="rect">
+            <a:avLst/>
+          </a:prstGeom>
+          <a:solidFill>
+            <a:schemeClr val="accent2"/>
+          </a:solidFill>
+          <a:ln>
+            <a:noFill/>
+          </a:ln>
+        </p:spPr>
+        <p:style>
+          <a:lnRef idx="2">
+            <a:schemeClr val="accent1">
+              <a:shade val="50000"/>
+            </a:schemeClr>
+          </a:lnRef>
+          <a:fillRef idx="1">
+            <a:schemeClr val="accent1"/>
+          </a:fillRef>
+          <a:effectRef idx="0">
+            <a:schemeClr val="accent1"/>
+          </a:effectRef>
+          <a:fontRef idx="minor">
+            <a:schemeClr val="lt1"/>
+          </a:fontRef>
+        </p:style>
+      </p:sp>
+      <p:sp>
+        <p:nvSpPr>
+          <p:cNvPr id="2" name="Заголовок 1"/>
+          <p:cNvSpPr>
+            <a:spLocks noGrp="1"/>
+          </p:cNvSpPr>
+          <p:nvPr>
+            <p:ph type="title"/>
+          </p:nvPr>
+        </p:nvSpPr>
+        <p:spPr>
+          <a:xfrm>
+            <a:off x="492370" y="516835"/>
+            <a:ext cx="3084844" cy="2103875"/>
+          </a:xfrm>
+        </p:spPr>
+        <p:txBody>
+          <a:bodyPr>
+            <a:normAutofit/>
+          </a:bodyPr>
+          <a:lstStyle/>
+          <a:p>
+            <a:r>
+              <a:rPr lang="ru-RU" sz="3600" dirty="0">
+                <a:solidFill>
+                  <a:srgbClr val="FFFFFF"/>
+                </a:solidFill>
+              </a:rPr>
+              <a:t>Главное меню</a:t>
+            </a:r>
+          </a:p>
+        </p:txBody>
+      </p:sp>
+      <p:sp>
+        <p:nvSpPr>
+          <p:cNvPr id="6" name="Объект 5"/>
+          <p:cNvSpPr>
+            <a:spLocks noGrp="1"/>
+          </p:cNvSpPr>
+          <p:nvPr>
+            <p:ph idx="1"/>
+          </p:nvPr>
+        </p:nvSpPr>
+        <p:spPr>
+          <a:xfrm>
+            <a:off x="492371" y="2653800"/>
+            <a:ext cx="3084844" cy="3335519"/>
+          </a:xfrm>
+        </p:spPr>
+        <p:txBody>
+          <a:bodyPr vert="horz" lIns="0" tIns="45720" rIns="0" bIns="45720" rtlCol="0" anchor="t">
+            <a:normAutofit/>
+          </a:bodyPr>
+          <a:lstStyle/>
+          <a:p>
+            <a:pPr marL="0" indent="0">
+              <a:spcBef>
+                <a:spcPts val="0"/>
+              </a:spcBef>
+              <a:spcAft>
+                <a:spcPts val="600"/>
+              </a:spcAft>
+              <a:buNone/>
+            </a:pPr>
+            <a:r>
+              <a:rPr lang="ru-RU" sz="1500" dirty="0">
+                <a:solidFill>
+                  <a:srgbClr val="FFFFFF"/>
+                </a:solidFill>
+              </a:rPr>
+              <a:t>В главном </a:t>
+            </a:r>
+            <a:r>
+              <a:rPr lang="ru-RU" sz="1500" dirty="0" smtClean="0">
+                <a:solidFill>
+                  <a:srgbClr val="FFFFFF"/>
+                </a:solidFill>
+              </a:rPr>
+              <a:t>меню игрок может</a:t>
+            </a:r>
+            <a:r>
+              <a:rPr lang="en-US" sz="1500" dirty="0" smtClean="0">
+                <a:solidFill>
+                  <a:srgbClr val="FFFFFF"/>
+                </a:solidFill>
+              </a:rPr>
+              <a:t>:</a:t>
+            </a:r>
+            <a:endParaRPr lang="ru-RU" sz="1500" dirty="0" smtClean="0">
+              <a:solidFill>
+                <a:srgbClr val="FFFFFF"/>
+              </a:solidFill>
+            </a:endParaRPr>
+          </a:p>
+          <a:p>
+            <a:pPr>
+              <a:spcBef>
+                <a:spcPts val="0"/>
+              </a:spcBef>
+              <a:spcAft>
+                <a:spcPts val="600"/>
+              </a:spcAft>
+              <a:buFont typeface="Wingdings" panose="05000000000000000000" pitchFamily="2" charset="2"/>
+              <a:buChar char="§"/>
+            </a:pPr>
+            <a:r>
+              <a:rPr lang="ru-RU" sz="1500" dirty="0" smtClean="0">
+                <a:solidFill>
+                  <a:srgbClr val="FFFFFF"/>
+                </a:solidFill>
+              </a:rPr>
+              <a:t>Начать </a:t>
+            </a:r>
+            <a:r>
+              <a:rPr lang="ru-RU" sz="1500" dirty="0">
+                <a:solidFill>
+                  <a:srgbClr val="FFFFFF"/>
+                </a:solidFill>
+              </a:rPr>
+              <a:t>новую игру,</a:t>
+            </a:r>
+          </a:p>
+          <a:p>
+            <a:pPr>
+              <a:spcBef>
+                <a:spcPts val="0"/>
+              </a:spcBef>
+              <a:spcAft>
+                <a:spcPts val="600"/>
+              </a:spcAft>
+              <a:buFont typeface="Wingdings" panose="05000000000000000000" pitchFamily="2" charset="2"/>
+              <a:buChar char="§"/>
+            </a:pPr>
+            <a:r>
+              <a:rPr lang="ru-RU" sz="1500" dirty="0">
+                <a:solidFill>
+                  <a:srgbClr val="FFFFFF"/>
+                </a:solidFill>
+              </a:rPr>
+              <a:t>П</a:t>
+            </a:r>
+            <a:r>
+              <a:rPr lang="ru-RU" sz="1500" dirty="0" smtClean="0">
+                <a:solidFill>
+                  <a:srgbClr val="FFFFFF"/>
+                </a:solidFill>
+              </a:rPr>
+              <a:t>родолжить прошлую,</a:t>
+            </a:r>
+          </a:p>
+          <a:p>
+            <a:pPr>
+              <a:spcBef>
+                <a:spcPts val="0"/>
+              </a:spcBef>
+              <a:spcAft>
+                <a:spcPts val="600"/>
+              </a:spcAft>
+              <a:buFont typeface="Wingdings" panose="05000000000000000000" pitchFamily="2" charset="2"/>
+              <a:buChar char="§"/>
+            </a:pPr>
+            <a:r>
+              <a:rPr lang="ru-RU" sz="1500" dirty="0">
+                <a:solidFill>
+                  <a:srgbClr val="FFFFFF"/>
+                </a:solidFill>
+              </a:rPr>
+              <a:t>П</a:t>
+            </a:r>
+            <a:r>
+              <a:rPr lang="ru-RU" sz="1500" dirty="0" smtClean="0">
+                <a:solidFill>
+                  <a:srgbClr val="FFFFFF"/>
+                </a:solidFill>
+              </a:rPr>
+              <a:t>осмотреть статистику</a:t>
+            </a:r>
+            <a:endParaRPr lang="ru-RU" sz="1500" dirty="0">
+              <a:solidFill>
+                <a:srgbClr val="FFFFFF"/>
+              </a:solidFill>
+              <a:cs typeface="Calibri"/>
+            </a:endParaRPr>
+          </a:p>
+        </p:txBody>
+      </p:sp>
+      <p:pic>
+        <p:nvPicPr>
+          <p:cNvPr id="5" name="Рисунок 4"/>
+          <p:cNvPicPr/>
+          <p:nvPr/>
+        </p:nvPicPr>
+        <p:blipFill rotWithShape="1">
+          <a:blip r:embed="rId2" cstate="print">
+            <a:extLst>
+              <a:ext uri="{28A0092B-C50C-407E-A947-70E740481C1C}">
+                <a14:useLocalDpi xmlns:a14="http://schemas.microsoft.com/office/drawing/2010/main" val="0"/>
+              </a:ext>
+            </a:extLst>
+          </a:blip>
+          <a:srcRect l="14923" r="18547"/>
+          <a:stretch/>
+        </p:blipFill>
+        <p:spPr>
+          <a:xfrm>
+            <a:off x="4331602" y="218114"/>
+            <a:ext cx="7625064" cy="6421772"/>
+          </a:xfrm>
+          <a:prstGeom prst="rect">
+            <a:avLst/>
+          </a:prstGeom>
+        </p:spPr>
+      </p:pic>
+      <p:sp>
+        <p:nvSpPr>
+          <p:cNvPr id="15" name="Rectangle 14">
+            <a:extLst>
+              <a:ext uri="{FF2B5EF4-FFF2-40B4-BE49-F238E27FC236}">
+                <a16:creationId xmlns:a16="http://schemas.microsoft.com/office/drawing/2014/main" xmlns="" id="{8C04651D-B9F4-4935-A02D-364153FBDF54}"/>
+              </a:ext>
+              <a:ext uri="{C183D7F6-B498-43B3-948B-1728B52AA6E4}">
+                <adec:decorative xmlns:adec="http://schemas.microsoft.com/office/drawing/2017/decorative" xmlns="" val="1"/>
+              </a:ext>
+            </a:extLst>
+          </p:cNvPr>
+          <p:cNvSpPr>
+            <a:spLocks noGrp="1" noRot="1" noChangeAspect="1" noMove="1" noResize="1" noEditPoints="1" noAdjustHandles="1" noChangeArrowheads="1" noChangeShapeType="1" noTextEdit="1"/>
+          </p:cNvSpPr>
+          <p:nvPr>
+            <p:extLst>
+              <p:ext uri="{386F3935-93C4-4BCD-93E2-E3B085C9AB24}">
+                <p16:designElem xmlns:p16="http://schemas.microsoft.com/office/powerpoint/2015/main" xmlns="" val="1"/>
+              </p:ext>
+            </p:extLst>
+          </p:nvPr>
+        </p:nvSpPr>
+        <p:spPr>
+          <a:xfrm>
+            <a:off x="4040071" y="0"/>
+            <a:ext cx="64008" cy="6858000"/>
+          </a:xfrm>
+          <a:prstGeom prst="rect">
+            <a:avLst/>
+          </a:prstGeom>
+          <a:solidFill>
+            <a:schemeClr val="accent1"/>
+          </a:solidFill>
+          <a:ln>
+            <a:noFill/>
+          </a:ln>
+        </p:spPr>
+        <p:style>
+          <a:lnRef idx="2">
+            <a:schemeClr val="accent1">
+              <a:shade val="50000"/>
+            </a:schemeClr>
+          </a:lnRef>
+          <a:fillRef idx="1">
+            <a:schemeClr val="accent1"/>
+          </a:fillRef>
+          <a:effectRef idx="0">
+            <a:schemeClr val="accent1"/>
+          </a:effectRef>
+          <a:fontRef idx="minor">
+            <a:schemeClr val="lt1"/>
+          </a:fontRef>
+        </p:style>
+      </p:sp>
+    </p:spTree>
+    <p:extLst>
+      <p:ext uri="{BB962C8B-B14F-4D97-AF65-F5344CB8AC3E}">
+        <p14:creationId xmlns:p14="http://schemas.microsoft.com/office/powerpoint/2010/main" val="3693952200"/>
+      </p:ext>
+    </p:extLst>
+  </p:cSld>
+  <p:clrMapOvr>
+    <a:masterClrMapping/>
+  </p:clrMapOvr>
+  <p:timing>
+    <p:tnLst>
+      <p:par>
+        <p:cTn id="1" dur="indefinite" restart="never" nodeType="tmRoot"/>
+      </p:par>
+    </p:tnLst>
+  </p:timing>
+</p:sld>
+</file>
+
+<file path=ppt/slides/slide3.xml><?xml version="1.0" encoding="utf-8"?>
+<p:sld xmlns:a="http://schemas.openxmlformats.org/drawingml/2006/main" xmlns:r="http://schemas.openxmlformats.org/officeDocument/2006/relationships" xmlns:p="http://schemas.openxmlformats.org/presentationml/2006/main">
+  <p:cSld>
+    <p:bg>
+      <p:bgPr>
+        <a:solidFill>
+          <a:schemeClr val="bg1"/>
+        </a:solidFill>
+        <a:effectLst/>
+      </p:bgPr>
+    </p:bg>
+    <p:spTree>
+      <p:nvGrpSpPr>
+        <p:cNvPr id="1" name=""/>
+        <p:cNvGrpSpPr/>
+        <p:nvPr/>
+      </p:nvGrpSpPr>
+      <p:grpSpPr>
+        <a:xfrm>
+          <a:off x="0" y="0"/>
+          <a:ext cx="0" cy="0"/>
+          <a:chOff x="0" y="0"/>
+          <a:chExt cx="0" cy="0"/>
+        </a:xfrm>
+      </p:grpSpPr>
+      <p:sp>
+        <p:nvSpPr>
+          <p:cNvPr id="20" name="Rectangle 22">
+            <a:extLst>
+              <a:ext uri="{FF2B5EF4-FFF2-40B4-BE49-F238E27FC236}">
+                <a16:creationId xmlns:a16="http://schemas.microsoft.com/office/drawing/2014/main" xmlns="" id="{25C8D2C1-DA83-420D-9635-D52CE066B5DA}"/>
+              </a:ext>
+              <a:ext uri="{C183D7F6-B498-43B3-948B-1728B52AA6E4}">
+                <adec:decorative xmlns:adec="http://schemas.microsoft.com/office/drawing/2017/decorative" xmlns="" val="1"/>
+              </a:ext>
+            </a:extLst>
+          </p:cNvPr>
+          <p:cNvSpPr>
+            <a:spLocks noGrp="1" noRot="1" noChangeAspect="1" noMove="1" noResize="1" noEditPoints="1" noAdjustHandles="1" noChangeArrowheads="1" noChangeShapeType="1" noTextEdit="1"/>
+          </p:cNvSpPr>
+          <p:nvPr>
+            <p:extLst>
+              <p:ext uri="{386F3935-93C4-4BCD-93E2-E3B085C9AB24}">
+                <p16:designElem xmlns:p16="http://schemas.microsoft.com/office/powerpoint/2015/main" xmlns="" val="1"/>
+              </p:ext>
+            </p:extLst>
+          </p:nvPr>
+        </p:nvSpPr>
+        <p:spPr>
+          <a:xfrm>
+            <a:off x="3175" y="6400800"/>
+            <a:ext cx="12188825" cy="457200"/>
+          </a:xfrm>
+          <a:prstGeom prst="rect">
+            <a:avLst/>
+          </a:prstGeom>
+          <a:solidFill>
+            <a:schemeClr val="accent2"/>
+          </a:solidFill>
+          <a:ln>
+            <a:noFill/>
+          </a:ln>
+        </p:spPr>
+        <p:style>
+          <a:lnRef idx="2">
+            <a:schemeClr val="accent1">
+              <a:shade val="50000"/>
+            </a:schemeClr>
+          </a:lnRef>
+          <a:fillRef idx="1">
+            <a:schemeClr val="accent1"/>
+          </a:fillRef>
+          <a:effectRef idx="0">
+            <a:schemeClr val="accent1"/>
+          </a:effectRef>
+          <a:fontRef idx="minor">
+            <a:schemeClr val="lt1"/>
+          </a:fontRef>
+        </p:style>
+      </p:sp>
+      <p:sp>
+        <p:nvSpPr>
+          <p:cNvPr id="21" name="Rectangle 24">
+            <a:extLst>
+              <a:ext uri="{FF2B5EF4-FFF2-40B4-BE49-F238E27FC236}">
+                <a16:creationId xmlns:a16="http://schemas.microsoft.com/office/drawing/2014/main" xmlns="" id="{434F74C9-6A0B-409E-AD1C-45B58BE91BB8}"/>
+              </a:ext>
+              <a:ext uri="{C183D7F6-B498-43B3-948B-1728B52AA6E4}">
+                <adec:decorative xmlns:adec="http://schemas.microsoft.com/office/drawing/2017/decorative" xmlns="" val="1"/>
+              </a:ext>
+            </a:extLst>
+          </p:cNvPr>
+          <p:cNvSpPr>
+            <a:spLocks noGrp="1" noRot="1" noChangeAspect="1" noMove="1" noResize="1" noEditPoints="1" noAdjustHandles="1" noChangeArrowheads="1" noChangeShapeType="1" noTextEdit="1"/>
+          </p:cNvSpPr>
+          <p:nvPr>
+            <p:extLst>
+              <p:ext uri="{386F3935-93C4-4BCD-93E2-E3B085C9AB24}">
+                <p16:designElem xmlns:p16="http://schemas.microsoft.com/office/powerpoint/2015/main" xmlns="" val="1"/>
+              </p:ext>
+            </p:extLst>
+          </p:nvPr>
+        </p:nvSpPr>
+        <p:spPr>
+          <a:xfrm>
+            <a:off x="15" y="6334316"/>
+            <a:ext cx="12188825" cy="64008"/>
+          </a:xfrm>
+          <a:prstGeom prst="rect">
+            <a:avLst/>
+          </a:prstGeom>
+          <a:solidFill>
+            <a:schemeClr val="accent1"/>
+          </a:solidFill>
+          <a:ln>
+            <a:noFill/>
+          </a:ln>
+        </p:spPr>
+        <p:style>
+          <a:lnRef idx="2">
+            <a:schemeClr val="accent1">
+              <a:shade val="50000"/>
+            </a:schemeClr>
+          </a:lnRef>
+          <a:fillRef idx="1">
+            <a:schemeClr val="accent1"/>
+          </a:fillRef>
+          <a:effectRef idx="0">
+            <a:schemeClr val="accent1"/>
+          </a:effectRef>
+          <a:fontRef idx="minor">
+            <a:schemeClr val="lt1"/>
+          </a:fontRef>
+        </p:style>
+      </p:sp>
+      <p:cxnSp>
+        <p:nvCxnSpPr>
+          <p:cNvPr id="22" name="Straight Connector 26">
+            <a:extLst>
+              <a:ext uri="{FF2B5EF4-FFF2-40B4-BE49-F238E27FC236}">
+                <a16:creationId xmlns:a16="http://schemas.microsoft.com/office/drawing/2014/main" xmlns="" id="{F5486A9D-1265-4B57-91E6-68E666B978BC}"/>
+              </a:ext>
+              <a:ext uri="{C183D7F6-B498-43B3-948B-1728B52AA6E4}">
+                <adec:decorative xmlns:adec="http://schemas.microsoft.com/office/drawing/2017/decorative" xmlns="" val="1"/>
+              </a:ext>
+            </a:extLst>
+          </p:cNvPr>
+          <p:cNvCxnSpPr>
+            <a:cxnSpLocks noGrp="1" noRot="1" noChangeAspect="1" noMove="1" noResize="1" noEditPoints="1" noAdjustHandles="1" noChangeArrowheads="1" noChangeShapeType="1"/>
+          </p:cNvCxnSpPr>
+          <p:nvPr>
+            <p:extLst>
+              <p:ext uri="{386F3935-93C4-4BCD-93E2-E3B085C9AB24}">
+                <p16:designElem xmlns:p16="http://schemas.microsoft.com/office/powerpoint/2015/main" xmlns="" val="1"/>
+              </p:ext>
+            </p:extLst>
+          </p:nvPr>
+        </p:nvCxnSpPr>
+        <p:spPr>
+          <a:xfrm>
+            <a:off x="1207658" y="4343400"/>
+            <a:ext cx="9875520" cy="0"/>
+          </a:xfrm>
+          <a:prstGeom prst="line">
+            <a:avLst/>
+          </a:prstGeom>
+          <a:ln w="6350">
+            <a:solidFill>
+              <a:schemeClr val="tx1">
+                <a:lumMod val="50000"/>
+                <a:lumOff val="50000"/>
+              </a:schemeClr>
+            </a:solidFill>
+          </a:ln>
+        </p:spPr>
+        <p:style>
+          <a:lnRef idx="1">
+            <a:schemeClr val="accent1"/>
+          </a:lnRef>
+          <a:fillRef idx="0">
+            <a:schemeClr val="accent1"/>
+          </a:fillRef>
+          <a:effectRef idx="0">
+            <a:schemeClr val="accent1"/>
+          </a:effectRef>
+          <a:fontRef idx="minor">
+            <a:schemeClr val="tx1"/>
+          </a:fontRef>
+        </p:style>
+      </p:cxnSp>
+      <p:sp useBgFill="1">
+        <p:nvSpPr>
+          <p:cNvPr id="24" name="Rectangle 28">
+            <a:extLst>
+              <a:ext uri="{FF2B5EF4-FFF2-40B4-BE49-F238E27FC236}">
+                <a16:creationId xmlns:a16="http://schemas.microsoft.com/office/drawing/2014/main" xmlns="" id="{F452A527-3631-41ED-858D-3777A7D1496A}"/>
+              </a:ext>
+              <a:ext uri="{C183D7F6-B498-43B3-948B-1728B52AA6E4}">
+                <adec:decorative xmlns:adec="http://schemas.microsoft.com/office/drawing/2017/decorative" xmlns="" val="1"/>
+              </a:ext>
+            </a:extLst>
+          </p:cNvPr>
+          <p:cNvSpPr>
+            <a:spLocks noGrp="1" noRot="1" noChangeAspect="1" noMove="1" noResize="1" noEditPoints="1" noAdjustHandles="1" noChangeArrowheads="1" noChangeShapeType="1" noTextEdit="1"/>
+          </p:cNvSpPr>
+          <p:nvPr>
+            <p:extLst>
+              <p:ext uri="{386F3935-93C4-4BCD-93E2-E3B085C9AB24}">
+                <p16:designElem xmlns:p16="http://schemas.microsoft.com/office/powerpoint/2015/main" xmlns="" val="1"/>
+              </p:ext>
+            </p:extLst>
+          </p:nvPr>
+        </p:nvSpPr>
+        <p:spPr>
+          <a:xfrm>
+            <a:off x="0" y="0"/>
+            <a:ext cx="12192001" cy="6858000"/>
+          </a:xfrm>
+          <a:prstGeom prst="rect">
+            <a:avLst/>
+          </a:prstGeom>
+          <a:ln>
+            <a:noFill/>
+          </a:ln>
+        </p:spPr>
+        <p:style>
+          <a:lnRef idx="2">
+            <a:schemeClr val="accent1">
+              <a:shade val="50000"/>
+            </a:schemeClr>
+          </a:lnRef>
+          <a:fillRef idx="1">
+            <a:schemeClr val="accent1"/>
+          </a:fillRef>
+          <a:effectRef idx="0">
+            <a:schemeClr val="accent1"/>
+          </a:effectRef>
+          <a:fontRef idx="minor">
+            <a:schemeClr val="lt1"/>
+          </a:fontRef>
+        </p:style>
+        <p:txBody>
+          <a:bodyPr rtlCol="0" anchor="ctr"/>
+          <a:lstStyle/>
+          <a:p>
+            <a:pPr algn="ctr"/>
+            <a:endParaRPr lang="en-US"/>
+          </a:p>
+        </p:txBody>
+      </p:sp>
+      <p:sp>
+        <p:nvSpPr>
+          <p:cNvPr id="2" name="Заголовок 1"/>
+          <p:cNvSpPr>
+            <a:spLocks noGrp="1"/>
+          </p:cNvSpPr>
+          <p:nvPr>
+            <p:ph type="title"/>
+          </p:nvPr>
+        </p:nvSpPr>
+        <p:spPr>
+          <a:xfrm>
+            <a:off x="6730000" y="639097"/>
+            <a:ext cx="4813072" cy="3686015"/>
+          </a:xfrm>
+        </p:spPr>
+        <p:txBody>
+          <a:bodyPr vert="horz" lIns="91440" tIns="45720" rIns="91440" bIns="45720" rtlCol="0" anchor="b">
+            <a:normAutofit/>
+          </a:bodyPr>
+          <a:lstStyle/>
+          <a:p>
+            <a:r>
+              <a:rPr lang="en-US" sz="8000" dirty="0">
+                <a:solidFill>
+                  <a:schemeClr val="tx1">
+                    <a:lumMod val="85000"/>
+                    <a:lumOff val="15000"/>
+                  </a:schemeClr>
+                </a:solidFill>
+              </a:rPr>
+              <a:t>Меню паузы</a:t>
+            </a:r>
+          </a:p>
+        </p:txBody>
+      </p:sp>
+      <p:sp>
+        <p:nvSpPr>
+          <p:cNvPr id="3" name="Объект 2"/>
+          <p:cNvSpPr>
+            <a:spLocks noGrp="1"/>
+          </p:cNvSpPr>
+          <p:nvPr>
+            <p:ph idx="1"/>
+          </p:nvPr>
+        </p:nvSpPr>
+        <p:spPr>
+          <a:xfrm>
+            <a:off x="6729999" y="4455621"/>
+            <a:ext cx="4829101" cy="1238616"/>
+          </a:xfrm>
+        </p:spPr>
+        <p:txBody>
+          <a:bodyPr vert="horz" lIns="91440" tIns="45720" rIns="91440" bIns="45720" rtlCol="0" anchor="t">
+            <a:normAutofit/>
+          </a:bodyPr>
+          <a:lstStyle/>
+          <a:p>
+            <a:pPr marL="0" indent="0">
+              <a:buNone/>
+            </a:pPr>
+            <a:r>
+              <a:rPr lang="en-US" sz="2200" cap="all" spc="200" dirty="0">
+                <a:solidFill>
+                  <a:schemeClr val="tx1">
+                    <a:lumMod val="85000"/>
+                    <a:lumOff val="15000"/>
+                  </a:schemeClr>
+                </a:solidFill>
+                <a:latin typeface="+mj-lt"/>
+              </a:rPr>
+              <a:t>В меню </a:t>
+            </a:r>
+            <a:r>
+              <a:rPr lang="ru-RU" sz="2200" cap="all" spc="200" noProof="1" smtClean="0">
+                <a:solidFill>
+                  <a:schemeClr val="tx1">
+                    <a:lumMod val="85000"/>
+                    <a:lumOff val="15000"/>
+                  </a:schemeClr>
+                </a:solidFill>
+                <a:latin typeface="+mj-lt"/>
+              </a:rPr>
+              <a:t>паузы</a:t>
+            </a:r>
+            <a:r>
+              <a:rPr lang="en-US" sz="2200" cap="all" spc="200" dirty="0" smtClean="0">
+                <a:solidFill>
+                  <a:schemeClr val="tx1">
+                    <a:lumMod val="85000"/>
+                    <a:lumOff val="15000"/>
+                  </a:schemeClr>
+                </a:solidFill>
+                <a:latin typeface="+mj-lt"/>
+              </a:rPr>
+              <a:t> </a:t>
+            </a:r>
+            <a:r>
+              <a:rPr lang="en-US" sz="2200" cap="all" spc="200" dirty="0">
+                <a:solidFill>
+                  <a:schemeClr val="tx1">
+                    <a:lumMod val="85000"/>
+                    <a:lumOff val="15000"/>
+                  </a:schemeClr>
+                </a:solidFill>
+                <a:latin typeface="+mj-lt"/>
+              </a:rPr>
+              <a:t>игрок может </a:t>
+            </a:r>
+            <a:r>
+              <a:rPr lang="ru-RU" sz="2200" cap="all" spc="200" noProof="1" smtClean="0">
+                <a:solidFill>
+                  <a:schemeClr val="tx1">
+                    <a:lumMod val="85000"/>
+                    <a:lumOff val="15000"/>
+                  </a:schemeClr>
+                </a:solidFill>
+                <a:latin typeface="+mj-lt"/>
+              </a:rPr>
+              <a:t>сохраниться</a:t>
+            </a:r>
+            <a:r>
+              <a:rPr lang="en-US" sz="2200" cap="all" spc="200" dirty="0" smtClean="0">
+                <a:solidFill>
+                  <a:schemeClr val="tx1">
+                    <a:lumMod val="85000"/>
+                    <a:lumOff val="15000"/>
+                  </a:schemeClr>
+                </a:solidFill>
+                <a:latin typeface="+mj-lt"/>
+              </a:rPr>
+              <a:t> </a:t>
+            </a:r>
+            <a:r>
+              <a:rPr lang="en-US" sz="2200" cap="all" spc="200" dirty="0">
+                <a:solidFill>
+                  <a:schemeClr val="tx1">
+                    <a:lumMod val="85000"/>
+                    <a:lumOff val="15000"/>
+                  </a:schemeClr>
+                </a:solidFill>
+                <a:latin typeface="+mj-lt"/>
+              </a:rPr>
+              <a:t>и позже загрузить сохранённую игру</a:t>
+            </a:r>
+            <a:endParaRPr lang="en-US" sz="2200" cap="all" spc="200" dirty="0">
+              <a:solidFill>
+                <a:schemeClr val="tx1">
+                  <a:lumMod val="85000"/>
+                  <a:lumOff val="15000"/>
+                </a:schemeClr>
+              </a:solidFill>
+              <a:latin typeface="+mj-lt"/>
+              <a:cs typeface="Calibri Light"/>
+            </a:endParaRPr>
+          </a:p>
+        </p:txBody>
+      </p:sp>
+      <p:pic>
+        <p:nvPicPr>
+          <p:cNvPr id="5" name="Рисунок 4"/>
+          <p:cNvPicPr/>
+          <p:nvPr/>
+        </p:nvPicPr>
+        <p:blipFill rotWithShape="1">
+          <a:blip r:embed="rId2" cstate="print">
+            <a:extLst>
+              <a:ext uri="{28A0092B-C50C-407E-A947-70E740481C1C}">
+                <a14:useLocalDpi xmlns:a14="http://schemas.microsoft.com/office/drawing/2010/main" val="0"/>
+              </a:ext>
+            </a:extLst>
+          </a:blip>
+          <a:srcRect l="25533" r="24467"/>
+          <a:stretch/>
+        </p:blipFill>
+        <p:spPr>
+          <a:xfrm>
+            <a:off x="350921" y="511352"/>
+            <a:ext cx="5394159" cy="5885437"/>
+          </a:xfrm>
+          <a:prstGeom prst="rect">
+            <a:avLst/>
+          </a:prstGeom>
+        </p:spPr>
+      </p:pic>
+      <p:cxnSp>
+        <p:nvCxnSpPr>
+          <p:cNvPr id="26" name="Straight Connector 30">
+            <a:extLst>
+              <a:ext uri="{FF2B5EF4-FFF2-40B4-BE49-F238E27FC236}">
+                <a16:creationId xmlns:a16="http://schemas.microsoft.com/office/drawing/2014/main" xmlns="" id="{D28A9C89-B313-458F-9C85-515930A51A93}"/>
+              </a:ext>
+              <a:ext uri="{C183D7F6-B498-43B3-948B-1728B52AA6E4}">
+                <adec:decorative xmlns:adec="http://schemas.microsoft.com/office/drawing/2017/decorative" xmlns="" val="1"/>
+              </a:ext>
+            </a:extLst>
+          </p:cNvPr>
+          <p:cNvCxnSpPr>
+            <a:cxnSpLocks noGrp="1" noRot="1" noChangeAspect="1" noMove="1" noResize="1" noEditPoints="1" noAdjustHandles="1" noChangeArrowheads="1" noChangeShapeType="1"/>
+          </p:cNvCxnSpPr>
+          <p:nvPr>
+            <p:extLst>
+              <p:ext uri="{386F3935-93C4-4BCD-93E2-E3B085C9AB24}">
+                <p16:designElem xmlns:p16="http://schemas.microsoft.com/office/powerpoint/2015/main" xmlns="" val="1"/>
+              </p:ext>
+            </p:extLst>
+          </p:nvPr>
+        </p:nvCxnSpPr>
+        <p:spPr>
+          <a:xfrm>
+            <a:off x="6805053" y="4343400"/>
+            <a:ext cx="4389120" cy="0"/>
+          </a:xfrm>
+          <a:prstGeom prst="line">
+            <a:avLst/>
+          </a:prstGeom>
+          <a:ln w="6350">
+            <a:solidFill>
+              <a:schemeClr val="tx2">
+                <a:alpha val="90000"/>
+              </a:schemeClr>
+            </a:solidFill>
+          </a:ln>
+        </p:spPr>
+        <p:style>
+          <a:lnRef idx="1">
+            <a:schemeClr val="accent1"/>
+          </a:lnRef>
+          <a:fillRef idx="0">
+            <a:schemeClr val="accent1"/>
+          </a:fillRef>
+          <a:effectRef idx="0">
+            <a:schemeClr val="accent1"/>
+          </a:effectRef>
+          <a:fontRef idx="minor">
+            <a:schemeClr val="tx1"/>
+          </a:fontRef>
+        </p:style>
+      </p:cxnSp>
+    </p:spTree>
+    <p:extLst>
+      <p:ext uri="{BB962C8B-B14F-4D97-AF65-F5344CB8AC3E}">
+        <p14:creationId xmlns:p14="http://schemas.microsoft.com/office/powerpoint/2010/main" val="1819106708"/>
+      </p:ext>
+    </p:extLst>
+  </p:cSld>
+  <p:clrMapOvr>
+    <a:masterClrMapping/>
+  </p:clrMapOvr>
+  <p:timing>
+    <p:tnLst>
+      <p:par>
+        <p:cTn id="1" dur="indefinite" restart="never" nodeType="tmRoot"/>
+      </p:par>
+    </p:tnLst>
+  </p:timing>
+</p:sld>
+</file>
+
+<file path=ppt/slides/slide4.xml><?xml version="1.0" encoding="utf-8"?>
+<p:sld xmlns:a="http://schemas.openxmlformats.org/drawingml/2006/main" xmlns:r="http://schemas.openxmlformats.org/officeDocument/2006/relationships" xmlns:p="http://schemas.openxmlformats.org/presentationml/2006/main">
+  <p:cSld>
+    <p:bg>
+      <p:bgPr>
+        <a:solidFill>
+          <a:schemeClr val="bg1"/>
+        </a:solidFill>
+        <a:effectLst/>
+      </p:bgPr>
+    </p:bg>
+    <p:spTree>
+      <p:nvGrpSpPr>
+        <p:cNvPr id="1" name=""/>
+        <p:cNvGrpSpPr/>
+        <p:nvPr/>
+      </p:nvGrpSpPr>
+      <p:grpSpPr>
+        <a:xfrm>
+          <a:off x="0" y="0"/>
+          <a:ext cx="0" cy="0"/>
+          <a:chOff x="0" y="0"/>
+          <a:chExt cx="0" cy="0"/>
+        </a:xfrm>
+      </p:grpSpPr>
+      <p:sp useBgFill="1">
+        <p:nvSpPr>
+          <p:cNvPr id="1050" name="Rectangle 88">
+            <a:extLst>
+              <a:ext uri="{FF2B5EF4-FFF2-40B4-BE49-F238E27FC236}">
+                <a16:creationId xmlns:a16="http://schemas.microsoft.com/office/drawing/2014/main" xmlns="" id="{284B70D5-875B-433D-BDBD-1522A85D6C1D}"/>
+              </a:ext>
+              <a:ext uri="{C183D7F6-B498-43B3-948B-1728B52AA6E4}">
+                <adec:decorative xmlns:adec="http://schemas.microsoft.com/office/drawing/2017/decorative" xmlns="" val="1"/>
+              </a:ext>
+            </a:extLst>
+          </p:cNvPr>
+          <p:cNvSpPr>
+            <a:spLocks noGrp="1" noRot="1" noChangeAspect="1" noMove="1" noResize="1" noEditPoints="1" noAdjustHandles="1" noChangeArrowheads="1" noChangeShapeType="1" noTextEdit="1"/>
+          </p:cNvSpPr>
+          <p:nvPr>
+            <p:extLst>
+              <p:ext uri="{386F3935-93C4-4BCD-93E2-E3B085C9AB24}">
+                <p16:designElem xmlns:p16="http://schemas.microsoft.com/office/powerpoint/2015/main" xmlns="" val="1"/>
+              </p:ext>
+            </p:extLst>
+          </p:nvPr>
+        </p:nvSpPr>
+        <p:spPr>
+          <a:xfrm>
+            <a:off x="0" y="0"/>
+            <a:ext cx="12192001" cy="6334316"/>
+          </a:xfrm>
+          <a:prstGeom prst="rect">
+            <a:avLst/>
+          </a:prstGeom>
+          <a:ln>
+            <a:noFill/>
+          </a:ln>
+        </p:spPr>
+        <p:style>
+          <a:lnRef idx="2">
+            <a:schemeClr val="accent1">
+              <a:shade val="50000"/>
+            </a:schemeClr>
+          </a:lnRef>
+          <a:fillRef idx="1">
+            <a:schemeClr val="accent1"/>
+          </a:fillRef>
+          <a:effectRef idx="0">
+            <a:schemeClr val="accent1"/>
+          </a:effectRef>
+          <a:fontRef idx="minor">
+            <a:schemeClr val="lt1"/>
+          </a:fontRef>
+        </p:style>
+        <p:txBody>
+          <a:bodyPr rtlCol="0" anchor="ctr"/>
+          <a:lstStyle/>
+          <a:p>
+            <a:pPr algn="ctr"/>
+            <a:endParaRPr lang="en-US"/>
+          </a:p>
+        </p:txBody>
+      </p:sp>
+      <p:sp>
+        <p:nvSpPr>
+          <p:cNvPr id="2" name="Заголовок 1"/>
+          <p:cNvSpPr>
+            <a:spLocks noGrp="1"/>
+          </p:cNvSpPr>
+          <p:nvPr>
+            <p:ph type="title"/>
+          </p:nvPr>
+        </p:nvSpPr>
+        <p:spPr>
+          <a:xfrm>
+            <a:off x="7859485" y="634946"/>
+            <a:ext cx="3690257" cy="1450757"/>
+          </a:xfrm>
+        </p:spPr>
+        <p:txBody>
+          <a:bodyPr>
+            <a:normAutofit/>
+          </a:bodyPr>
+          <a:lstStyle/>
+          <a:p>
+            <a:r>
+              <a:rPr lang="ru-RU" dirty="0"/>
+              <a:t>Поле игры</a:t>
+            </a:r>
+          </a:p>
+        </p:txBody>
+      </p:sp>
+      <p:cxnSp>
+        <p:nvCxnSpPr>
+          <p:cNvPr id="1051" name="Straight Connector 90">
+            <a:extLst>
+              <a:ext uri="{FF2B5EF4-FFF2-40B4-BE49-F238E27FC236}">
+                <a16:creationId xmlns:a16="http://schemas.microsoft.com/office/drawing/2014/main" xmlns="" id="{C947DF4A-614C-4B4C-8B80-E5B9D8E8CFED}"/>
+              </a:ext>
+              <a:ext uri="{C183D7F6-B498-43B3-948B-1728B52AA6E4}">
+                <adec:decorative xmlns:adec="http://schemas.microsoft.com/office/drawing/2017/decorative" xmlns="" val="1"/>
+              </a:ext>
+            </a:extLst>
+          </p:cNvPr>
+          <p:cNvCxnSpPr>
+            <a:cxnSpLocks noGrp="1" noRot="1" noChangeAspect="1" noMove="1" noResize="1" noEditPoints="1" noAdjustHandles="1" noChangeArrowheads="1" noChangeShapeType="1"/>
+          </p:cNvCxnSpPr>
+          <p:nvPr>
+            <p:extLst>
+              <p:ext uri="{386F3935-93C4-4BCD-93E2-E3B085C9AB24}">
+                <p16:designElem xmlns:p16="http://schemas.microsoft.com/office/powerpoint/2015/main" xmlns="" val="1"/>
+              </p:ext>
+            </p:extLst>
+          </p:nvPr>
+        </p:nvCxnSpPr>
+        <p:spPr>
+          <a:xfrm>
+            <a:off x="7892143" y="2085703"/>
+            <a:ext cx="3566160" cy="0"/>
+          </a:xfrm>
+          <a:prstGeom prst="line">
+            <a:avLst/>
+          </a:prstGeom>
+          <a:ln w="6350">
+            <a:solidFill>
+              <a:schemeClr val="tx1">
+                <a:lumMod val="50000"/>
+                <a:lumOff val="50000"/>
+                <a:alpha val="90000"/>
+              </a:schemeClr>
+            </a:solidFill>
+          </a:ln>
+        </p:spPr>
+        <p:style>
+          <a:lnRef idx="1">
+            <a:schemeClr val="accent1"/>
+          </a:lnRef>
+          <a:fillRef idx="0">
+            <a:schemeClr val="accent1"/>
+          </a:fillRef>
+          <a:effectRef idx="0">
+            <a:schemeClr val="accent1"/>
+          </a:effectRef>
+          <a:fontRef idx="minor">
+            <a:schemeClr val="tx1"/>
+          </a:fontRef>
+        </p:style>
+      </p:cxnSp>
+      <p:sp>
+        <p:nvSpPr>
+          <p:cNvPr id="3" name="Объект 2"/>
+          <p:cNvSpPr>
+            <a:spLocks noGrp="1"/>
+          </p:cNvSpPr>
+          <p:nvPr>
+            <p:ph idx="1"/>
+          </p:nvPr>
+        </p:nvSpPr>
+        <p:spPr>
+          <a:xfrm>
+            <a:off x="7859485" y="2198914"/>
+            <a:ext cx="3690257" cy="3670180"/>
+          </a:xfrm>
+        </p:spPr>
+        <p:txBody>
+          <a:bodyPr>
+            <a:normAutofit/>
+          </a:bodyPr>
+          <a:lstStyle/>
+          <a:p>
+            <a:r>
+              <a:rPr lang="ru-RU" dirty="0"/>
+              <a:t>Поле. Герой в синих штанах, синие кружки – места, куда можно поставить ловушки. Также есть монетки. Слева сверху отображается здоровье игрока и количество оставшихся действий, а справа сверху количество оставшихся монет.</a:t>
+            </a:r>
+          </a:p>
+        </p:txBody>
+      </p:sp>
+      <p:sp>
+        <p:nvSpPr>
+          <p:cNvPr id="1052" name="Rectangle 92">
+            <a:extLst>
+              <a:ext uri="{FF2B5EF4-FFF2-40B4-BE49-F238E27FC236}">
+                <a16:creationId xmlns:a16="http://schemas.microsoft.com/office/drawing/2014/main" xmlns="" id="{1E299956-A9E7-4FC1-A0B1-D590CA9730E8}"/>
+              </a:ext>
+              <a:ext uri="{C183D7F6-B498-43B3-948B-1728B52AA6E4}">
+                <adec:decorative xmlns:adec="http://schemas.microsoft.com/office/drawing/2017/decorative" xmlns="" val="1"/>
+              </a:ext>
+            </a:extLst>
+          </p:cNvPr>
+          <p:cNvSpPr>
+            <a:spLocks noGrp="1" noRot="1" noChangeAspect="1" noMove="1" noResize="1" noEditPoints="1" noAdjustHandles="1" noChangeArrowheads="1" noChangeShapeType="1" noTextEdit="1"/>
+          </p:cNvSpPr>
+          <p:nvPr>
+            <p:extLst>
+              <p:ext uri="{386F3935-93C4-4BCD-93E2-E3B085C9AB24}">
+                <p16:designElem xmlns:p16="http://schemas.microsoft.com/office/powerpoint/2015/main" xmlns="" val="1"/>
+              </p:ext>
+            </p:extLst>
+          </p:nvPr>
+        </p:nvSpPr>
+        <p:spPr>
+          <a:xfrm>
+            <a:off x="15" y="6334316"/>
+            <a:ext cx="12191985" cy="66484"/>
+          </a:xfrm>
+          <a:prstGeom prst="rect">
+            <a:avLst/>
+          </a:prstGeom>
+          <a:solidFill>
+            <a:schemeClr val="accent1"/>
+          </a:solidFill>
+          <a:ln>
+            <a:noFill/>
+          </a:ln>
+        </p:spPr>
+        <p:style>
+          <a:lnRef idx="2">
+            <a:schemeClr val="accent1">
+              <a:shade val="50000"/>
+            </a:schemeClr>
+          </a:lnRef>
+          <a:fillRef idx="1">
+            <a:schemeClr val="accent1"/>
+          </a:fillRef>
+          <a:effectRef idx="0">
+            <a:schemeClr val="accent1"/>
+          </a:effectRef>
+          <a:fontRef idx="minor">
+            <a:schemeClr val="lt1"/>
+          </a:fontRef>
+        </p:style>
+      </p:sp>
+      <p:sp>
+        <p:nvSpPr>
+          <p:cNvPr id="1053" name="Rectangle 94">
+            <a:extLst>
+              <a:ext uri="{FF2B5EF4-FFF2-40B4-BE49-F238E27FC236}">
+                <a16:creationId xmlns:a16="http://schemas.microsoft.com/office/drawing/2014/main" xmlns="" id="{17FC539C-B783-4B03-9F9E-D13430F3F64F}"/>
+              </a:ext>
+              <a:ext uri="{C183D7F6-B498-43B3-948B-1728B52AA6E4}">
+                <adec:decorative xmlns:adec="http://schemas.microsoft.com/office/drawing/2017/decorative" xmlns="" val="1"/>
+              </a:ext>
+            </a:extLst>
+          </p:cNvPr>
+          <p:cNvSpPr>
+            <a:spLocks noGrp="1" noRot="1" noChangeAspect="1" noMove="1" noResize="1" noEditPoints="1" noAdjustHandles="1" noChangeArrowheads="1" noChangeShapeType="1" noTextEdit="1"/>
+          </p:cNvSpPr>
+          <p:nvPr>
+            <p:extLst>
+              <p:ext uri="{386F3935-93C4-4BCD-93E2-E3B085C9AB24}">
+                <p16:designElem xmlns:p16="http://schemas.microsoft.com/office/powerpoint/2015/main" xmlns="" val="1"/>
+              </p:ext>
+            </p:extLst>
+          </p:nvPr>
+        </p:nvSpPr>
+        <p:spPr>
+          <a:xfrm>
+            <a:off x="1" y="6400800"/>
+            <a:ext cx="12192000" cy="457200"/>
+          </a:xfrm>
+          <a:prstGeom prst="rect">
+            <a:avLst/>
+          </a:prstGeom>
+          <a:solidFill>
+            <a:schemeClr val="accent2"/>
+          </a:solidFill>
+          <a:ln>
+            <a:noFill/>
+          </a:ln>
+        </p:spPr>
+        <p:style>
+          <a:lnRef idx="2">
+            <a:schemeClr val="accent1">
+              <a:shade val="50000"/>
+            </a:schemeClr>
+          </a:lnRef>
+          <a:fillRef idx="1">
+            <a:schemeClr val="accent1"/>
+          </a:fillRef>
+          <a:effectRef idx="0">
+            <a:schemeClr val="accent1"/>
+          </a:effectRef>
+          <a:fontRef idx="minor">
+            <a:schemeClr val="lt1"/>
+          </a:fontRef>
+        </p:style>
+      </p:sp>
+      <p:pic>
+        <p:nvPicPr>
+          <p:cNvPr id="4" name="Рисунок 3"/>
+          <p:cNvPicPr>
+            <a:picLocks noChangeAspect="1"/>
+          </p:cNvPicPr>
+          <p:nvPr/>
+        </p:nvPicPr>
+        <p:blipFill>
+          <a:blip r:embed="rId2" cstate="print">
+            <a:extLst>
+              <a:ext uri="{28A0092B-C50C-407E-A947-70E740481C1C}">
+                <a14:useLocalDpi xmlns:a14="http://schemas.microsoft.com/office/drawing/2010/main" val="0"/>
+              </a:ext>
+            </a:extLst>
+          </a:blip>
+          <a:stretch>
+            <a:fillRect/>
+          </a:stretch>
+        </p:blipFill>
+        <p:spPr>
+          <a:xfrm>
+            <a:off x="-6833" y="1149292"/>
+            <a:ext cx="7882647" cy="4432192"/>
+          </a:xfrm>
+          <a:prstGeom prst="rect">
+            <a:avLst/>
+          </a:prstGeom>
+        </p:spPr>
+      </p:pic>
+    </p:spTree>
+    <p:extLst>
+      <p:ext uri="{BB962C8B-B14F-4D97-AF65-F5344CB8AC3E}">
+        <p14:creationId xmlns:p14="http://schemas.microsoft.com/office/powerpoint/2010/main" val="1627622157"/>
+      </p:ext>
+    </p:extLst>
+  </p:cSld>
+  <p:clrMapOvr>
+    <a:masterClrMapping/>
+  </p:clrMapOvr>
+  <p:timing>
+    <p:tnLst>
+      <p:par>
+        <p:cTn id="1" dur="indefinite" restart="never" nodeType="tmRoot"/>
+      </p:par>
+    </p:tnLst>
+  </p:timing>
+</p:sld>
+</file>
+
+<file path=ppt/slides/slide5.xml><?xml version="1.0" encoding="utf-8"?>
+<p:sld xmlns:a="http://schemas.openxmlformats.org/drawingml/2006/main" xmlns:r="http://schemas.openxmlformats.org/officeDocument/2006/relationships" xmlns:p="http://schemas.openxmlformats.org/presentationml/2006/main">
+  <p:cSld>
+    <p:bg>
+      <p:bgPr>
+        <a:solidFill>
+          <a:schemeClr val="bg1"/>
+        </a:solidFill>
+        <a:effectLst/>
+      </p:bgPr>
+    </p:bg>
+    <p:spTree>
+      <p:nvGrpSpPr>
+        <p:cNvPr id="1" name=""/>
+        <p:cNvGrpSpPr/>
+        <p:nvPr/>
+      </p:nvGrpSpPr>
+      <p:grpSpPr>
+        <a:xfrm>
+          <a:off x="0" y="0"/>
+          <a:ext cx="0" cy="0"/>
+          <a:chOff x="0" y="0"/>
+          <a:chExt cx="0" cy="0"/>
+        </a:xfrm>
+      </p:grpSpPr>
+      <p:sp useBgFill="1">
+        <p:nvSpPr>
+          <p:cNvPr id="2057" name="Rectangle 70">
+            <a:extLst>
+              <a:ext uri="{FF2B5EF4-FFF2-40B4-BE49-F238E27FC236}">
+                <a16:creationId xmlns:a16="http://schemas.microsoft.com/office/drawing/2014/main" xmlns="" id="{990D0034-F768-41E7-85D4-F38C4DE85770}"/>
+              </a:ext>
+              <a:ext uri="{C183D7F6-B498-43B3-948B-1728B52AA6E4}">
+                <adec:decorative xmlns:adec="http://schemas.microsoft.com/office/drawing/2017/decorative" xmlns="" val="1"/>
+              </a:ext>
+            </a:extLst>
+          </p:cNvPr>
+          <p:cNvSpPr>
+            <a:spLocks noGrp="1" noRot="1" noChangeAspect="1" noMove="1" noResize="1" noEditPoints="1" noAdjustHandles="1" noChangeArrowheads="1" noChangeShapeType="1" noTextEdit="1"/>
+          </p:cNvSpPr>
+          <p:nvPr>
+            <p:extLst>
+              <p:ext uri="{386F3935-93C4-4BCD-93E2-E3B085C9AB24}">
+                <p16:designElem xmlns:p16="http://schemas.microsoft.com/office/powerpoint/2015/main" xmlns="" val="1"/>
+              </p:ext>
+            </p:extLst>
+          </p:nvPr>
+        </p:nvSpPr>
+        <p:spPr>
+          <a:xfrm>
+            <a:off x="0" y="0"/>
+            <a:ext cx="12186315" cy="6858000"/>
+          </a:xfrm>
+          <a:prstGeom prst="rect">
+            <a:avLst/>
+          </a:prstGeom>
+          <a:ln>
+            <a:noFill/>
+          </a:ln>
+        </p:spPr>
+        <p:style>
+          <a:lnRef idx="2">
+            <a:schemeClr val="accent6">
+              <a:shade val="50000"/>
+            </a:schemeClr>
+          </a:lnRef>
+          <a:fillRef idx="1001">
+            <a:schemeClr val="lt1"/>
+          </a:fillRef>
+          <a:effectRef idx="0">
+            <a:schemeClr val="accent6"/>
+          </a:effectRef>
+          <a:fontRef idx="minor">
+            <a:schemeClr val="lt1"/>
+          </a:fontRef>
+        </p:style>
+        <p:txBody>
+          <a:bodyPr rtlCol="0" anchor="ctr"/>
+          <a:lstStyle/>
+          <a:p>
+            <a:pPr algn="ctr"/>
+            <a:endParaRPr lang="en-US"/>
+          </a:p>
+        </p:txBody>
+      </p:sp>
+      <p:sp>
+        <p:nvSpPr>
+          <p:cNvPr id="2" name="Заголовок 1"/>
+          <p:cNvSpPr>
+            <a:spLocks noGrp="1"/>
+          </p:cNvSpPr>
+          <p:nvPr>
+            <p:ph type="title"/>
+          </p:nvPr>
+        </p:nvSpPr>
+        <p:spPr>
+          <a:xfrm>
+            <a:off x="477078" y="516835"/>
+            <a:ext cx="3100136" cy="2103875"/>
+          </a:xfrm>
+        </p:spPr>
+        <p:txBody>
+          <a:bodyPr>
+            <a:normAutofit/>
+          </a:bodyPr>
+          <a:lstStyle/>
+          <a:p>
+            <a:r>
+              <a:rPr lang="ru-RU" sz="3600"/>
+              <a:t>Ловушки и количество ходов</a:t>
+            </a:r>
+          </a:p>
+        </p:txBody>
+      </p:sp>
+      <p:cxnSp>
+        <p:nvCxnSpPr>
+          <p:cNvPr id="2058" name="Straight Connector 72">
+            <a:extLst>
+              <a:ext uri="{FF2B5EF4-FFF2-40B4-BE49-F238E27FC236}">
+                <a16:creationId xmlns:a16="http://schemas.microsoft.com/office/drawing/2014/main" xmlns="" id="{5A0A5CF6-407C-4691-8122-49DF69D0020D}"/>
+              </a:ext>
+              <a:ext uri="{C183D7F6-B498-43B3-948B-1728B52AA6E4}">
+                <adec:decorative xmlns:adec="http://schemas.microsoft.com/office/drawing/2017/decorative" xmlns="" val="1"/>
+              </a:ext>
+            </a:extLst>
+          </p:cNvPr>
+          <p:cNvCxnSpPr>
+            <a:cxnSpLocks noGrp="1" noRot="1" noChangeAspect="1" noMove="1" noResize="1" noEditPoints="1" noAdjustHandles="1" noChangeArrowheads="1" noChangeShapeType="1"/>
+          </p:cNvCxnSpPr>
+          <p:nvPr>
+            <p:extLst>
+              <p:ext uri="{386F3935-93C4-4BCD-93E2-E3B085C9AB24}">
+                <p16:designElem xmlns:p16="http://schemas.microsoft.com/office/powerpoint/2015/main" xmlns="" val="1"/>
+              </p:ext>
+            </p:extLst>
+          </p:nvPr>
+        </p:nvCxnSpPr>
+        <p:spPr>
+          <a:xfrm>
+            <a:off x="590927" y="2633962"/>
+            <a:ext cx="2743200" cy="0"/>
+          </a:xfrm>
+          <a:prstGeom prst="line">
+            <a:avLst/>
+          </a:prstGeom>
+          <a:ln w="6350">
+            <a:solidFill>
+              <a:schemeClr val="tx1">
+                <a:lumMod val="50000"/>
+                <a:lumOff val="50000"/>
+                <a:alpha val="90000"/>
+              </a:schemeClr>
+            </a:solidFill>
+          </a:ln>
+        </p:spPr>
+        <p:style>
+          <a:lnRef idx="1">
+            <a:schemeClr val="accent1"/>
+          </a:lnRef>
+          <a:fillRef idx="0">
+            <a:schemeClr val="accent1"/>
+          </a:fillRef>
+          <a:effectRef idx="0">
+            <a:schemeClr val="accent1"/>
+          </a:effectRef>
+          <a:fontRef idx="minor">
+            <a:schemeClr val="tx1"/>
+          </a:fontRef>
+        </p:style>
+      </p:cxnSp>
+      <p:sp>
+        <p:nvSpPr>
+          <p:cNvPr id="3" name="Объект 2"/>
+          <p:cNvSpPr>
+            <a:spLocks noGrp="1"/>
+          </p:cNvSpPr>
+          <p:nvPr>
+            <p:ph idx="1"/>
+          </p:nvPr>
+        </p:nvSpPr>
+        <p:spPr>
+          <a:xfrm>
+            <a:off x="492371" y="2736574"/>
+            <a:ext cx="3084844" cy="3366047"/>
+          </a:xfrm>
+        </p:spPr>
+        <p:txBody>
+          <a:bodyPr>
+            <a:normAutofit/>
+          </a:bodyPr>
+          <a:lstStyle/>
+          <a:p>
+            <a:pPr marL="0" indent="0">
+              <a:buNone/>
+            </a:pPr>
+            <a:r>
+              <a:rPr lang="ru-RU" sz="1600" dirty="0"/>
+              <a:t>Демонстрация работы ловушек, если в момент запуска клетки на ячейке никого нет, она преобразуется в ловушку, иначе сверху летит клетка… При попадании на какого-то героя, клетка вместе с героем постепенно исчезает.</a:t>
+            </a:r>
+            <a:endParaRPr lang="ru-RU" sz="1600" dirty="0"/>
+          </a:p>
+        </p:txBody>
+      </p:sp>
+      <p:pic>
+        <p:nvPicPr>
+          <p:cNvPr id="4" name="Рисунок 3"/>
+          <p:cNvPicPr>
+            <a:picLocks noChangeAspect="1"/>
+          </p:cNvPicPr>
+          <p:nvPr/>
+        </p:nvPicPr>
+        <p:blipFill rotWithShape="1">
+          <a:blip r:embed="rId2">
+            <a:extLst>
+              <a:ext uri="{28A0092B-C50C-407E-A947-70E740481C1C}">
+                <a14:useLocalDpi xmlns:a14="http://schemas.microsoft.com/office/drawing/2010/main" val="0"/>
+              </a:ext>
+            </a:extLst>
+          </a:blip>
+          <a:srcRect l="29725" r="4486"/>
+          <a:stretch/>
+        </p:blipFill>
+        <p:spPr>
+          <a:xfrm>
+            <a:off x="4168141" y="0"/>
+            <a:ext cx="8021063" cy="6855220"/>
+          </a:xfrm>
+          <a:prstGeom prst="rect">
+            <a:avLst/>
+          </a:prstGeom>
+        </p:spPr>
+      </p:pic>
+    </p:spTree>
+    <p:extLst>
+      <p:ext uri="{BB962C8B-B14F-4D97-AF65-F5344CB8AC3E}">
+        <p14:creationId xmlns:p14="http://schemas.microsoft.com/office/powerpoint/2010/main" val="879388881"/>
+      </p:ext>
+    </p:extLst>
+  </p:cSld>
+  <p:clrMapOvr>
+    <a:masterClrMapping/>
+  </p:clrMapOvr>
+  <p:timing>
+    <p:tnLst>
+      <p:par>
+        <p:cTn id="1" dur="indefinite" restart="never" nodeType="tmRoot"/>
+      </p:par>
+    </p:tnLst>
+  </p:timing>
+</p:sld>
+</file>
+
+<file path=ppt/slides/slide6.xml><?xml version="1.0" encoding="utf-8"?>
+<p:sld xmlns:a="http://schemas.openxmlformats.org/drawingml/2006/main" xmlns:r="http://schemas.openxmlformats.org/officeDocument/2006/relationships" xmlns:p="http://schemas.openxmlformats.org/presentationml/2006/main">
+  <p:cSld>
+    <p:bg>
+      <p:bgPr>
+        <a:solidFill>
+          <a:schemeClr val="bg1"/>
+        </a:solidFill>
+        <a:effectLst/>
+      </p:bgPr>
+    </p:bg>
+    <p:spTree>
+      <p:nvGrpSpPr>
+        <p:cNvPr id="1" name=""/>
+        <p:cNvGrpSpPr/>
+        <p:nvPr/>
+      </p:nvGrpSpPr>
+      <p:grpSpPr>
+        <a:xfrm>
+          <a:off x="0" y="0"/>
+          <a:ext cx="0" cy="0"/>
+          <a:chOff x="0" y="0"/>
+          <a:chExt cx="0" cy="0"/>
+        </a:xfrm>
+      </p:grpSpPr>
+      <p:sp useBgFill="1">
+        <p:nvSpPr>
+          <p:cNvPr id="11" name="Rectangle 9">
+            <a:extLst>
+              <a:ext uri="{FF2B5EF4-FFF2-40B4-BE49-F238E27FC236}">
+                <a16:creationId xmlns:a16="http://schemas.microsoft.com/office/drawing/2014/main" xmlns="" id="{990D0034-F768-41E7-85D4-F38C4DE85770}"/>
+              </a:ext>
+              <a:ext uri="{C183D7F6-B498-43B3-948B-1728B52AA6E4}">
+                <adec:decorative xmlns:adec="http://schemas.microsoft.com/office/drawing/2017/decorative" xmlns="" val="1"/>
+              </a:ext>
+            </a:extLst>
+          </p:cNvPr>
+          <p:cNvSpPr>
+            <a:spLocks noGrp="1" noRot="1" noChangeAspect="1" noMove="1" noResize="1" noEditPoints="1" noAdjustHandles="1" noChangeArrowheads="1" noChangeShapeType="1" noTextEdit="1"/>
+          </p:cNvSpPr>
+          <p:nvPr>
+            <p:extLst>
+              <p:ext uri="{386F3935-93C4-4BCD-93E2-E3B085C9AB24}">
+                <p16:designElem xmlns:p16="http://schemas.microsoft.com/office/powerpoint/2015/main" xmlns="" val="1"/>
+              </p:ext>
+            </p:extLst>
+          </p:nvPr>
+        </p:nvSpPr>
+        <p:spPr>
+          <a:xfrm>
+            <a:off x="0" y="0"/>
+            <a:ext cx="12186315" cy="6858000"/>
+          </a:xfrm>
+          <a:prstGeom prst="rect">
+            <a:avLst/>
+          </a:prstGeom>
+          <a:ln>
+            <a:noFill/>
+          </a:ln>
+        </p:spPr>
+        <p:style>
+          <a:lnRef idx="2">
+            <a:schemeClr val="accent6">
+              <a:shade val="50000"/>
+            </a:schemeClr>
+          </a:lnRef>
+          <a:fillRef idx="1001">
+            <a:schemeClr val="lt1"/>
+          </a:fillRef>
+          <a:effectRef idx="0">
+            <a:schemeClr val="accent6"/>
+          </a:effectRef>
+          <a:fontRef idx="minor">
+            <a:schemeClr val="lt1"/>
+          </a:fontRef>
+        </p:style>
+        <p:txBody>
+          <a:bodyPr rtlCol="0" anchor="ctr"/>
+          <a:lstStyle/>
+          <a:p>
+            <a:pPr algn="ctr"/>
+            <a:endParaRPr lang="en-US"/>
+          </a:p>
+        </p:txBody>
+      </p:sp>
+      <p:sp>
+        <p:nvSpPr>
+          <p:cNvPr id="2" name="Заголовок 1"/>
+          <p:cNvSpPr>
+            <a:spLocks noGrp="1"/>
+          </p:cNvSpPr>
+          <p:nvPr>
+            <p:ph type="title"/>
+          </p:nvPr>
+        </p:nvSpPr>
+        <p:spPr>
+          <a:xfrm>
+            <a:off x="477078" y="516835"/>
+            <a:ext cx="3100136" cy="2103875"/>
+          </a:xfrm>
+        </p:spPr>
+        <p:txBody>
+          <a:bodyPr vert="horz" lIns="91440" tIns="45720" rIns="91440" bIns="45720" rtlCol="0" anchor="b">
+            <a:normAutofit/>
+          </a:bodyPr>
+          <a:lstStyle/>
+          <a:p>
+            <a:r>
+              <a:rPr lang="en-US" sz="3600" kern="1200" spc="-50" baseline="0">
+                <a:solidFill>
+                  <a:schemeClr val="tx1">
+                    <a:lumMod val="75000"/>
+                    <a:lumOff val="25000"/>
+                  </a:schemeClr>
+                </a:solidFill>
+                <a:latin typeface="+mj-lt"/>
+                <a:ea typeface="+mj-ea"/>
+                <a:cs typeface="+mj-cs"/>
+              </a:rPr>
+              <a:t>Статистика</a:t>
+            </a:r>
+          </a:p>
+        </p:txBody>
+      </p:sp>
+      <p:cxnSp>
+        <p:nvCxnSpPr>
+          <p:cNvPr id="13" name="Straight Connector 11">
+            <a:extLst>
+              <a:ext uri="{FF2B5EF4-FFF2-40B4-BE49-F238E27FC236}">
+                <a16:creationId xmlns:a16="http://schemas.microsoft.com/office/drawing/2014/main" xmlns="" id="{5A0A5CF6-407C-4691-8122-49DF69D0020D}"/>
+              </a:ext>
+              <a:ext uri="{C183D7F6-B498-43B3-948B-1728B52AA6E4}">
+                <adec:decorative xmlns:adec="http://schemas.microsoft.com/office/drawing/2017/decorative" xmlns="" val="1"/>
+              </a:ext>
+            </a:extLst>
+          </p:cNvPr>
+          <p:cNvCxnSpPr>
+            <a:cxnSpLocks noGrp="1" noRot="1" noChangeAspect="1" noMove="1" noResize="1" noEditPoints="1" noAdjustHandles="1" noChangeArrowheads="1" noChangeShapeType="1"/>
+          </p:cNvCxnSpPr>
+          <p:nvPr>
+            <p:extLst>
+              <p:ext uri="{386F3935-93C4-4BCD-93E2-E3B085C9AB24}">
+                <p16:designElem xmlns:p16="http://schemas.microsoft.com/office/powerpoint/2015/main" xmlns="" val="1"/>
+              </p:ext>
+            </p:extLst>
+          </p:nvPr>
+        </p:nvCxnSpPr>
+        <p:spPr>
+          <a:xfrm>
+            <a:off x="590927" y="2633962"/>
+            <a:ext cx="2743200" cy="0"/>
+          </a:xfrm>
+          <a:prstGeom prst="line">
+            <a:avLst/>
+          </a:prstGeom>
+          <a:ln w="6350">
+            <a:solidFill>
+              <a:schemeClr val="tx1">
+                <a:lumMod val="50000"/>
+                <a:lumOff val="50000"/>
+                <a:alpha val="90000"/>
+              </a:schemeClr>
+            </a:solidFill>
+          </a:ln>
+        </p:spPr>
+        <p:style>
+          <a:lnRef idx="1">
+            <a:schemeClr val="accent1"/>
+          </a:lnRef>
+          <a:fillRef idx="0">
+            <a:schemeClr val="accent1"/>
+          </a:fillRef>
+          <a:effectRef idx="0">
+            <a:schemeClr val="accent1"/>
+          </a:effectRef>
+          <a:fontRef idx="minor">
+            <a:schemeClr val="tx1"/>
+          </a:fontRef>
+        </p:style>
+      </p:cxnSp>
+      <p:sp>
+        <p:nvSpPr>
+          <p:cNvPr id="5" name="TextBox 4"/>
+          <p:cNvSpPr txBox="1"/>
+          <p:nvPr/>
+        </p:nvSpPr>
+        <p:spPr>
+          <a:xfrm>
+            <a:off x="492371" y="2736574"/>
+            <a:ext cx="3084844" cy="3366047"/>
+          </a:xfrm>
+          <a:prstGeom prst="rect">
+            <a:avLst/>
+          </a:prstGeom>
+        </p:spPr>
+        <p:txBody>
+          <a:bodyPr vert="horz" lIns="0" tIns="45720" rIns="0" bIns="45720" rtlCol="0">
+            <a:normAutofit/>
+          </a:bodyPr>
+          <a:lstStyle/>
+          <a:p>
+            <a:pPr>
+              <a:lnSpc>
+                <a:spcPct val="90000"/>
+              </a:lnSpc>
+              <a:spcAft>
+                <a:spcPts val="600"/>
+              </a:spcAft>
+              <a:buClr>
+                <a:schemeClr val="accent1"/>
+              </a:buClr>
+              <a:buFont typeface="Calibri" panose="020F0502020204030204" pitchFamily="34" charset="0"/>
+            </a:pPr>
+            <a:r>
+              <a:rPr lang="en-US" sz="1500">
+                <a:solidFill>
+                  <a:schemeClr val="tx1">
+                    <a:lumMod val="75000"/>
+                    <a:lumOff val="25000"/>
+                  </a:schemeClr>
+                </a:solidFill>
+              </a:rPr>
+              <a:t>Статистика по игре. Отображается: количество пойманных членов мафии, монет, потраченного здоровья, действий, зачищенных мест, ловушек использовано</a:t>
+            </a:r>
+          </a:p>
+        </p:txBody>
+      </p:sp>
+      <p:pic>
+        <p:nvPicPr>
+          <p:cNvPr id="4" name="Объект 3"/>
+          <p:cNvPicPr>
+            <a:picLocks noGrp="1"/>
+          </p:cNvPicPr>
+          <p:nvPr>
+            <p:ph idx="1"/>
+          </p:nvPr>
+        </p:nvPicPr>
+        <p:blipFill rotWithShape="1">
+          <a:blip r:embed="rId2" cstate="print">
+            <a:extLst>
+              <a:ext uri="{28A0092B-C50C-407E-A947-70E740481C1C}">
+                <a14:useLocalDpi xmlns:a14="http://schemas.microsoft.com/office/drawing/2010/main" val="0"/>
+              </a:ext>
+            </a:extLst>
+          </a:blip>
+          <a:srcRect l="16388" r="17082"/>
+          <a:stretch/>
+        </p:blipFill>
+        <p:spPr>
+          <a:xfrm>
+            <a:off x="4075043" y="10"/>
+            <a:ext cx="8111272" cy="6857990"/>
+          </a:xfrm>
+          <a:prstGeom prst="rect">
+            <a:avLst/>
+          </a:prstGeom>
+        </p:spPr>
+      </p:pic>
+    </p:spTree>
+    <p:extLst>
+      <p:ext uri="{BB962C8B-B14F-4D97-AF65-F5344CB8AC3E}">
+        <p14:creationId xmlns:p14="http://schemas.microsoft.com/office/powerpoint/2010/main" val="3671637155"/>
+      </p:ext>
+    </p:extLst>
+  </p:cSld>
+  <p:clrMapOvr>
+    <a:masterClrMapping/>
+  </p:clrMapOvr>
+  <p:timing>
+    <p:tnLst>
+      <p:par>
+        <p:cTn id="1" dur="indefinite" restart="never" nodeType="tmRoot"/>
+      </p:par>
+    </p:tnLst>
+  </p:timing>
+</p:sld>
+</file>
+
+<file path=ppt/slides/slide7.xml><?xml version="1.0" encoding="utf-8"?>
 <p:sld xmlns:a="http://schemas.openxmlformats.org/drawingml/2006/main" xmlns:r="http://schemas.openxmlformats.org/officeDocument/2006/relationships" xmlns:p="http://schemas.openxmlformats.org/presentationml/2006/main">
   <p:cSld>
     <p:spTree>
@@ -3923,466 +5966,11 @@
           <a:bodyPr/>
           <a:lstStyle/>
           <a:p>
-            <a:r>
-              <a:rPr lang="ru-RU" dirty="0" smtClean="0"/>
-              <a:t>Главное меню</a:t>
-            </a:r>
-            <a:endParaRPr lang="ru-RU" dirty="0"/>
-          </a:p>
-        </p:txBody>
-      </p:sp>
-      <p:sp>
-        <p:nvSpPr>
-          <p:cNvPr id="6" name="Объект 5"/>
-          <p:cNvSpPr>
-            <a:spLocks noGrp="1"/>
-          </p:cNvSpPr>
-          <p:nvPr>
-            <p:ph idx="1"/>
-          </p:nvPr>
-        </p:nvSpPr>
-        <p:spPr>
-          <a:xfrm>
-            <a:off x="838200" y="1825625"/>
-            <a:ext cx="5134761" cy="4351338"/>
-          </a:xfrm>
-        </p:spPr>
-        <p:txBody>
-          <a:bodyPr/>
-          <a:lstStyle/>
-          <a:p>
-            <a:pPr marL="0" indent="0">
-              <a:buNone/>
-            </a:pPr>
-            <a:r>
-              <a:rPr lang="ru-RU" dirty="0" smtClean="0"/>
-              <a:t>В главном меню игрок может либо начать новую игру, либо продолжить прошлую</a:t>
-            </a:r>
-            <a:endParaRPr lang="ru-RU" dirty="0"/>
-          </a:p>
-        </p:txBody>
-      </p:sp>
-      <p:pic>
-        <p:nvPicPr>
-          <p:cNvPr id="3" name="Рисунок 2"/>
-          <p:cNvPicPr>
-            <a:picLocks noChangeAspect="1"/>
-          </p:cNvPicPr>
-          <p:nvPr/>
-        </p:nvPicPr>
-        <p:blipFill>
-          <a:blip r:embed="rId2">
-            <a:extLst>
-              <a:ext uri="{28A0092B-C50C-407E-A947-70E740481C1C}">
-                <a14:useLocalDpi xmlns:a14="http://schemas.microsoft.com/office/drawing/2010/main" val="0"/>
-              </a:ext>
-            </a:extLst>
-          </a:blip>
-          <a:stretch>
-            <a:fillRect/>
-          </a:stretch>
-        </p:blipFill>
-        <p:spPr>
-          <a:xfrm>
-            <a:off x="6126480" y="1825625"/>
-            <a:ext cx="5318551" cy="4137229"/>
-          </a:xfrm>
-          <a:prstGeom prst="rect">
-            <a:avLst/>
-          </a:prstGeom>
-        </p:spPr>
-      </p:pic>
-    </p:spTree>
-    <p:extLst>
-      <p:ext uri="{BB962C8B-B14F-4D97-AF65-F5344CB8AC3E}">
-        <p14:creationId xmlns:p14="http://schemas.microsoft.com/office/powerpoint/2010/main" val="3693952200"/>
-      </p:ext>
-    </p:extLst>
-  </p:cSld>
-  <p:clrMapOvr>
-    <a:masterClrMapping/>
-  </p:clrMapOvr>
-</p:sld>
-</file>
-
-<file path=ppt/slides/slide3.xml><?xml version="1.0" encoding="utf-8"?>
-<p:sld xmlns:a="http://schemas.openxmlformats.org/drawingml/2006/main" xmlns:r="http://schemas.openxmlformats.org/officeDocument/2006/relationships" xmlns:p="http://schemas.openxmlformats.org/presentationml/2006/main">
-  <p:cSld>
-    <p:spTree>
-      <p:nvGrpSpPr>
-        <p:cNvPr id="1" name=""/>
-        <p:cNvGrpSpPr/>
-        <p:nvPr/>
-      </p:nvGrpSpPr>
-      <p:grpSpPr>
-        <a:xfrm>
-          <a:off x="0" y="0"/>
-          <a:ext cx="0" cy="0"/>
-          <a:chOff x="0" y="0"/>
-          <a:chExt cx="0" cy="0"/>
-        </a:xfrm>
-      </p:grpSpPr>
-      <p:sp>
-        <p:nvSpPr>
-          <p:cNvPr id="2" name="Заголовок 1"/>
-          <p:cNvSpPr>
-            <a:spLocks noGrp="1"/>
-          </p:cNvSpPr>
-          <p:nvPr>
-            <p:ph type="title"/>
-          </p:nvPr>
-        </p:nvSpPr>
-        <p:spPr/>
-        <p:txBody>
-          <a:bodyPr/>
-          <a:lstStyle/>
-          <a:p>
-            <a:r>
-              <a:rPr lang="ru-RU" dirty="0" smtClean="0"/>
-              <a:t>Меню паузы</a:t>
-            </a:r>
-            <a:endParaRPr lang="ru-RU" dirty="0"/>
-          </a:p>
-        </p:txBody>
-      </p:sp>
-      <p:sp>
-        <p:nvSpPr>
-          <p:cNvPr id="3" name="Объект 2"/>
-          <p:cNvSpPr>
-            <a:spLocks noGrp="1"/>
-          </p:cNvSpPr>
-          <p:nvPr>
-            <p:ph idx="1"/>
-          </p:nvPr>
-        </p:nvSpPr>
-        <p:spPr>
-          <a:xfrm>
-            <a:off x="6602135" y="1690688"/>
-            <a:ext cx="4513277" cy="4351338"/>
-          </a:xfrm>
-        </p:spPr>
-        <p:txBody>
-          <a:bodyPr/>
-          <a:lstStyle/>
-          <a:p>
-            <a:pPr marL="0" indent="0">
-              <a:buNone/>
-            </a:pPr>
-            <a:r>
-              <a:rPr lang="ru-RU" dirty="0" smtClean="0"/>
-              <a:t>В меню паузы игрок может сохраниться и позже загрузить сохранённую игру</a:t>
-            </a:r>
-            <a:endParaRPr lang="ru-RU" dirty="0"/>
-          </a:p>
-        </p:txBody>
-      </p:sp>
-      <p:pic>
-        <p:nvPicPr>
-          <p:cNvPr id="4" name="Рисунок 3"/>
-          <p:cNvPicPr>
-            <a:picLocks noChangeAspect="1"/>
-          </p:cNvPicPr>
-          <p:nvPr/>
-        </p:nvPicPr>
-        <p:blipFill>
-          <a:blip r:embed="rId2">
-            <a:extLst>
-              <a:ext uri="{28A0092B-C50C-407E-A947-70E740481C1C}">
-                <a14:useLocalDpi xmlns:a14="http://schemas.microsoft.com/office/drawing/2010/main" val="0"/>
-              </a:ext>
-            </a:extLst>
-          </a:blip>
-          <a:stretch>
-            <a:fillRect/>
-          </a:stretch>
-        </p:blipFill>
-        <p:spPr>
-          <a:xfrm>
-            <a:off x="1097280" y="1867860"/>
-            <a:ext cx="5141861" cy="3996993"/>
-          </a:xfrm>
-          <a:prstGeom prst="rect">
-            <a:avLst/>
-          </a:prstGeom>
-        </p:spPr>
-      </p:pic>
-    </p:spTree>
-    <p:extLst>
-      <p:ext uri="{BB962C8B-B14F-4D97-AF65-F5344CB8AC3E}">
-        <p14:creationId xmlns:p14="http://schemas.microsoft.com/office/powerpoint/2010/main" val="1819106708"/>
-      </p:ext>
-    </p:extLst>
-  </p:cSld>
-  <p:clrMapOvr>
-    <a:masterClrMapping/>
-  </p:clrMapOvr>
-</p:sld>
-</file>
-
-<file path=ppt/slides/slide4.xml><?xml version="1.0" encoding="utf-8"?>
-<p:sld xmlns:a="http://schemas.openxmlformats.org/drawingml/2006/main" xmlns:r="http://schemas.openxmlformats.org/officeDocument/2006/relationships" xmlns:p="http://schemas.openxmlformats.org/presentationml/2006/main">
-  <p:cSld>
-    <p:spTree>
-      <p:nvGrpSpPr>
-        <p:cNvPr id="1" name=""/>
-        <p:cNvGrpSpPr/>
-        <p:nvPr/>
-      </p:nvGrpSpPr>
-      <p:grpSpPr>
-        <a:xfrm>
-          <a:off x="0" y="0"/>
-          <a:ext cx="0" cy="0"/>
-          <a:chOff x="0" y="0"/>
-          <a:chExt cx="0" cy="0"/>
-        </a:xfrm>
-      </p:grpSpPr>
-      <p:sp>
-        <p:nvSpPr>
-          <p:cNvPr id="2" name="Заголовок 1"/>
-          <p:cNvSpPr>
-            <a:spLocks noGrp="1"/>
-          </p:cNvSpPr>
-          <p:nvPr>
-            <p:ph type="title"/>
-          </p:nvPr>
-        </p:nvSpPr>
-        <p:spPr/>
-        <p:txBody>
-          <a:bodyPr/>
-          <a:lstStyle/>
-          <a:p>
-            <a:r>
-              <a:rPr lang="ru-RU" dirty="0" smtClean="0"/>
-              <a:t>Поле игры</a:t>
-            </a:r>
-            <a:endParaRPr lang="ru-RU" dirty="0"/>
-          </a:p>
-        </p:txBody>
-      </p:sp>
-      <p:sp>
-        <p:nvSpPr>
-          <p:cNvPr id="3" name="Объект 2"/>
-          <p:cNvSpPr>
-            <a:spLocks noGrp="1"/>
-          </p:cNvSpPr>
-          <p:nvPr>
-            <p:ph idx="1"/>
-          </p:nvPr>
-        </p:nvSpPr>
-        <p:spPr>
-          <a:xfrm>
-            <a:off x="7298422" y="1825625"/>
-            <a:ext cx="4055378" cy="4351338"/>
-          </a:xfrm>
-        </p:spPr>
-        <p:txBody>
-          <a:bodyPr/>
-          <a:lstStyle/>
-          <a:p>
+            <a:pPr algn="ctr"/>
             <a:r>
               <a:rPr lang="ru-RU" dirty="0"/>
-              <a:t>Поле. Герой в синих штанах, синие кружки – место куда можно поставить ловушки, монетки, слева сверху отображается здоровье игрока и его количество оставшихся действий, справа сверху количество оставшихся монет.</a:t>
-            </a:r>
-          </a:p>
-        </p:txBody>
-      </p:sp>
-      <p:pic>
-        <p:nvPicPr>
-          <p:cNvPr id="5" name="Рисунок 4"/>
-          <p:cNvPicPr>
-            <a:picLocks noChangeAspect="1"/>
-          </p:cNvPicPr>
-          <p:nvPr/>
-        </p:nvPicPr>
-        <p:blipFill>
-          <a:blip r:embed="rId2">
-            <a:extLst>
-              <a:ext uri="{28A0092B-C50C-407E-A947-70E740481C1C}">
-                <a14:useLocalDpi xmlns:a14="http://schemas.microsoft.com/office/drawing/2010/main" val="0"/>
-              </a:ext>
-            </a:extLst>
-          </a:blip>
-          <a:stretch>
-            <a:fillRect/>
-          </a:stretch>
-        </p:blipFill>
-        <p:spPr>
-          <a:xfrm>
-            <a:off x="1097280" y="1825625"/>
-            <a:ext cx="5260368" cy="4114800"/>
-          </a:xfrm>
-          <a:prstGeom prst="rect">
-            <a:avLst/>
-          </a:prstGeom>
-        </p:spPr>
-      </p:pic>
-    </p:spTree>
-    <p:extLst>
-      <p:ext uri="{BB962C8B-B14F-4D97-AF65-F5344CB8AC3E}">
-        <p14:creationId xmlns:p14="http://schemas.microsoft.com/office/powerpoint/2010/main" val="1627622157"/>
-      </p:ext>
-    </p:extLst>
-  </p:cSld>
-  <p:clrMapOvr>
-    <a:masterClrMapping/>
-  </p:clrMapOvr>
-</p:sld>
-</file>
-
-<file path=ppt/slides/slide5.xml><?xml version="1.0" encoding="utf-8"?>
-<p:sld xmlns:a="http://schemas.openxmlformats.org/drawingml/2006/main" xmlns:r="http://schemas.openxmlformats.org/officeDocument/2006/relationships" xmlns:p="http://schemas.openxmlformats.org/presentationml/2006/main">
-  <p:cSld>
-    <p:spTree>
-      <p:nvGrpSpPr>
-        <p:cNvPr id="1" name=""/>
-        <p:cNvGrpSpPr/>
-        <p:nvPr/>
-      </p:nvGrpSpPr>
-      <p:grpSpPr>
-        <a:xfrm>
-          <a:off x="0" y="0"/>
-          <a:ext cx="0" cy="0"/>
-          <a:chOff x="0" y="0"/>
-          <a:chExt cx="0" cy="0"/>
-        </a:xfrm>
-      </p:grpSpPr>
-      <p:sp>
-        <p:nvSpPr>
-          <p:cNvPr id="2" name="Заголовок 1"/>
-          <p:cNvSpPr>
-            <a:spLocks noGrp="1"/>
-          </p:cNvSpPr>
-          <p:nvPr>
-            <p:ph type="title"/>
-          </p:nvPr>
-        </p:nvSpPr>
-        <p:spPr/>
-        <p:txBody>
-          <a:bodyPr/>
-          <a:lstStyle/>
-          <a:p>
-            <a:r>
-              <a:rPr lang="ru-RU" dirty="0" smtClean="0"/>
-              <a:t>Ловушки</a:t>
-            </a:r>
-            <a:endParaRPr lang="ru-RU" dirty="0"/>
-          </a:p>
-        </p:txBody>
-      </p:sp>
-      <p:sp>
-        <p:nvSpPr>
-          <p:cNvPr id="3" name="Объект 2"/>
-          <p:cNvSpPr>
-            <a:spLocks noGrp="1"/>
-          </p:cNvSpPr>
-          <p:nvPr>
-            <p:ph idx="1"/>
-          </p:nvPr>
-        </p:nvSpPr>
-        <p:spPr>
-          <a:xfrm>
-            <a:off x="620784" y="1880099"/>
-            <a:ext cx="4843943" cy="4351338"/>
-          </a:xfrm>
-        </p:spPr>
-        <p:txBody>
-          <a:bodyPr/>
-          <a:lstStyle/>
-          <a:p>
-            <a:pPr marL="0" indent="0">
-              <a:buNone/>
-            </a:pPr>
-            <a:r>
-              <a:rPr lang="ru-RU" dirty="0"/>
-              <a:t>Демонстрация работы ловушек, если в момент запуска клетки на ячейке никого нет, она преобразуется в ловушку, иначе сверху летит клетка… При попадании на какого-то героя, клетка вместе с героем постепенно исчезает.</a:t>
-            </a:r>
-          </a:p>
-          <a:p>
-            <a:endParaRPr lang="ru-RU" dirty="0"/>
-          </a:p>
-        </p:txBody>
-      </p:sp>
-      <p:pic>
-        <p:nvPicPr>
-          <p:cNvPr id="5" name="Рисунок 4"/>
-          <p:cNvPicPr>
-            <a:picLocks noChangeAspect="1"/>
-          </p:cNvPicPr>
-          <p:nvPr/>
-        </p:nvPicPr>
-        <p:blipFill>
-          <a:blip r:embed="rId2">
-            <a:extLst>
-              <a:ext uri="{28A0092B-C50C-407E-A947-70E740481C1C}">
-                <a14:useLocalDpi xmlns:a14="http://schemas.microsoft.com/office/drawing/2010/main" val="0"/>
-              </a:ext>
-            </a:extLst>
-          </a:blip>
-          <a:stretch>
-            <a:fillRect/>
-          </a:stretch>
-        </p:blipFill>
-        <p:spPr>
-          <a:xfrm>
-            <a:off x="5822704" y="1880099"/>
-            <a:ext cx="5178983" cy="4019660"/>
-          </a:xfrm>
-          <a:prstGeom prst="rect">
-            <a:avLst/>
-          </a:prstGeom>
-        </p:spPr>
-      </p:pic>
-    </p:spTree>
-    <p:extLst>
-      <p:ext uri="{BB962C8B-B14F-4D97-AF65-F5344CB8AC3E}">
-        <p14:creationId xmlns:p14="http://schemas.microsoft.com/office/powerpoint/2010/main" val="879388881"/>
-      </p:ext>
-    </p:extLst>
-  </p:cSld>
-  <p:clrMapOvr>
-    <a:masterClrMapping/>
-  </p:clrMapOvr>
-</p:sld>
-</file>
-
-<file path=ppt/slides/slide6.xml><?xml version="1.0" encoding="utf-8"?>
-<p:sld xmlns:a="http://schemas.openxmlformats.org/drawingml/2006/main" xmlns:r="http://schemas.openxmlformats.org/officeDocument/2006/relationships" xmlns:p="http://schemas.openxmlformats.org/presentationml/2006/main">
-  <p:cSld>
-    <p:spTree>
-      <p:nvGrpSpPr>
-        <p:cNvPr id="1" name=""/>
-        <p:cNvGrpSpPr/>
-        <p:nvPr/>
-      </p:nvGrpSpPr>
-      <p:grpSpPr>
-        <a:xfrm>
-          <a:off x="0" y="0"/>
-          <a:ext cx="0" cy="0"/>
-          <a:chOff x="0" y="0"/>
-          <a:chExt cx="0" cy="0"/>
-        </a:xfrm>
-      </p:grpSpPr>
-      <p:sp>
-        <p:nvSpPr>
-          <p:cNvPr id="2" name="Заголовок 1"/>
-          <p:cNvSpPr>
-            <a:spLocks noGrp="1"/>
-          </p:cNvSpPr>
-          <p:nvPr>
-            <p:ph type="title"/>
-          </p:nvPr>
-        </p:nvSpPr>
-        <p:spPr/>
-        <p:txBody>
-          <a:bodyPr/>
-          <a:lstStyle/>
-          <a:p>
-            <a:pPr algn="ctr"/>
-            <a:r>
-              <a:rPr lang="ru-RU" dirty="0" smtClean="0"/>
               <a:t>СПАСИБО ЗА ВНИМАНИЕ</a:t>
             </a:r>
-            <a:endParaRPr lang="ru-RU" dirty="0"/>
           </a:p>
         </p:txBody>
       </p:sp>
@@ -4415,6 +6003,13 @@
   <p:clrMapOvr>
     <a:masterClrMapping/>
   </p:clrMapOvr>
+  <p:timing>
+    <p:tnLst>
+      <p:par>
+        <p:cTn id="1" dur="indefinite" restart="never" nodeType="tmRoot"/>
+      </p:par>
+    </p:tnLst>
+  </p:timing>
 </p:sld>
 </file>
 

--- a/documentation/Trap them.pptx
+++ b/documentation/Trap them.pptx
@@ -10,8 +10,11 @@
     <p:sldId id="259" r:id="rId4"/>
     <p:sldId id="258" r:id="rId5"/>
     <p:sldId id="260" r:id="rId6"/>
-    <p:sldId id="262" r:id="rId7"/>
-    <p:sldId id="261" r:id="rId8"/>
+    <p:sldId id="265" r:id="rId7"/>
+    <p:sldId id="263" r:id="rId8"/>
+    <p:sldId id="264" r:id="rId9"/>
+    <p:sldId id="262" r:id="rId10"/>
+    <p:sldId id="261" r:id="rId11"/>
   </p:sldIdLst>
   <p:sldSz cx="12192000" cy="6858000"/>
   <p:notesSz cx="6858000" cy="9144000"/>
@@ -352,7 +355,7 @@
           <a:p>
             <a:fld id="{80852AFD-DEE8-49E9-BC12-FAF705112EEC}" type="datetimeFigureOut">
               <a:rPr lang="ru-RU" smtClean="0"/>
-              <a:t>13.01.2021</a:t>
+              <a:t>15.01.2021</a:t>
             </a:fld>
             <a:endParaRPr lang="ru-RU"/>
           </a:p>
@@ -560,7 +563,7 @@
           <a:p>
             <a:fld id="{80852AFD-DEE8-49E9-BC12-FAF705112EEC}" type="datetimeFigureOut">
               <a:rPr lang="ru-RU" smtClean="0"/>
-              <a:t>13.01.2021</a:t>
+              <a:t>15.01.2021</a:t>
             </a:fld>
             <a:endParaRPr lang="ru-RU"/>
           </a:p>
@@ -816,7 +819,7 @@
           <a:p>
             <a:fld id="{80852AFD-DEE8-49E9-BC12-FAF705112EEC}" type="datetimeFigureOut">
               <a:rPr lang="ru-RU" smtClean="0"/>
-              <a:t>13.01.2021</a:t>
+              <a:t>15.01.2021</a:t>
             </a:fld>
             <a:endParaRPr lang="ru-RU"/>
           </a:p>
@@ -990,7 +993,7 @@
           <a:p>
             <a:fld id="{80852AFD-DEE8-49E9-BC12-FAF705112EEC}" type="datetimeFigureOut">
               <a:rPr lang="ru-RU" smtClean="0"/>
-              <a:t>13.01.2021</a:t>
+              <a:t>15.01.2021</a:t>
             </a:fld>
             <a:endParaRPr lang="ru-RU"/>
           </a:p>
@@ -1333,7 +1336,7 @@
           <a:p>
             <a:fld id="{80852AFD-DEE8-49E9-BC12-FAF705112EEC}" type="datetimeFigureOut">
               <a:rPr lang="ru-RU" smtClean="0"/>
-              <a:t>13.01.2021</a:t>
+              <a:t>15.01.2021</a:t>
             </a:fld>
             <a:endParaRPr lang="ru-RU"/>
           </a:p>
@@ -1608,7 +1611,7 @@
           <a:p>
             <a:fld id="{80852AFD-DEE8-49E9-BC12-FAF705112EEC}" type="datetimeFigureOut">
               <a:rPr lang="ru-RU" smtClean="0"/>
-              <a:t>13.01.2021</a:t>
+              <a:t>15.01.2021</a:t>
             </a:fld>
             <a:endParaRPr lang="ru-RU"/>
           </a:p>
@@ -1987,7 +1990,7 @@
           <a:p>
             <a:fld id="{80852AFD-DEE8-49E9-BC12-FAF705112EEC}" type="datetimeFigureOut">
               <a:rPr lang="ru-RU" smtClean="0"/>
-              <a:t>13.01.2021</a:t>
+              <a:t>15.01.2021</a:t>
             </a:fld>
             <a:endParaRPr lang="ru-RU"/>
           </a:p>
@@ -2105,7 +2108,7 @@
           <a:p>
             <a:fld id="{80852AFD-DEE8-49E9-BC12-FAF705112EEC}" type="datetimeFigureOut">
               <a:rPr lang="ru-RU" smtClean="0"/>
-              <a:t>13.01.2021</a:t>
+              <a:t>15.01.2021</a:t>
             </a:fld>
             <a:endParaRPr lang="ru-RU"/>
           </a:p>
@@ -2276,7 +2279,7 @@
           <a:p>
             <a:fld id="{80852AFD-DEE8-49E9-BC12-FAF705112EEC}" type="datetimeFigureOut">
               <a:rPr lang="ru-RU" smtClean="0"/>
-              <a:t>13.01.2021</a:t>
+              <a:t>15.01.2021</a:t>
             </a:fld>
             <a:endParaRPr lang="ru-RU"/>
           </a:p>
@@ -2630,7 +2633,7 @@
           <a:p>
             <a:fld id="{80852AFD-DEE8-49E9-BC12-FAF705112EEC}" type="datetimeFigureOut">
               <a:rPr lang="ru-RU" smtClean="0"/>
-              <a:t>13.01.2021</a:t>
+              <a:t>15.01.2021</a:t>
             </a:fld>
             <a:endParaRPr lang="ru-RU"/>
           </a:p>
@@ -3012,7 +3015,7 @@
           <a:p>
             <a:fld id="{80852AFD-DEE8-49E9-BC12-FAF705112EEC}" type="datetimeFigureOut">
               <a:rPr lang="ru-RU" smtClean="0"/>
-              <a:t>13.01.2021</a:t>
+              <a:t>15.01.2021</a:t>
             </a:fld>
             <a:endParaRPr lang="ru-RU"/>
           </a:p>
@@ -3299,7 +3302,7 @@
           <a:p>
             <a:fld id="{80852AFD-DEE8-49E9-BC12-FAF705112EEC}" type="datetimeFigureOut">
               <a:rPr lang="ru-RU" smtClean="0"/>
-              <a:t>13.01.2021</a:t>
+              <a:t>15.01.2021</a:t>
             </a:fld>
             <a:endParaRPr lang="ru-RU"/>
           </a:p>
@@ -3836,10 +3839,10 @@
           <p:cNvPr id="8" name="Rectangle 7">
             <a:extLst>
               <a:ext uri="{FF2B5EF4-FFF2-40B4-BE49-F238E27FC236}">
-                <a16:creationId xmlns:a16="http://schemas.microsoft.com/office/drawing/2014/main" xmlns="" id="{8C6E698C-8155-4B8B-BDC9-B7299772B509}"/>
+                <a16:creationId xmlns="" xmlns:a16="http://schemas.microsoft.com/office/drawing/2014/main" id="{8C6E698C-8155-4B8B-BDC9-B7299772B509}"/>
               </a:ext>
               <a:ext uri="{C183D7F6-B498-43B3-948B-1728B52AA6E4}">
-                <adec:decorative xmlns:adec="http://schemas.microsoft.com/office/drawing/2017/decorative" xmlns="" val="1"/>
+                <adec:decorative xmlns="" xmlns:adec="http://schemas.microsoft.com/office/drawing/2017/decorative" val="1"/>
               </a:ext>
             </a:extLst>
           </p:cNvPr>
@@ -3849,7 +3852,7 @@
           <p:nvPr>
             <p:extLst>
               <p:ext uri="{386F3935-93C4-4BCD-93E2-E3B085C9AB24}">
-                <p16:designElem xmlns:p16="http://schemas.microsoft.com/office/powerpoint/2015/main" xmlns="" val="1"/>
+                <p16:designElem xmlns="" xmlns:p16="http://schemas.microsoft.com/office/powerpoint/2015/main" val="1"/>
               </p:ext>
             </p:extLst>
           </p:nvPr>
@@ -3934,10 +3937,10 @@
           <p:cNvPr id="10" name="Rectangle 9">
             <a:extLst>
               <a:ext uri="{FF2B5EF4-FFF2-40B4-BE49-F238E27FC236}">
-                <a16:creationId xmlns:a16="http://schemas.microsoft.com/office/drawing/2014/main" xmlns="" id="{0EEF5601-A8BC-411D-AA64-3E79320BA122}"/>
+                <a16:creationId xmlns="" xmlns:a16="http://schemas.microsoft.com/office/drawing/2014/main" id="{0EEF5601-A8BC-411D-AA64-3E79320BA122}"/>
               </a:ext>
               <a:ext uri="{C183D7F6-B498-43B3-948B-1728B52AA6E4}">
-                <adec:decorative xmlns:adec="http://schemas.microsoft.com/office/drawing/2017/decorative" xmlns="" val="1"/>
+                <adec:decorative xmlns="" xmlns:adec="http://schemas.microsoft.com/office/drawing/2017/decorative" val="1"/>
               </a:ext>
             </a:extLst>
           </p:cNvPr>
@@ -3947,7 +3950,7 @@
           <p:nvPr>
             <p:extLst>
               <p:ext uri="{386F3935-93C4-4BCD-93E2-E3B085C9AB24}">
-                <p16:designElem xmlns:p16="http://schemas.microsoft.com/office/powerpoint/2015/main" xmlns="" val="1"/>
+                <p16:designElem xmlns="" xmlns:p16="http://schemas.microsoft.com/office/powerpoint/2015/main" val="1"/>
               </p:ext>
             </p:extLst>
           </p:nvPr>
@@ -4038,10 +4041,10 @@
           <p:cNvPr id="12" name="Rectangle 11">
             <a:extLst>
               <a:ext uri="{FF2B5EF4-FFF2-40B4-BE49-F238E27FC236}">
-                <a16:creationId xmlns:a16="http://schemas.microsoft.com/office/drawing/2014/main" xmlns="" id="{33209156-242F-4B26-8D07-CEB2B68A9F9A}"/>
+                <a16:creationId xmlns="" xmlns:a16="http://schemas.microsoft.com/office/drawing/2014/main" id="{33209156-242F-4B26-8D07-CEB2B68A9F9A}"/>
               </a:ext>
               <a:ext uri="{C183D7F6-B498-43B3-948B-1728B52AA6E4}">
-                <adec:decorative xmlns:adec="http://schemas.microsoft.com/office/drawing/2017/decorative" xmlns="" val="1"/>
+                <adec:decorative xmlns="" xmlns:adec="http://schemas.microsoft.com/office/drawing/2017/decorative" val="1"/>
               </a:ext>
             </a:extLst>
           </p:cNvPr>
@@ -4051,7 +4054,7 @@
           <p:nvPr>
             <p:extLst>
               <p:ext uri="{386F3935-93C4-4BCD-93E2-E3B085C9AB24}">
-                <p16:designElem xmlns:p16="http://schemas.microsoft.com/office/powerpoint/2015/main" xmlns="" val="1"/>
+                <p16:designElem xmlns="" xmlns:p16="http://schemas.microsoft.com/office/powerpoint/2015/main" val="1"/>
               </p:ext>
             </p:extLst>
           </p:nvPr>
@@ -4092,6 +4095,85 @@
     <p:extLst>
       <p:ext uri="{BB962C8B-B14F-4D97-AF65-F5344CB8AC3E}">
         <p14:creationId xmlns:p14="http://schemas.microsoft.com/office/powerpoint/2010/main" val="3416930441"/>
+      </p:ext>
+    </p:extLst>
+  </p:cSld>
+  <p:clrMapOvr>
+    <a:masterClrMapping/>
+  </p:clrMapOvr>
+  <p:timing>
+    <p:tnLst>
+      <p:par>
+        <p:cTn id="1" dur="indefinite" restart="never" nodeType="tmRoot"/>
+      </p:par>
+    </p:tnLst>
+  </p:timing>
+</p:sld>
+</file>
+
+<file path=ppt/slides/slide10.xml><?xml version="1.0" encoding="utf-8"?>
+<p:sld xmlns:a="http://schemas.openxmlformats.org/drawingml/2006/main" xmlns:r="http://schemas.openxmlformats.org/officeDocument/2006/relationships" xmlns:p="http://schemas.openxmlformats.org/presentationml/2006/main">
+  <p:cSld>
+    <p:spTree>
+      <p:nvGrpSpPr>
+        <p:cNvPr id="1" name=""/>
+        <p:cNvGrpSpPr/>
+        <p:nvPr/>
+      </p:nvGrpSpPr>
+      <p:grpSpPr>
+        <a:xfrm>
+          <a:off x="0" y="0"/>
+          <a:ext cx="0" cy="0"/>
+          <a:chOff x="0" y="0"/>
+          <a:chExt cx="0" cy="0"/>
+        </a:xfrm>
+      </p:grpSpPr>
+      <p:sp>
+        <p:nvSpPr>
+          <p:cNvPr id="2" name="Заголовок 1"/>
+          <p:cNvSpPr>
+            <a:spLocks noGrp="1"/>
+          </p:cNvSpPr>
+          <p:nvPr>
+            <p:ph type="title"/>
+          </p:nvPr>
+        </p:nvSpPr>
+        <p:spPr/>
+        <p:txBody>
+          <a:bodyPr/>
+          <a:lstStyle/>
+          <a:p>
+            <a:pPr algn="ctr"/>
+            <a:r>
+              <a:rPr lang="ru-RU" dirty="0"/>
+              <a:t>СПАСИБО ЗА ВНИМАНИЕ</a:t>
+            </a:r>
+          </a:p>
+        </p:txBody>
+      </p:sp>
+      <p:sp>
+        <p:nvSpPr>
+          <p:cNvPr id="3" name="Текст 2"/>
+          <p:cNvSpPr>
+            <a:spLocks noGrp="1"/>
+          </p:cNvSpPr>
+          <p:nvPr>
+            <p:ph type="body" idx="1"/>
+          </p:nvPr>
+        </p:nvSpPr>
+        <p:spPr/>
+        <p:txBody>
+          <a:bodyPr/>
+          <a:lstStyle/>
+          <a:p>
+            <a:endParaRPr lang="ru-RU"/>
+          </a:p>
+        </p:txBody>
+      </p:sp>
+    </p:spTree>
+    <p:extLst>
+      <p:ext uri="{BB962C8B-B14F-4D97-AF65-F5344CB8AC3E}">
+        <p14:creationId xmlns:p14="http://schemas.microsoft.com/office/powerpoint/2010/main" val="1408661188"/>
       </p:ext>
     </p:extLst>
   </p:cSld>
@@ -4138,10 +4220,10 @@
           <p:cNvPr id="11" name="Rectangle 10">
             <a:extLst>
               <a:ext uri="{FF2B5EF4-FFF2-40B4-BE49-F238E27FC236}">
-                <a16:creationId xmlns:a16="http://schemas.microsoft.com/office/drawing/2014/main" xmlns="" id="{990D0034-F768-41E7-85D4-F38C4DE85770}"/>
+                <a16:creationId xmlns="" xmlns:a16="http://schemas.microsoft.com/office/drawing/2014/main" id="{990D0034-F768-41E7-85D4-F38C4DE85770}"/>
               </a:ext>
               <a:ext uri="{C183D7F6-B498-43B3-948B-1728B52AA6E4}">
-                <adec:decorative xmlns:adec="http://schemas.microsoft.com/office/drawing/2017/decorative" xmlns="" val="1"/>
+                <adec:decorative xmlns="" xmlns:adec="http://schemas.microsoft.com/office/drawing/2017/decorative" val="1"/>
               </a:ext>
             </a:extLst>
           </p:cNvPr>
@@ -4151,7 +4233,7 @@
           <p:nvPr>
             <p:extLst>
               <p:ext uri="{386F3935-93C4-4BCD-93E2-E3B085C9AB24}">
-                <p16:designElem xmlns:p16="http://schemas.microsoft.com/office/powerpoint/2015/main" xmlns="" val="1"/>
+                <p16:designElem xmlns="" xmlns:p16="http://schemas.microsoft.com/office/powerpoint/2015/main" val="1"/>
               </p:ext>
             </p:extLst>
           </p:nvPr>
@@ -4198,10 +4280,10 @@
           <p:cNvPr id="13" name="Rectangle 12">
             <a:extLst>
               <a:ext uri="{FF2B5EF4-FFF2-40B4-BE49-F238E27FC236}">
-                <a16:creationId xmlns:a16="http://schemas.microsoft.com/office/drawing/2014/main" xmlns="" id="{C4F7E42D-8B5A-4FC8-81CD-9E60171F7FA8}"/>
+                <a16:creationId xmlns="" xmlns:a16="http://schemas.microsoft.com/office/drawing/2014/main" id="{C4F7E42D-8B5A-4FC8-81CD-9E60171F7FA8}"/>
               </a:ext>
               <a:ext uri="{C183D7F6-B498-43B3-948B-1728B52AA6E4}">
-                <adec:decorative xmlns:adec="http://schemas.microsoft.com/office/drawing/2017/decorative" xmlns="" val="1"/>
+                <adec:decorative xmlns="" xmlns:adec="http://schemas.microsoft.com/office/drawing/2017/decorative" val="1"/>
               </a:ext>
             </a:extLst>
           </p:cNvPr>
@@ -4211,7 +4293,7 @@
           <p:nvPr>
             <p:extLst>
               <p:ext uri="{386F3935-93C4-4BCD-93E2-E3B085C9AB24}">
-                <p16:designElem xmlns:p16="http://schemas.microsoft.com/office/powerpoint/2015/main" xmlns="" val="1"/>
+                <p16:designElem xmlns="" xmlns:p16="http://schemas.microsoft.com/office/powerpoint/2015/main" val="1"/>
               </p:ext>
             </p:extLst>
           </p:nvPr>
@@ -4466,10 +4548,10 @@
           <p:cNvPr id="15" name="Rectangle 14">
             <a:extLst>
               <a:ext uri="{FF2B5EF4-FFF2-40B4-BE49-F238E27FC236}">
-                <a16:creationId xmlns:a16="http://schemas.microsoft.com/office/drawing/2014/main" xmlns="" id="{8C04651D-B9F4-4935-A02D-364153FBDF54}"/>
+                <a16:creationId xmlns="" xmlns:a16="http://schemas.microsoft.com/office/drawing/2014/main" id="{8C04651D-B9F4-4935-A02D-364153FBDF54}"/>
               </a:ext>
               <a:ext uri="{C183D7F6-B498-43B3-948B-1728B52AA6E4}">
-                <adec:decorative xmlns:adec="http://schemas.microsoft.com/office/drawing/2017/decorative" xmlns="" val="1"/>
+                <adec:decorative xmlns="" xmlns:adec="http://schemas.microsoft.com/office/drawing/2017/decorative" val="1"/>
               </a:ext>
             </a:extLst>
           </p:cNvPr>
@@ -4479,7 +4561,7 @@
           <p:nvPr>
             <p:extLst>
               <p:ext uri="{386F3935-93C4-4BCD-93E2-E3B085C9AB24}">
-                <p16:designElem xmlns:p16="http://schemas.microsoft.com/office/powerpoint/2015/main" xmlns="" val="1"/>
+                <p16:designElem xmlns="" xmlns:p16="http://schemas.microsoft.com/office/powerpoint/2015/main" val="1"/>
               </p:ext>
             </p:extLst>
           </p:nvPr>
@@ -4566,10 +4648,10 @@
           <p:cNvPr id="20" name="Rectangle 22">
             <a:extLst>
               <a:ext uri="{FF2B5EF4-FFF2-40B4-BE49-F238E27FC236}">
-                <a16:creationId xmlns:a16="http://schemas.microsoft.com/office/drawing/2014/main" xmlns="" id="{25C8D2C1-DA83-420D-9635-D52CE066B5DA}"/>
+                <a16:creationId xmlns="" xmlns:a16="http://schemas.microsoft.com/office/drawing/2014/main" id="{25C8D2C1-DA83-420D-9635-D52CE066B5DA}"/>
               </a:ext>
               <a:ext uri="{C183D7F6-B498-43B3-948B-1728B52AA6E4}">
-                <adec:decorative xmlns:adec="http://schemas.microsoft.com/office/drawing/2017/decorative" xmlns="" val="1"/>
+                <adec:decorative xmlns="" xmlns:adec="http://schemas.microsoft.com/office/drawing/2017/decorative" val="1"/>
               </a:ext>
             </a:extLst>
           </p:cNvPr>
@@ -4579,7 +4661,7 @@
           <p:nvPr>
             <p:extLst>
               <p:ext uri="{386F3935-93C4-4BCD-93E2-E3B085C9AB24}">
-                <p16:designElem xmlns:p16="http://schemas.microsoft.com/office/powerpoint/2015/main" xmlns="" val="1"/>
+                <p16:designElem xmlns="" xmlns:p16="http://schemas.microsoft.com/office/powerpoint/2015/main" val="1"/>
               </p:ext>
             </p:extLst>
           </p:nvPr>
@@ -4621,10 +4703,10 @@
           <p:cNvPr id="21" name="Rectangle 24">
             <a:extLst>
               <a:ext uri="{FF2B5EF4-FFF2-40B4-BE49-F238E27FC236}">
-                <a16:creationId xmlns:a16="http://schemas.microsoft.com/office/drawing/2014/main" xmlns="" id="{434F74C9-6A0B-409E-AD1C-45B58BE91BB8}"/>
+                <a16:creationId xmlns="" xmlns:a16="http://schemas.microsoft.com/office/drawing/2014/main" id="{434F74C9-6A0B-409E-AD1C-45B58BE91BB8}"/>
               </a:ext>
               <a:ext uri="{C183D7F6-B498-43B3-948B-1728B52AA6E4}">
-                <adec:decorative xmlns:adec="http://schemas.microsoft.com/office/drawing/2017/decorative" xmlns="" val="1"/>
+                <adec:decorative xmlns="" xmlns:adec="http://schemas.microsoft.com/office/drawing/2017/decorative" val="1"/>
               </a:ext>
             </a:extLst>
           </p:cNvPr>
@@ -4634,7 +4716,7 @@
           <p:nvPr>
             <p:extLst>
               <p:ext uri="{386F3935-93C4-4BCD-93E2-E3B085C9AB24}">
-                <p16:designElem xmlns:p16="http://schemas.microsoft.com/office/powerpoint/2015/main" xmlns="" val="1"/>
+                <p16:designElem xmlns="" xmlns:p16="http://schemas.microsoft.com/office/powerpoint/2015/main" val="1"/>
               </p:ext>
             </p:extLst>
           </p:nvPr>
@@ -4676,10 +4758,10 @@
           <p:cNvPr id="22" name="Straight Connector 26">
             <a:extLst>
               <a:ext uri="{FF2B5EF4-FFF2-40B4-BE49-F238E27FC236}">
-                <a16:creationId xmlns:a16="http://schemas.microsoft.com/office/drawing/2014/main" xmlns="" id="{F5486A9D-1265-4B57-91E6-68E666B978BC}"/>
+                <a16:creationId xmlns="" xmlns:a16="http://schemas.microsoft.com/office/drawing/2014/main" id="{F5486A9D-1265-4B57-91E6-68E666B978BC}"/>
               </a:ext>
               <a:ext uri="{C183D7F6-B498-43B3-948B-1728B52AA6E4}">
-                <adec:decorative xmlns:adec="http://schemas.microsoft.com/office/drawing/2017/decorative" xmlns="" val="1"/>
+                <adec:decorative xmlns="" xmlns:adec="http://schemas.microsoft.com/office/drawing/2017/decorative" val="1"/>
               </a:ext>
             </a:extLst>
           </p:cNvPr>
@@ -4689,7 +4771,7 @@
           <p:nvPr>
             <p:extLst>
               <p:ext uri="{386F3935-93C4-4BCD-93E2-E3B085C9AB24}">
-                <p16:designElem xmlns:p16="http://schemas.microsoft.com/office/powerpoint/2015/main" xmlns="" val="1"/>
+                <p16:designElem xmlns="" xmlns:p16="http://schemas.microsoft.com/office/powerpoint/2015/main" val="1"/>
               </p:ext>
             </p:extLst>
           </p:nvPr>
@@ -4731,10 +4813,10 @@
           <p:cNvPr id="24" name="Rectangle 28">
             <a:extLst>
               <a:ext uri="{FF2B5EF4-FFF2-40B4-BE49-F238E27FC236}">
-                <a16:creationId xmlns:a16="http://schemas.microsoft.com/office/drawing/2014/main" xmlns="" id="{F452A527-3631-41ED-858D-3777A7D1496A}"/>
+                <a16:creationId xmlns="" xmlns:a16="http://schemas.microsoft.com/office/drawing/2014/main" id="{F452A527-3631-41ED-858D-3777A7D1496A}"/>
               </a:ext>
               <a:ext uri="{C183D7F6-B498-43B3-948B-1728B52AA6E4}">
-                <adec:decorative xmlns:adec="http://schemas.microsoft.com/office/drawing/2017/decorative" xmlns="" val="1"/>
+                <adec:decorative xmlns="" xmlns:adec="http://schemas.microsoft.com/office/drawing/2017/decorative" val="1"/>
               </a:ext>
             </a:extLst>
           </p:cNvPr>
@@ -4744,7 +4826,7 @@
           <p:nvPr>
             <p:extLst>
               <p:ext uri="{386F3935-93C4-4BCD-93E2-E3B085C9AB24}">
-                <p16:designElem xmlns:p16="http://schemas.microsoft.com/office/powerpoint/2015/main" xmlns="" val="1"/>
+                <p16:designElem xmlns="" xmlns:p16="http://schemas.microsoft.com/office/powerpoint/2015/main" val="1"/>
               </p:ext>
             </p:extLst>
           </p:nvPr>
@@ -4976,10 +5058,10 @@
           <p:cNvPr id="26" name="Straight Connector 30">
             <a:extLst>
               <a:ext uri="{FF2B5EF4-FFF2-40B4-BE49-F238E27FC236}">
-                <a16:creationId xmlns:a16="http://schemas.microsoft.com/office/drawing/2014/main" xmlns="" id="{D28A9C89-B313-458F-9C85-515930A51A93}"/>
+                <a16:creationId xmlns="" xmlns:a16="http://schemas.microsoft.com/office/drawing/2014/main" id="{D28A9C89-B313-458F-9C85-515930A51A93}"/>
               </a:ext>
               <a:ext uri="{C183D7F6-B498-43B3-948B-1728B52AA6E4}">
-                <adec:decorative xmlns:adec="http://schemas.microsoft.com/office/drawing/2017/decorative" xmlns="" val="1"/>
+                <adec:decorative xmlns="" xmlns:adec="http://schemas.microsoft.com/office/drawing/2017/decorative" val="1"/>
               </a:ext>
             </a:extLst>
           </p:cNvPr>
@@ -4989,7 +5071,7 @@
           <p:nvPr>
             <p:extLst>
               <p:ext uri="{386F3935-93C4-4BCD-93E2-E3B085C9AB24}">
-                <p16:designElem xmlns:p16="http://schemas.microsoft.com/office/powerpoint/2015/main" xmlns="" val="1"/>
+                <p16:designElem xmlns="" xmlns:p16="http://schemas.microsoft.com/office/powerpoint/2015/main" val="1"/>
               </p:ext>
             </p:extLst>
           </p:nvPr>
@@ -5075,10 +5157,10 @@
           <p:cNvPr id="1050" name="Rectangle 88">
             <a:extLst>
               <a:ext uri="{FF2B5EF4-FFF2-40B4-BE49-F238E27FC236}">
-                <a16:creationId xmlns:a16="http://schemas.microsoft.com/office/drawing/2014/main" xmlns="" id="{284B70D5-875B-433D-BDBD-1522A85D6C1D}"/>
+                <a16:creationId xmlns="" xmlns:a16="http://schemas.microsoft.com/office/drawing/2014/main" id="{284B70D5-875B-433D-BDBD-1522A85D6C1D}"/>
               </a:ext>
               <a:ext uri="{C183D7F6-B498-43B3-948B-1728B52AA6E4}">
-                <adec:decorative xmlns:adec="http://schemas.microsoft.com/office/drawing/2017/decorative" xmlns="" val="1"/>
+                <adec:decorative xmlns="" xmlns:adec="http://schemas.microsoft.com/office/drawing/2017/decorative" val="1"/>
               </a:ext>
             </a:extLst>
           </p:cNvPr>
@@ -5088,7 +5170,7 @@
           <p:nvPr>
             <p:extLst>
               <p:ext uri="{386F3935-93C4-4BCD-93E2-E3B085C9AB24}">
-                <p16:designElem xmlns:p16="http://schemas.microsoft.com/office/powerpoint/2015/main" xmlns="" val="1"/>
+                <p16:designElem xmlns="" xmlns:p16="http://schemas.microsoft.com/office/powerpoint/2015/main" val="1"/>
               </p:ext>
             </p:extLst>
           </p:nvPr>
@@ -5164,10 +5246,10 @@
           <p:cNvPr id="1051" name="Straight Connector 90">
             <a:extLst>
               <a:ext uri="{FF2B5EF4-FFF2-40B4-BE49-F238E27FC236}">
-                <a16:creationId xmlns:a16="http://schemas.microsoft.com/office/drawing/2014/main" xmlns="" id="{C947DF4A-614C-4B4C-8B80-E5B9D8E8CFED}"/>
+                <a16:creationId xmlns="" xmlns:a16="http://schemas.microsoft.com/office/drawing/2014/main" id="{C947DF4A-614C-4B4C-8B80-E5B9D8E8CFED}"/>
               </a:ext>
               <a:ext uri="{C183D7F6-B498-43B3-948B-1728B52AA6E4}">
-                <adec:decorative xmlns:adec="http://schemas.microsoft.com/office/drawing/2017/decorative" xmlns="" val="1"/>
+                <adec:decorative xmlns="" xmlns:adec="http://schemas.microsoft.com/office/drawing/2017/decorative" val="1"/>
               </a:ext>
             </a:extLst>
           </p:cNvPr>
@@ -5177,7 +5259,7 @@
           <p:nvPr>
             <p:extLst>
               <p:ext uri="{386F3935-93C4-4BCD-93E2-E3B085C9AB24}">
-                <p16:designElem xmlns:p16="http://schemas.microsoft.com/office/powerpoint/2015/main" xmlns="" val="1"/>
+                <p16:designElem xmlns="" xmlns:p16="http://schemas.microsoft.com/office/powerpoint/2015/main" val="1"/>
               </p:ext>
             </p:extLst>
           </p:nvPr>
@@ -5249,10 +5331,10 @@
           <p:cNvPr id="1052" name="Rectangle 92">
             <a:extLst>
               <a:ext uri="{FF2B5EF4-FFF2-40B4-BE49-F238E27FC236}">
-                <a16:creationId xmlns:a16="http://schemas.microsoft.com/office/drawing/2014/main" xmlns="" id="{1E299956-A9E7-4FC1-A0B1-D590CA9730E8}"/>
+                <a16:creationId xmlns="" xmlns:a16="http://schemas.microsoft.com/office/drawing/2014/main" id="{1E299956-A9E7-4FC1-A0B1-D590CA9730E8}"/>
               </a:ext>
               <a:ext uri="{C183D7F6-B498-43B3-948B-1728B52AA6E4}">
-                <adec:decorative xmlns:adec="http://schemas.microsoft.com/office/drawing/2017/decorative" xmlns="" val="1"/>
+                <adec:decorative xmlns="" xmlns:adec="http://schemas.microsoft.com/office/drawing/2017/decorative" val="1"/>
               </a:ext>
             </a:extLst>
           </p:cNvPr>
@@ -5262,7 +5344,7 @@
           <p:nvPr>
             <p:extLst>
               <p:ext uri="{386F3935-93C4-4BCD-93E2-E3B085C9AB24}">
-                <p16:designElem xmlns:p16="http://schemas.microsoft.com/office/powerpoint/2015/main" xmlns="" val="1"/>
+                <p16:designElem xmlns="" xmlns:p16="http://schemas.microsoft.com/office/powerpoint/2015/main" val="1"/>
               </p:ext>
             </p:extLst>
           </p:nvPr>
@@ -5304,10 +5386,10 @@
           <p:cNvPr id="1053" name="Rectangle 94">
             <a:extLst>
               <a:ext uri="{FF2B5EF4-FFF2-40B4-BE49-F238E27FC236}">
-                <a16:creationId xmlns:a16="http://schemas.microsoft.com/office/drawing/2014/main" xmlns="" id="{17FC539C-B783-4B03-9F9E-D13430F3F64F}"/>
+                <a16:creationId xmlns="" xmlns:a16="http://schemas.microsoft.com/office/drawing/2014/main" id="{17FC539C-B783-4B03-9F9E-D13430F3F64F}"/>
               </a:ext>
               <a:ext uri="{C183D7F6-B498-43B3-948B-1728B52AA6E4}">
-                <adec:decorative xmlns:adec="http://schemas.microsoft.com/office/drawing/2017/decorative" xmlns="" val="1"/>
+                <adec:decorative xmlns="" xmlns:adec="http://schemas.microsoft.com/office/drawing/2017/decorative" val="1"/>
               </a:ext>
             </a:extLst>
           </p:cNvPr>
@@ -5317,7 +5399,7 @@
           <p:nvPr>
             <p:extLst>
               <p:ext uri="{386F3935-93C4-4BCD-93E2-E3B085C9AB24}">
-                <p16:designElem xmlns:p16="http://schemas.microsoft.com/office/powerpoint/2015/main" xmlns="" val="1"/>
+                <p16:designElem xmlns="" xmlns:p16="http://schemas.microsoft.com/office/powerpoint/2015/main" val="1"/>
               </p:ext>
             </p:extLst>
           </p:nvPr>
@@ -5434,10 +5516,10 @@
           <p:cNvPr id="2057" name="Rectangle 70">
             <a:extLst>
               <a:ext uri="{FF2B5EF4-FFF2-40B4-BE49-F238E27FC236}">
-                <a16:creationId xmlns:a16="http://schemas.microsoft.com/office/drawing/2014/main" xmlns="" id="{990D0034-F768-41E7-85D4-F38C4DE85770}"/>
+                <a16:creationId xmlns="" xmlns:a16="http://schemas.microsoft.com/office/drawing/2014/main" id="{990D0034-F768-41E7-85D4-F38C4DE85770}"/>
               </a:ext>
               <a:ext uri="{C183D7F6-B498-43B3-948B-1728B52AA6E4}">
-                <adec:decorative xmlns:adec="http://schemas.microsoft.com/office/drawing/2017/decorative" xmlns="" val="1"/>
+                <adec:decorative xmlns="" xmlns:adec="http://schemas.microsoft.com/office/drawing/2017/decorative" val="1"/>
               </a:ext>
             </a:extLst>
           </p:cNvPr>
@@ -5447,7 +5529,7 @@
           <p:nvPr>
             <p:extLst>
               <p:ext uri="{386F3935-93C4-4BCD-93E2-E3B085C9AB24}">
-                <p16:designElem xmlns:p16="http://schemas.microsoft.com/office/powerpoint/2015/main" xmlns="" val="1"/>
+                <p16:designElem xmlns="" xmlns:p16="http://schemas.microsoft.com/office/powerpoint/2015/main" val="1"/>
               </p:ext>
             </p:extLst>
           </p:nvPr>
@@ -5523,10 +5605,10 @@
           <p:cNvPr id="2058" name="Straight Connector 72">
             <a:extLst>
               <a:ext uri="{FF2B5EF4-FFF2-40B4-BE49-F238E27FC236}">
-                <a16:creationId xmlns:a16="http://schemas.microsoft.com/office/drawing/2014/main" xmlns="" id="{5A0A5CF6-407C-4691-8122-49DF69D0020D}"/>
+                <a16:creationId xmlns="" xmlns:a16="http://schemas.microsoft.com/office/drawing/2014/main" id="{5A0A5CF6-407C-4691-8122-49DF69D0020D}"/>
               </a:ext>
               <a:ext uri="{C183D7F6-B498-43B3-948B-1728B52AA6E4}">
-                <adec:decorative xmlns:adec="http://schemas.microsoft.com/office/drawing/2017/decorative" xmlns="" val="1"/>
+                <adec:decorative xmlns="" xmlns:adec="http://schemas.microsoft.com/office/drawing/2017/decorative" val="1"/>
               </a:ext>
             </a:extLst>
           </p:cNvPr>
@@ -5536,7 +5618,7 @@
           <p:nvPr>
             <p:extLst>
               <p:ext uri="{386F3935-93C4-4BCD-93E2-E3B085C9AB24}">
-                <p16:designElem xmlns:p16="http://schemas.microsoft.com/office/powerpoint/2015/main" xmlns="" val="1"/>
+                <p16:designElem xmlns="" xmlns:p16="http://schemas.microsoft.com/office/powerpoint/2015/main" val="1"/>
               </p:ext>
             </p:extLst>
           </p:nvPr>
@@ -5603,7 +5685,6 @@
               <a:rPr lang="ru-RU" sz="1600" dirty="0"/>
               <a:t>Демонстрация работы ловушек, если в момент запуска клетки на ячейке никого нет, она преобразуется в ловушку, иначе сверху летит клетка… При попадании на какого-то героя, клетка вместе с героем постепенно исчезает.</a:t>
             </a:r>
-            <a:endParaRPr lang="ru-RU" sz="1600" dirty="0"/>
           </a:p>
         </p:txBody>
       </p:sp>
@@ -5657,6 +5738,480 @@
 </file>
 
 <file path=ppt/slides/slide6.xml><?xml version="1.0" encoding="utf-8"?>
+<p:sld xmlns:a="http://schemas.openxmlformats.org/drawingml/2006/main" xmlns:r="http://schemas.openxmlformats.org/officeDocument/2006/relationships" xmlns:p="http://schemas.openxmlformats.org/presentationml/2006/main">
+  <p:cSld>
+    <p:spTree>
+      <p:nvGrpSpPr>
+        <p:cNvPr id="1" name=""/>
+        <p:cNvGrpSpPr/>
+        <p:nvPr/>
+      </p:nvGrpSpPr>
+      <p:grpSpPr>
+        <a:xfrm>
+          <a:off x="0" y="0"/>
+          <a:ext cx="0" cy="0"/>
+          <a:chOff x="0" y="0"/>
+          <a:chExt cx="0" cy="0"/>
+        </a:xfrm>
+      </p:grpSpPr>
+      <p:sp>
+        <p:nvSpPr>
+          <p:cNvPr id="2" name="Заголовок 1"/>
+          <p:cNvSpPr>
+            <a:spLocks noGrp="1"/>
+          </p:cNvSpPr>
+          <p:nvPr>
+            <p:ph type="title"/>
+          </p:nvPr>
+        </p:nvSpPr>
+        <p:spPr/>
+        <p:txBody>
+          <a:bodyPr/>
+          <a:lstStyle/>
+          <a:p>
+            <a:r>
+              <a:rPr lang="ru-RU" dirty="0" smtClean="0"/>
+              <a:t>Меню выбора улучшения</a:t>
+            </a:r>
+            <a:endParaRPr lang="ru-RU" dirty="0"/>
+          </a:p>
+        </p:txBody>
+      </p:sp>
+      <p:pic>
+        <p:nvPicPr>
+          <p:cNvPr id="4" name="Объект 3"/>
+          <p:cNvPicPr>
+            <a:picLocks noGrp="1" noChangeAspect="1"/>
+          </p:cNvPicPr>
+          <p:nvPr>
+            <p:ph idx="1"/>
+          </p:nvPr>
+        </p:nvPicPr>
+        <p:blipFill rotWithShape="1">
+          <a:blip r:embed="rId2" cstate="print">
+            <a:extLst>
+              <a:ext uri="{28A0092B-C50C-407E-A947-70E740481C1C}">
+                <a14:useLocalDpi xmlns:a14="http://schemas.microsoft.com/office/drawing/2010/main" val="0"/>
+              </a:ext>
+            </a:extLst>
+          </a:blip>
+          <a:srcRect l="17729" r="17897" b="16147"/>
+          <a:stretch/>
+        </p:blipFill>
+        <p:spPr>
+          <a:xfrm>
+            <a:off x="-5873" y="1737360"/>
+            <a:ext cx="6132353" cy="4491404"/>
+          </a:xfrm>
+        </p:spPr>
+      </p:pic>
+      <p:sp>
+        <p:nvSpPr>
+          <p:cNvPr id="5" name="TextBox 4"/>
+          <p:cNvSpPr txBox="1"/>
+          <p:nvPr/>
+        </p:nvSpPr>
+        <p:spPr>
+          <a:xfrm>
+            <a:off x="6126480" y="2004969"/>
+            <a:ext cx="5029200" cy="1200329"/>
+          </a:xfrm>
+          <a:prstGeom prst="rect">
+            <a:avLst/>
+          </a:prstGeom>
+          <a:noFill/>
+        </p:spPr>
+        <p:txBody>
+          <a:bodyPr wrap="square" rtlCol="0">
+            <a:spAutoFit/>
+          </a:bodyPr>
+          <a:lstStyle/>
+          <a:p>
+            <a:r>
+              <a:rPr lang="ru-RU" dirty="0" smtClean="0"/>
+              <a:t>На выбор есть:</a:t>
+            </a:r>
+          </a:p>
+          <a:p>
+            <a:pPr marL="285750" indent="-285750">
+              <a:buFont typeface="Arial" panose="020B0604020202020204" pitchFamily="34" charset="0"/>
+              <a:buChar char="•"/>
+            </a:pPr>
+            <a:r>
+              <a:rPr lang="ru-RU" dirty="0" smtClean="0"/>
+              <a:t>Увеличить </a:t>
+            </a:r>
+            <a:r>
+              <a:rPr lang="en-US" dirty="0" err="1" smtClean="0"/>
+              <a:t>hp</a:t>
+            </a:r>
+            <a:r>
+              <a:rPr lang="ru-RU" dirty="0" smtClean="0"/>
+              <a:t> (</a:t>
+            </a:r>
+            <a:r>
+              <a:rPr lang="en-US" dirty="0" smtClean="0"/>
+              <a:t>health points) </a:t>
+            </a:r>
+            <a:r>
+              <a:rPr lang="ru-RU" dirty="0" smtClean="0"/>
+              <a:t>на 1</a:t>
+            </a:r>
+            <a:endParaRPr lang="en-US" dirty="0" smtClean="0"/>
+          </a:p>
+          <a:p>
+            <a:pPr marL="285750" indent="-285750">
+              <a:buFont typeface="Arial" panose="020B0604020202020204" pitchFamily="34" charset="0"/>
+              <a:buChar char="•"/>
+            </a:pPr>
+            <a:r>
+              <a:rPr lang="ru-RU" dirty="0" smtClean="0"/>
+              <a:t>Увеличить </a:t>
+            </a:r>
+            <a:r>
+              <a:rPr lang="en-US" dirty="0" err="1" smtClean="0"/>
+              <a:t>mp</a:t>
+            </a:r>
+            <a:r>
+              <a:rPr lang="en-US" dirty="0" smtClean="0"/>
+              <a:t> (movement points) </a:t>
+            </a:r>
+            <a:r>
+              <a:rPr lang="ru-RU" dirty="0" smtClean="0"/>
+              <a:t>на 1</a:t>
+            </a:r>
+          </a:p>
+          <a:p>
+            <a:pPr marL="285750" indent="-285750">
+              <a:buFont typeface="Arial" panose="020B0604020202020204" pitchFamily="34" charset="0"/>
+              <a:buChar char="•"/>
+            </a:pPr>
+            <a:r>
+              <a:rPr lang="ru-RU" dirty="0" smtClean="0"/>
+              <a:t>Увеличить </a:t>
+            </a:r>
+            <a:r>
+              <a:rPr lang="en-US" dirty="0" err="1" smtClean="0"/>
+              <a:t>cage_dis</a:t>
+            </a:r>
+            <a:r>
+              <a:rPr lang="en-US" dirty="0" smtClean="0"/>
+              <a:t> (</a:t>
+            </a:r>
+            <a:r>
+              <a:rPr lang="en-US" dirty="0" err="1" smtClean="0"/>
+              <a:t>cage_distance</a:t>
+            </a:r>
+            <a:r>
+              <a:rPr lang="en-US" dirty="0" smtClean="0"/>
+              <a:t>) </a:t>
+            </a:r>
+            <a:r>
+              <a:rPr lang="ru-RU" dirty="0" smtClean="0"/>
+              <a:t>на 1</a:t>
+            </a:r>
+            <a:endParaRPr lang="ru-RU" dirty="0"/>
+          </a:p>
+        </p:txBody>
+      </p:sp>
+    </p:spTree>
+    <p:extLst>
+      <p:ext uri="{BB962C8B-B14F-4D97-AF65-F5344CB8AC3E}">
+        <p14:creationId xmlns:p14="http://schemas.microsoft.com/office/powerpoint/2010/main" val="1334648505"/>
+      </p:ext>
+    </p:extLst>
+  </p:cSld>
+  <p:clrMapOvr>
+    <a:masterClrMapping/>
+  </p:clrMapOvr>
+</p:sld>
+</file>
+
+<file path=ppt/slides/slide7.xml><?xml version="1.0" encoding="utf-8"?>
+<p:sld xmlns:a="http://schemas.openxmlformats.org/drawingml/2006/main" xmlns:r="http://schemas.openxmlformats.org/officeDocument/2006/relationships" xmlns:p="http://schemas.openxmlformats.org/presentationml/2006/main">
+  <p:cSld>
+    <p:spTree>
+      <p:nvGrpSpPr>
+        <p:cNvPr id="1" name=""/>
+        <p:cNvGrpSpPr/>
+        <p:nvPr/>
+      </p:nvGrpSpPr>
+      <p:grpSpPr>
+        <a:xfrm>
+          <a:off x="0" y="0"/>
+          <a:ext cx="0" cy="0"/>
+          <a:chOff x="0" y="0"/>
+          <a:chExt cx="0" cy="0"/>
+        </a:xfrm>
+      </p:grpSpPr>
+      <p:sp>
+        <p:nvSpPr>
+          <p:cNvPr id="2" name="Заголовок 1"/>
+          <p:cNvSpPr>
+            <a:spLocks noGrp="1"/>
+          </p:cNvSpPr>
+          <p:nvPr>
+            <p:ph type="title"/>
+          </p:nvPr>
+        </p:nvSpPr>
+        <p:spPr/>
+        <p:txBody>
+          <a:bodyPr/>
+          <a:lstStyle/>
+          <a:p>
+            <a:r>
+              <a:rPr lang="ru-RU" dirty="0" smtClean="0"/>
+              <a:t>База данных</a:t>
+            </a:r>
+            <a:endParaRPr lang="ru-RU" dirty="0"/>
+          </a:p>
+        </p:txBody>
+      </p:sp>
+      <p:pic>
+        <p:nvPicPr>
+          <p:cNvPr id="4" name="Объект 3"/>
+          <p:cNvPicPr>
+            <a:picLocks noGrp="1" noChangeAspect="1"/>
+          </p:cNvPicPr>
+          <p:nvPr>
+            <p:ph idx="1"/>
+          </p:nvPr>
+        </p:nvPicPr>
+        <p:blipFill>
+          <a:blip r:embed="rId2">
+            <a:extLst>
+              <a:ext uri="{28A0092B-C50C-407E-A947-70E740481C1C}">
+                <a14:useLocalDpi xmlns:a14="http://schemas.microsoft.com/office/drawing/2010/main" val="0"/>
+              </a:ext>
+            </a:extLst>
+          </a:blip>
+          <a:stretch>
+            <a:fillRect/>
+          </a:stretch>
+        </p:blipFill>
+        <p:spPr>
+          <a:xfrm>
+            <a:off x="914876" y="1737360"/>
+            <a:ext cx="10740585" cy="1551272"/>
+          </a:xfrm>
+        </p:spPr>
+      </p:pic>
+      <p:sp>
+        <p:nvSpPr>
+          <p:cNvPr id="6" name="TextBox 5"/>
+          <p:cNvSpPr txBox="1"/>
+          <p:nvPr/>
+        </p:nvSpPr>
+        <p:spPr>
+          <a:xfrm>
+            <a:off x="914876" y="3323860"/>
+            <a:ext cx="5029200" cy="1200329"/>
+          </a:xfrm>
+          <a:prstGeom prst="rect">
+            <a:avLst/>
+          </a:prstGeom>
+          <a:noFill/>
+        </p:spPr>
+        <p:txBody>
+          <a:bodyPr wrap="square" rtlCol="0">
+            <a:spAutoFit/>
+          </a:bodyPr>
+          <a:lstStyle/>
+          <a:p>
+            <a:r>
+              <a:rPr lang="ru-RU" dirty="0" smtClean="0"/>
+              <a:t>Структура:</a:t>
+            </a:r>
+          </a:p>
+          <a:p>
+            <a:r>
+              <a:rPr lang="en-US" dirty="0" smtClean="0"/>
+              <a:t>-id;</a:t>
+            </a:r>
+          </a:p>
+          <a:p>
+            <a:r>
+              <a:rPr lang="en-US" dirty="0" smtClean="0"/>
+              <a:t>-title </a:t>
+            </a:r>
+            <a:r>
+              <a:rPr lang="ru-RU" dirty="0" smtClean="0"/>
+              <a:t>(название строки)</a:t>
+            </a:r>
+          </a:p>
+          <a:p>
+            <a:r>
+              <a:rPr lang="ru-RU" dirty="0" smtClean="0"/>
+              <a:t>-</a:t>
+            </a:r>
+            <a:r>
+              <a:rPr lang="en-US" dirty="0" smtClean="0"/>
+              <a:t>value(</a:t>
+            </a:r>
+            <a:r>
+              <a:rPr lang="ru-RU" dirty="0" smtClean="0"/>
+              <a:t>значение события)</a:t>
+            </a:r>
+          </a:p>
+        </p:txBody>
+      </p:sp>
+    </p:spTree>
+    <p:extLst>
+      <p:ext uri="{BB962C8B-B14F-4D97-AF65-F5344CB8AC3E}">
+        <p14:creationId xmlns:p14="http://schemas.microsoft.com/office/powerpoint/2010/main" val="2079369557"/>
+      </p:ext>
+    </p:extLst>
+  </p:cSld>
+  <p:clrMapOvr>
+    <a:masterClrMapping/>
+  </p:clrMapOvr>
+</p:sld>
+</file>
+
+<file path=ppt/slides/slide8.xml><?xml version="1.0" encoding="utf-8"?>
+<p:sld xmlns:a="http://schemas.openxmlformats.org/drawingml/2006/main" xmlns:r="http://schemas.openxmlformats.org/officeDocument/2006/relationships" xmlns:p="http://schemas.openxmlformats.org/presentationml/2006/main">
+  <p:cSld>
+    <p:spTree>
+      <p:nvGrpSpPr>
+        <p:cNvPr id="1" name=""/>
+        <p:cNvGrpSpPr/>
+        <p:nvPr/>
+      </p:nvGrpSpPr>
+      <p:grpSpPr>
+        <a:xfrm>
+          <a:off x="0" y="0"/>
+          <a:ext cx="0" cy="0"/>
+          <a:chOff x="0" y="0"/>
+          <a:chExt cx="0" cy="0"/>
+        </a:xfrm>
+      </p:grpSpPr>
+      <p:sp>
+        <p:nvSpPr>
+          <p:cNvPr id="2" name="Заголовок 1"/>
+          <p:cNvSpPr>
+            <a:spLocks noGrp="1"/>
+          </p:cNvSpPr>
+          <p:nvPr>
+            <p:ph type="title"/>
+          </p:nvPr>
+        </p:nvSpPr>
+        <p:spPr/>
+        <p:txBody>
+          <a:bodyPr/>
+          <a:lstStyle/>
+          <a:p>
+            <a:r>
+              <a:rPr lang="ru-RU" dirty="0" smtClean="0"/>
+              <a:t>Данные в базе данных</a:t>
+            </a:r>
+            <a:endParaRPr lang="ru-RU" dirty="0"/>
+          </a:p>
+        </p:txBody>
+      </p:sp>
+      <p:sp>
+        <p:nvSpPr>
+          <p:cNvPr id="3" name="Объект 2"/>
+          <p:cNvSpPr>
+            <a:spLocks noGrp="1"/>
+          </p:cNvSpPr>
+          <p:nvPr>
+            <p:ph idx="1"/>
+          </p:nvPr>
+        </p:nvSpPr>
+        <p:spPr/>
+        <p:txBody>
+          <a:bodyPr/>
+          <a:lstStyle/>
+          <a:p>
+            <a:r>
+              <a:rPr lang="ru-RU" dirty="0"/>
+              <a:t>Данные:</a:t>
+            </a:r>
+          </a:p>
+          <a:p>
+            <a:r>
+              <a:rPr lang="ru-RU" dirty="0"/>
+              <a:t>-Кол-во пойманных членов мафии</a:t>
+            </a:r>
+            <a:r>
+              <a:rPr lang="en-US" dirty="0"/>
+              <a:t>;</a:t>
+            </a:r>
+          </a:p>
+          <a:p>
+            <a:r>
+              <a:rPr lang="en-US" dirty="0"/>
+              <a:t>-</a:t>
+            </a:r>
+            <a:r>
+              <a:rPr lang="ru-RU" dirty="0"/>
+              <a:t>Кол-во собранных монет</a:t>
+            </a:r>
+            <a:endParaRPr lang="en-US" dirty="0"/>
+          </a:p>
+          <a:p>
+            <a:r>
+              <a:rPr lang="en-US" dirty="0"/>
+              <a:t>-</a:t>
+            </a:r>
+            <a:r>
+              <a:rPr lang="ru-RU" dirty="0"/>
+              <a:t>Кол-во потраченного здоровья</a:t>
+            </a:r>
+          </a:p>
+          <a:p>
+            <a:r>
+              <a:rPr lang="ru-RU" dirty="0"/>
+              <a:t>-Кол-во совершённых действий</a:t>
+            </a:r>
+            <a:endParaRPr lang="ru-RU" dirty="0"/>
+          </a:p>
+        </p:txBody>
+      </p:sp>
+      <p:pic>
+        <p:nvPicPr>
+          <p:cNvPr id="4" name="Рисунок 3"/>
+          <p:cNvPicPr>
+            <a:picLocks noChangeAspect="1"/>
+          </p:cNvPicPr>
+          <p:nvPr/>
+        </p:nvPicPr>
+        <p:blipFill>
+          <a:blip r:embed="rId2">
+            <a:extLst>
+              <a:ext uri="{28A0092B-C50C-407E-A947-70E740481C1C}">
+                <a14:useLocalDpi xmlns:a14="http://schemas.microsoft.com/office/drawing/2010/main" val="0"/>
+              </a:ext>
+            </a:extLst>
+          </a:blip>
+          <a:stretch>
+            <a:fillRect/>
+          </a:stretch>
+        </p:blipFill>
+        <p:spPr>
+          <a:xfrm>
+            <a:off x="5514404" y="1845734"/>
+            <a:ext cx="5641276" cy="2448470"/>
+          </a:xfrm>
+          <a:prstGeom prst="rect">
+            <a:avLst/>
+          </a:prstGeom>
+        </p:spPr>
+      </p:pic>
+    </p:spTree>
+    <p:extLst>
+      <p:ext uri="{BB962C8B-B14F-4D97-AF65-F5344CB8AC3E}">
+        <p14:creationId xmlns:p14="http://schemas.microsoft.com/office/powerpoint/2010/main" val="1213384660"/>
+      </p:ext>
+    </p:extLst>
+  </p:cSld>
+  <p:clrMapOvr>
+    <a:masterClrMapping/>
+  </p:clrMapOvr>
+</p:sld>
+</file>
+
+<file path=ppt/slides/slide9.xml><?xml version="1.0" encoding="utf-8"?>
 <p:sld xmlns:a="http://schemas.openxmlformats.org/drawingml/2006/main" xmlns:r="http://schemas.openxmlformats.org/officeDocument/2006/relationships" xmlns:p="http://schemas.openxmlformats.org/presentationml/2006/main">
   <p:cSld>
     <p:bg>
@@ -5686,10 +6241,10 @@
           <p:cNvPr id="11" name="Rectangle 9">
             <a:extLst>
               <a:ext uri="{FF2B5EF4-FFF2-40B4-BE49-F238E27FC236}">
-                <a16:creationId xmlns:a16="http://schemas.microsoft.com/office/drawing/2014/main" xmlns="" id="{990D0034-F768-41E7-85D4-F38C4DE85770}"/>
+                <a16:creationId xmlns="" xmlns:a16="http://schemas.microsoft.com/office/drawing/2014/main" id="{990D0034-F768-41E7-85D4-F38C4DE85770}"/>
               </a:ext>
               <a:ext uri="{C183D7F6-B498-43B3-948B-1728B52AA6E4}">
-                <adec:decorative xmlns:adec="http://schemas.microsoft.com/office/drawing/2017/decorative" xmlns="" val="1"/>
+                <adec:decorative xmlns="" xmlns:adec="http://schemas.microsoft.com/office/drawing/2017/decorative" val="1"/>
               </a:ext>
             </a:extLst>
           </p:cNvPr>
@@ -5699,7 +6254,7 @@
           <p:nvPr>
             <p:extLst>
               <p:ext uri="{386F3935-93C4-4BCD-93E2-E3B085C9AB24}">
-                <p16:designElem xmlns:p16="http://schemas.microsoft.com/office/powerpoint/2015/main" xmlns="" val="1"/>
+                <p16:designElem xmlns="" xmlns:p16="http://schemas.microsoft.com/office/powerpoint/2015/main" val="1"/>
               </p:ext>
             </p:extLst>
           </p:nvPr>
@@ -5785,10 +6340,10 @@
           <p:cNvPr id="13" name="Straight Connector 11">
             <a:extLst>
               <a:ext uri="{FF2B5EF4-FFF2-40B4-BE49-F238E27FC236}">
-                <a16:creationId xmlns:a16="http://schemas.microsoft.com/office/drawing/2014/main" xmlns="" id="{5A0A5CF6-407C-4691-8122-49DF69D0020D}"/>
+                <a16:creationId xmlns="" xmlns:a16="http://schemas.microsoft.com/office/drawing/2014/main" id="{5A0A5CF6-407C-4691-8122-49DF69D0020D}"/>
               </a:ext>
               <a:ext uri="{C183D7F6-B498-43B3-948B-1728B52AA6E4}">
-                <adec:decorative xmlns:adec="http://schemas.microsoft.com/office/drawing/2017/decorative" xmlns="" val="1"/>
+                <adec:decorative xmlns="" xmlns:adec="http://schemas.microsoft.com/office/drawing/2017/decorative" val="1"/>
               </a:ext>
             </a:extLst>
           </p:cNvPr>
@@ -5798,7 +6353,7 @@
           <p:nvPr>
             <p:extLst>
               <p:ext uri="{386F3935-93C4-4BCD-93E2-E3B085C9AB24}">
-                <p16:designElem xmlns:p16="http://schemas.microsoft.com/office/powerpoint/2015/main" xmlns="" val="1"/>
+                <p16:designElem xmlns="" xmlns:p16="http://schemas.microsoft.com/office/powerpoint/2015/main" val="1"/>
               </p:ext>
             </p:extLst>
           </p:nvPr>
@@ -5918,85 +6473,6 @@
     <p:extLst>
       <p:ext uri="{BB962C8B-B14F-4D97-AF65-F5344CB8AC3E}">
         <p14:creationId xmlns:p14="http://schemas.microsoft.com/office/powerpoint/2010/main" val="3671637155"/>
-      </p:ext>
-    </p:extLst>
-  </p:cSld>
-  <p:clrMapOvr>
-    <a:masterClrMapping/>
-  </p:clrMapOvr>
-  <p:timing>
-    <p:tnLst>
-      <p:par>
-        <p:cTn id="1" dur="indefinite" restart="never" nodeType="tmRoot"/>
-      </p:par>
-    </p:tnLst>
-  </p:timing>
-</p:sld>
-</file>
-
-<file path=ppt/slides/slide7.xml><?xml version="1.0" encoding="utf-8"?>
-<p:sld xmlns:a="http://schemas.openxmlformats.org/drawingml/2006/main" xmlns:r="http://schemas.openxmlformats.org/officeDocument/2006/relationships" xmlns:p="http://schemas.openxmlformats.org/presentationml/2006/main">
-  <p:cSld>
-    <p:spTree>
-      <p:nvGrpSpPr>
-        <p:cNvPr id="1" name=""/>
-        <p:cNvGrpSpPr/>
-        <p:nvPr/>
-      </p:nvGrpSpPr>
-      <p:grpSpPr>
-        <a:xfrm>
-          <a:off x="0" y="0"/>
-          <a:ext cx="0" cy="0"/>
-          <a:chOff x="0" y="0"/>
-          <a:chExt cx="0" cy="0"/>
-        </a:xfrm>
-      </p:grpSpPr>
-      <p:sp>
-        <p:nvSpPr>
-          <p:cNvPr id="2" name="Заголовок 1"/>
-          <p:cNvSpPr>
-            <a:spLocks noGrp="1"/>
-          </p:cNvSpPr>
-          <p:nvPr>
-            <p:ph type="title"/>
-          </p:nvPr>
-        </p:nvSpPr>
-        <p:spPr/>
-        <p:txBody>
-          <a:bodyPr/>
-          <a:lstStyle/>
-          <a:p>
-            <a:pPr algn="ctr"/>
-            <a:r>
-              <a:rPr lang="ru-RU" dirty="0"/>
-              <a:t>СПАСИБО ЗА ВНИМАНИЕ</a:t>
-            </a:r>
-          </a:p>
-        </p:txBody>
-      </p:sp>
-      <p:sp>
-        <p:nvSpPr>
-          <p:cNvPr id="3" name="Текст 2"/>
-          <p:cNvSpPr>
-            <a:spLocks noGrp="1"/>
-          </p:cNvSpPr>
-          <p:nvPr>
-            <p:ph type="body" idx="1"/>
-          </p:nvPr>
-        </p:nvSpPr>
-        <p:spPr/>
-        <p:txBody>
-          <a:bodyPr/>
-          <a:lstStyle/>
-          <a:p>
-            <a:endParaRPr lang="ru-RU"/>
-          </a:p>
-        </p:txBody>
-      </p:sp>
-    </p:spTree>
-    <p:extLst>
-      <p:ext uri="{BB962C8B-B14F-4D97-AF65-F5344CB8AC3E}">
-        <p14:creationId xmlns:p14="http://schemas.microsoft.com/office/powerpoint/2010/main" val="1408661188"/>
       </p:ext>
     </p:extLst>
   </p:cSld>

--- a/documentation/Trap them.pptx
+++ b/documentation/Trap them.pptx
@@ -6,15 +6,16 @@
   </p:sldMasterIdLst>
   <p:sldIdLst>
     <p:sldId id="256" r:id="rId2"/>
-    <p:sldId id="257" r:id="rId3"/>
-    <p:sldId id="259" r:id="rId4"/>
-    <p:sldId id="258" r:id="rId5"/>
-    <p:sldId id="260" r:id="rId6"/>
-    <p:sldId id="265" r:id="rId7"/>
-    <p:sldId id="263" r:id="rId8"/>
-    <p:sldId id="264" r:id="rId9"/>
-    <p:sldId id="262" r:id="rId10"/>
-    <p:sldId id="261" r:id="rId11"/>
+    <p:sldId id="266" r:id="rId3"/>
+    <p:sldId id="257" r:id="rId4"/>
+    <p:sldId id="259" r:id="rId5"/>
+    <p:sldId id="258" r:id="rId6"/>
+    <p:sldId id="260" r:id="rId7"/>
+    <p:sldId id="265" r:id="rId8"/>
+    <p:sldId id="263" r:id="rId9"/>
+    <p:sldId id="264" r:id="rId10"/>
+    <p:sldId id="262" r:id="rId11"/>
+    <p:sldId id="261" r:id="rId12"/>
   </p:sldIdLst>
   <p:sldSz cx="12192000" cy="6858000"/>
   <p:notesSz cx="6858000" cy="9144000"/>
@@ -355,7 +356,7 @@
           <a:p>
             <a:fld id="{80852AFD-DEE8-49E9-BC12-FAF705112EEC}" type="datetimeFigureOut">
               <a:rPr lang="ru-RU" smtClean="0"/>
-              <a:t>15.01.2021</a:t>
+              <a:t>16.01.2021</a:t>
             </a:fld>
             <a:endParaRPr lang="ru-RU"/>
           </a:p>
@@ -563,7 +564,7 @@
           <a:p>
             <a:fld id="{80852AFD-DEE8-49E9-BC12-FAF705112EEC}" type="datetimeFigureOut">
               <a:rPr lang="ru-RU" smtClean="0"/>
-              <a:t>15.01.2021</a:t>
+              <a:t>16.01.2021</a:t>
             </a:fld>
             <a:endParaRPr lang="ru-RU"/>
           </a:p>
@@ -819,7 +820,7 @@
           <a:p>
             <a:fld id="{80852AFD-DEE8-49E9-BC12-FAF705112EEC}" type="datetimeFigureOut">
               <a:rPr lang="ru-RU" smtClean="0"/>
-              <a:t>15.01.2021</a:t>
+              <a:t>16.01.2021</a:t>
             </a:fld>
             <a:endParaRPr lang="ru-RU"/>
           </a:p>
@@ -993,7 +994,7 @@
           <a:p>
             <a:fld id="{80852AFD-DEE8-49E9-BC12-FAF705112EEC}" type="datetimeFigureOut">
               <a:rPr lang="ru-RU" smtClean="0"/>
-              <a:t>15.01.2021</a:t>
+              <a:t>16.01.2021</a:t>
             </a:fld>
             <a:endParaRPr lang="ru-RU"/>
           </a:p>
@@ -1336,7 +1337,7 @@
           <a:p>
             <a:fld id="{80852AFD-DEE8-49E9-BC12-FAF705112EEC}" type="datetimeFigureOut">
               <a:rPr lang="ru-RU" smtClean="0"/>
-              <a:t>15.01.2021</a:t>
+              <a:t>16.01.2021</a:t>
             </a:fld>
             <a:endParaRPr lang="ru-RU"/>
           </a:p>
@@ -1611,7 +1612,7 @@
           <a:p>
             <a:fld id="{80852AFD-DEE8-49E9-BC12-FAF705112EEC}" type="datetimeFigureOut">
               <a:rPr lang="ru-RU" smtClean="0"/>
-              <a:t>15.01.2021</a:t>
+              <a:t>16.01.2021</a:t>
             </a:fld>
             <a:endParaRPr lang="ru-RU"/>
           </a:p>
@@ -1990,7 +1991,7 @@
           <a:p>
             <a:fld id="{80852AFD-DEE8-49E9-BC12-FAF705112EEC}" type="datetimeFigureOut">
               <a:rPr lang="ru-RU" smtClean="0"/>
-              <a:t>15.01.2021</a:t>
+              <a:t>16.01.2021</a:t>
             </a:fld>
             <a:endParaRPr lang="ru-RU"/>
           </a:p>
@@ -2108,7 +2109,7 @@
           <a:p>
             <a:fld id="{80852AFD-DEE8-49E9-BC12-FAF705112EEC}" type="datetimeFigureOut">
               <a:rPr lang="ru-RU" smtClean="0"/>
-              <a:t>15.01.2021</a:t>
+              <a:t>16.01.2021</a:t>
             </a:fld>
             <a:endParaRPr lang="ru-RU"/>
           </a:p>
@@ -2279,7 +2280,7 @@
           <a:p>
             <a:fld id="{80852AFD-DEE8-49E9-BC12-FAF705112EEC}" type="datetimeFigureOut">
               <a:rPr lang="ru-RU" smtClean="0"/>
-              <a:t>15.01.2021</a:t>
+              <a:t>16.01.2021</a:t>
             </a:fld>
             <a:endParaRPr lang="ru-RU"/>
           </a:p>
@@ -2633,7 +2634,7 @@
           <a:p>
             <a:fld id="{80852AFD-DEE8-49E9-BC12-FAF705112EEC}" type="datetimeFigureOut">
               <a:rPr lang="ru-RU" smtClean="0"/>
-              <a:t>15.01.2021</a:t>
+              <a:t>16.01.2021</a:t>
             </a:fld>
             <a:endParaRPr lang="ru-RU"/>
           </a:p>
@@ -3015,7 +3016,7 @@
           <a:p>
             <a:fld id="{80852AFD-DEE8-49E9-BC12-FAF705112EEC}" type="datetimeFigureOut">
               <a:rPr lang="ru-RU" smtClean="0"/>
-              <a:t>15.01.2021</a:t>
+              <a:t>16.01.2021</a:t>
             </a:fld>
             <a:endParaRPr lang="ru-RU"/>
           </a:p>
@@ -3302,7 +3303,7 @@
           <a:p>
             <a:fld id="{80852AFD-DEE8-49E9-BC12-FAF705112EEC}" type="datetimeFigureOut">
               <a:rPr lang="ru-RU" smtClean="0"/>
-              <a:t>15.01.2021</a:t>
+              <a:t>16.01.2021</a:t>
             </a:fld>
             <a:endParaRPr lang="ru-RU"/>
           </a:p>
@@ -3839,10 +3840,10 @@
           <p:cNvPr id="8" name="Rectangle 7">
             <a:extLst>
               <a:ext uri="{FF2B5EF4-FFF2-40B4-BE49-F238E27FC236}">
-                <a16:creationId xmlns="" xmlns:a16="http://schemas.microsoft.com/office/drawing/2014/main" id="{8C6E698C-8155-4B8B-BDC9-B7299772B509}"/>
+                <a16:creationId xmlns:a16="http://schemas.microsoft.com/office/drawing/2014/main" id="{8C6E698C-8155-4B8B-BDC9-B7299772B509}"/>
               </a:ext>
               <a:ext uri="{C183D7F6-B498-43B3-948B-1728B52AA6E4}">
-                <adec:decorative xmlns="" xmlns:adec="http://schemas.microsoft.com/office/drawing/2017/decorative" val="1"/>
+                <adec:decorative xmlns:adec="http://schemas.microsoft.com/office/drawing/2017/decorative" xmlns="" val="1"/>
               </a:ext>
             </a:extLst>
           </p:cNvPr>
@@ -3852,7 +3853,7 @@
           <p:nvPr>
             <p:extLst>
               <p:ext uri="{386F3935-93C4-4BCD-93E2-E3B085C9AB24}">
-                <p16:designElem xmlns="" xmlns:p16="http://schemas.microsoft.com/office/powerpoint/2015/main" val="1"/>
+                <p16:designElem xmlns:p16="http://schemas.microsoft.com/office/powerpoint/2015/main" val="1"/>
               </p:ext>
             </p:extLst>
           </p:nvPr>
@@ -3937,10 +3938,10 @@
           <p:cNvPr id="10" name="Rectangle 9">
             <a:extLst>
               <a:ext uri="{FF2B5EF4-FFF2-40B4-BE49-F238E27FC236}">
-                <a16:creationId xmlns="" xmlns:a16="http://schemas.microsoft.com/office/drawing/2014/main" id="{0EEF5601-A8BC-411D-AA64-3E79320BA122}"/>
+                <a16:creationId xmlns:a16="http://schemas.microsoft.com/office/drawing/2014/main" id="{0EEF5601-A8BC-411D-AA64-3E79320BA122}"/>
               </a:ext>
               <a:ext uri="{C183D7F6-B498-43B3-948B-1728B52AA6E4}">
-                <adec:decorative xmlns="" xmlns:adec="http://schemas.microsoft.com/office/drawing/2017/decorative" val="1"/>
+                <adec:decorative xmlns:adec="http://schemas.microsoft.com/office/drawing/2017/decorative" xmlns="" val="1"/>
               </a:ext>
             </a:extLst>
           </p:cNvPr>
@@ -3950,7 +3951,7 @@
           <p:nvPr>
             <p:extLst>
               <p:ext uri="{386F3935-93C4-4BCD-93E2-E3B085C9AB24}">
-                <p16:designElem xmlns="" xmlns:p16="http://schemas.microsoft.com/office/powerpoint/2015/main" val="1"/>
+                <p16:designElem xmlns:p16="http://schemas.microsoft.com/office/powerpoint/2015/main" val="1"/>
               </p:ext>
             </p:extLst>
           </p:nvPr>
@@ -4041,10 +4042,10 @@
           <p:cNvPr id="12" name="Rectangle 11">
             <a:extLst>
               <a:ext uri="{FF2B5EF4-FFF2-40B4-BE49-F238E27FC236}">
-                <a16:creationId xmlns="" xmlns:a16="http://schemas.microsoft.com/office/drawing/2014/main" id="{33209156-242F-4B26-8D07-CEB2B68A9F9A}"/>
+                <a16:creationId xmlns:a16="http://schemas.microsoft.com/office/drawing/2014/main" id="{33209156-242F-4B26-8D07-CEB2B68A9F9A}"/>
               </a:ext>
               <a:ext uri="{C183D7F6-B498-43B3-948B-1728B52AA6E4}">
-                <adec:decorative xmlns="" xmlns:adec="http://schemas.microsoft.com/office/drawing/2017/decorative" val="1"/>
+                <adec:decorative xmlns:adec="http://schemas.microsoft.com/office/drawing/2017/decorative" xmlns="" val="1"/>
               </a:ext>
             </a:extLst>
           </p:cNvPr>
@@ -4054,7 +4055,7 @@
           <p:nvPr>
             <p:extLst>
               <p:ext uri="{386F3935-93C4-4BCD-93E2-E3B085C9AB24}">
-                <p16:designElem xmlns="" xmlns:p16="http://schemas.microsoft.com/office/powerpoint/2015/main" val="1"/>
+                <p16:designElem xmlns:p16="http://schemas.microsoft.com/office/powerpoint/2015/main" val="1"/>
               </p:ext>
             </p:extLst>
           </p:nvPr>
@@ -4112,85 +4113,6 @@
 </file>
 
 <file path=ppt/slides/slide10.xml><?xml version="1.0" encoding="utf-8"?>
-<p:sld xmlns:a="http://schemas.openxmlformats.org/drawingml/2006/main" xmlns:r="http://schemas.openxmlformats.org/officeDocument/2006/relationships" xmlns:p="http://schemas.openxmlformats.org/presentationml/2006/main">
-  <p:cSld>
-    <p:spTree>
-      <p:nvGrpSpPr>
-        <p:cNvPr id="1" name=""/>
-        <p:cNvGrpSpPr/>
-        <p:nvPr/>
-      </p:nvGrpSpPr>
-      <p:grpSpPr>
-        <a:xfrm>
-          <a:off x="0" y="0"/>
-          <a:ext cx="0" cy="0"/>
-          <a:chOff x="0" y="0"/>
-          <a:chExt cx="0" cy="0"/>
-        </a:xfrm>
-      </p:grpSpPr>
-      <p:sp>
-        <p:nvSpPr>
-          <p:cNvPr id="2" name="Заголовок 1"/>
-          <p:cNvSpPr>
-            <a:spLocks noGrp="1"/>
-          </p:cNvSpPr>
-          <p:nvPr>
-            <p:ph type="title"/>
-          </p:nvPr>
-        </p:nvSpPr>
-        <p:spPr/>
-        <p:txBody>
-          <a:bodyPr/>
-          <a:lstStyle/>
-          <a:p>
-            <a:pPr algn="ctr"/>
-            <a:r>
-              <a:rPr lang="ru-RU" dirty="0"/>
-              <a:t>СПАСИБО ЗА ВНИМАНИЕ</a:t>
-            </a:r>
-          </a:p>
-        </p:txBody>
-      </p:sp>
-      <p:sp>
-        <p:nvSpPr>
-          <p:cNvPr id="3" name="Текст 2"/>
-          <p:cNvSpPr>
-            <a:spLocks noGrp="1"/>
-          </p:cNvSpPr>
-          <p:nvPr>
-            <p:ph type="body" idx="1"/>
-          </p:nvPr>
-        </p:nvSpPr>
-        <p:spPr/>
-        <p:txBody>
-          <a:bodyPr/>
-          <a:lstStyle/>
-          <a:p>
-            <a:endParaRPr lang="ru-RU"/>
-          </a:p>
-        </p:txBody>
-      </p:sp>
-    </p:spTree>
-    <p:extLst>
-      <p:ext uri="{BB962C8B-B14F-4D97-AF65-F5344CB8AC3E}">
-        <p14:creationId xmlns:p14="http://schemas.microsoft.com/office/powerpoint/2010/main" val="1408661188"/>
-      </p:ext>
-    </p:extLst>
-  </p:cSld>
-  <p:clrMapOvr>
-    <a:masterClrMapping/>
-  </p:clrMapOvr>
-  <p:timing>
-    <p:tnLst>
-      <p:par>
-        <p:cTn id="1" dur="indefinite" restart="never" nodeType="tmRoot"/>
-      </p:par>
-    </p:tnLst>
-  </p:timing>
-</p:sld>
-</file>
-
-<file path=ppt/slides/slide2.xml><?xml version="1.0" encoding="utf-8"?>
 <p:sld xmlns:a="http://schemas.openxmlformats.org/drawingml/2006/main" xmlns:r="http://schemas.openxmlformats.org/officeDocument/2006/relationships" xmlns:p="http://schemas.openxmlformats.org/presentationml/2006/main">
   <p:cSld>
     <p:bg>
@@ -4217,13 +4139,13 @@
       </p:grpSpPr>
       <p:sp useBgFill="1">
         <p:nvSpPr>
-          <p:cNvPr id="11" name="Rectangle 10">
+          <p:cNvPr id="11" name="Rectangle 9">
             <a:extLst>
               <a:ext uri="{FF2B5EF4-FFF2-40B4-BE49-F238E27FC236}">
-                <a16:creationId xmlns="" xmlns:a16="http://schemas.microsoft.com/office/drawing/2014/main" id="{990D0034-F768-41E7-85D4-F38C4DE85770}"/>
+                <a16:creationId xmlns:a16="http://schemas.microsoft.com/office/drawing/2014/main" id="{990D0034-F768-41E7-85D4-F38C4DE85770}"/>
               </a:ext>
               <a:ext uri="{C183D7F6-B498-43B3-948B-1728B52AA6E4}">
-                <adec:decorative xmlns="" xmlns:adec="http://schemas.microsoft.com/office/drawing/2017/decorative" val="1"/>
+                <adec:decorative xmlns:adec="http://schemas.microsoft.com/office/drawing/2017/decorative" xmlns="" val="1"/>
               </a:ext>
             </a:extLst>
           </p:cNvPr>
@@ -4233,7 +4155,7 @@
           <p:nvPr>
             <p:extLst>
               <p:ext uri="{386F3935-93C4-4BCD-93E2-E3B085C9AB24}">
-                <p16:designElem xmlns="" xmlns:p16="http://schemas.microsoft.com/office/powerpoint/2015/main" val="1"/>
+                <p16:designElem xmlns:p16="http://schemas.microsoft.com/office/powerpoint/2015/main" val="1"/>
               </p:ext>
             </p:extLst>
           </p:nvPr>
@@ -4277,250 +4199,155 @@
       </p:sp>
       <p:sp>
         <p:nvSpPr>
-          <p:cNvPr id="13" name="Rectangle 12">
+          <p:cNvPr id="2" name="Заголовок 1"/>
+          <p:cNvSpPr>
+            <a:spLocks noGrp="1"/>
+          </p:cNvSpPr>
+          <p:nvPr>
+            <p:ph type="title"/>
+          </p:nvPr>
+        </p:nvSpPr>
+        <p:spPr>
+          <a:xfrm>
+            <a:off x="477078" y="516835"/>
+            <a:ext cx="3100136" cy="2103875"/>
+          </a:xfrm>
+        </p:spPr>
+        <p:txBody>
+          <a:bodyPr vert="horz" lIns="91440" tIns="45720" rIns="91440" bIns="45720" rtlCol="0" anchor="b">
+            <a:normAutofit/>
+          </a:bodyPr>
+          <a:lstStyle/>
+          <a:p>
+            <a:r>
+              <a:rPr lang="en-US" sz="3600" kern="1200" spc="-50" baseline="0">
+                <a:solidFill>
+                  <a:schemeClr val="tx1">
+                    <a:lumMod val="75000"/>
+                    <a:lumOff val="25000"/>
+                  </a:schemeClr>
+                </a:solidFill>
+                <a:latin typeface="+mj-lt"/>
+                <a:ea typeface="+mj-ea"/>
+                <a:cs typeface="+mj-cs"/>
+              </a:rPr>
+              <a:t>Статистика</a:t>
+            </a:r>
+          </a:p>
+        </p:txBody>
+      </p:sp>
+      <p:cxnSp>
+        <p:nvCxnSpPr>
+          <p:cNvPr id="13" name="Straight Connector 11">
             <a:extLst>
               <a:ext uri="{FF2B5EF4-FFF2-40B4-BE49-F238E27FC236}">
-                <a16:creationId xmlns="" xmlns:a16="http://schemas.microsoft.com/office/drawing/2014/main" id="{C4F7E42D-8B5A-4FC8-81CD-9E60171F7FA8}"/>
+                <a16:creationId xmlns:a16="http://schemas.microsoft.com/office/drawing/2014/main" id="{5A0A5CF6-407C-4691-8122-49DF69D0020D}"/>
               </a:ext>
               <a:ext uri="{C183D7F6-B498-43B3-948B-1728B52AA6E4}">
-                <adec:decorative xmlns="" xmlns:adec="http://schemas.microsoft.com/office/drawing/2017/decorative" val="1"/>
+                <adec:decorative xmlns:adec="http://schemas.microsoft.com/office/drawing/2017/decorative" xmlns="" val="1"/>
               </a:ext>
             </a:extLst>
           </p:cNvPr>
-          <p:cNvSpPr>
-            <a:spLocks noGrp="1" noRot="1" noChangeAspect="1" noMove="1" noResize="1" noEditPoints="1" noAdjustHandles="1" noChangeArrowheads="1" noChangeShapeType="1" noTextEdit="1"/>
-          </p:cNvSpPr>
+          <p:cNvCxnSpPr>
+            <a:cxnSpLocks noGrp="1" noRot="1" noChangeAspect="1" noMove="1" noResize="1" noEditPoints="1" noAdjustHandles="1" noChangeArrowheads="1" noChangeShapeType="1"/>
+          </p:cNvCxnSpPr>
           <p:nvPr>
             <p:extLst>
               <p:ext uri="{386F3935-93C4-4BCD-93E2-E3B085C9AB24}">
-                <p16:designElem xmlns="" xmlns:p16="http://schemas.microsoft.com/office/powerpoint/2015/main" val="1"/>
+                <p16:designElem xmlns:p16="http://schemas.microsoft.com/office/powerpoint/2015/main" val="1"/>
               </p:ext>
             </p:extLst>
           </p:nvPr>
-        </p:nvSpPr>
-        <p:spPr>
-          <a:xfrm>
-            <a:off x="16" y="0"/>
-            <a:ext cx="4050791" cy="6858000"/>
+        </p:nvCxnSpPr>
+        <p:spPr>
+          <a:xfrm>
+            <a:off x="590927" y="2633962"/>
+            <a:ext cx="2743200" cy="0"/>
+          </a:xfrm>
+          <a:prstGeom prst="line">
+            <a:avLst/>
+          </a:prstGeom>
+          <a:ln w="6350">
+            <a:solidFill>
+              <a:schemeClr val="tx1">
+                <a:lumMod val="50000"/>
+                <a:lumOff val="50000"/>
+                <a:alpha val="90000"/>
+              </a:schemeClr>
+            </a:solidFill>
+          </a:ln>
+        </p:spPr>
+        <p:style>
+          <a:lnRef idx="1">
+            <a:schemeClr val="accent1"/>
+          </a:lnRef>
+          <a:fillRef idx="0">
+            <a:schemeClr val="accent1"/>
+          </a:fillRef>
+          <a:effectRef idx="0">
+            <a:schemeClr val="accent1"/>
+          </a:effectRef>
+          <a:fontRef idx="minor">
+            <a:schemeClr val="tx1"/>
+          </a:fontRef>
+        </p:style>
+      </p:cxnSp>
+      <p:sp>
+        <p:nvSpPr>
+          <p:cNvPr id="5" name="TextBox 4"/>
+          <p:cNvSpPr txBox="1"/>
+          <p:nvPr/>
+        </p:nvSpPr>
+        <p:spPr>
+          <a:xfrm>
+            <a:off x="492371" y="2736574"/>
+            <a:ext cx="3084844" cy="3366047"/>
           </a:xfrm>
           <a:prstGeom prst="rect">
             <a:avLst/>
           </a:prstGeom>
-          <a:solidFill>
-            <a:schemeClr val="accent2"/>
-          </a:solidFill>
-          <a:ln>
-            <a:noFill/>
-          </a:ln>
-        </p:spPr>
-        <p:style>
-          <a:lnRef idx="2">
-            <a:schemeClr val="accent1">
-              <a:shade val="50000"/>
-            </a:schemeClr>
-          </a:lnRef>
-          <a:fillRef idx="1">
-            <a:schemeClr val="accent1"/>
-          </a:fillRef>
-          <a:effectRef idx="0">
-            <a:schemeClr val="accent1"/>
-          </a:effectRef>
-          <a:fontRef idx="minor">
-            <a:schemeClr val="lt1"/>
-          </a:fontRef>
-        </p:style>
-      </p:sp>
-      <p:sp>
-        <p:nvSpPr>
-          <p:cNvPr id="2" name="Заголовок 1"/>
-          <p:cNvSpPr>
-            <a:spLocks noGrp="1"/>
-          </p:cNvSpPr>
-          <p:nvPr>
-            <p:ph type="title"/>
-          </p:nvPr>
-        </p:nvSpPr>
-        <p:spPr>
-          <a:xfrm>
-            <a:off x="492370" y="516835"/>
-            <a:ext cx="3084844" cy="2103875"/>
-          </a:xfrm>
-        </p:spPr>
-        <p:txBody>
-          <a:bodyPr>
+        </p:spPr>
+        <p:txBody>
+          <a:bodyPr vert="horz" lIns="0" tIns="45720" rIns="0" bIns="45720" rtlCol="0">
             <a:normAutofit/>
           </a:bodyPr>
           <a:lstStyle/>
           <a:p>
-            <a:r>
-              <a:rPr lang="ru-RU" sz="3600" dirty="0">
-                <a:solidFill>
-                  <a:srgbClr val="FFFFFF"/>
-                </a:solidFill>
-              </a:rPr>
-              <a:t>Главное меню</a:t>
-            </a:r>
-          </a:p>
-        </p:txBody>
-      </p:sp>
-      <p:sp>
-        <p:nvSpPr>
-          <p:cNvPr id="6" name="Объект 5"/>
-          <p:cNvSpPr>
-            <a:spLocks noGrp="1"/>
-          </p:cNvSpPr>
-          <p:nvPr>
-            <p:ph idx="1"/>
-          </p:nvPr>
-        </p:nvSpPr>
-        <p:spPr>
-          <a:xfrm>
-            <a:off x="492371" y="2653800"/>
-            <a:ext cx="3084844" cy="3335519"/>
-          </a:xfrm>
-        </p:spPr>
-        <p:txBody>
-          <a:bodyPr vert="horz" lIns="0" tIns="45720" rIns="0" bIns="45720" rtlCol="0" anchor="t">
-            <a:normAutofit/>
-          </a:bodyPr>
-          <a:lstStyle/>
-          <a:p>
-            <a:pPr marL="0" indent="0">
-              <a:spcBef>
-                <a:spcPts val="0"/>
-              </a:spcBef>
+            <a:pPr>
+              <a:lnSpc>
+                <a:spcPct val="90000"/>
+              </a:lnSpc>
               <a:spcAft>
                 <a:spcPts val="600"/>
               </a:spcAft>
-              <a:buNone/>
+              <a:buClr>
+                <a:schemeClr val="accent1"/>
+              </a:buClr>
+              <a:buFont typeface="Calibri" panose="020F0502020204030204" pitchFamily="34" charset="0"/>
             </a:pPr>
             <a:r>
-              <a:rPr lang="ru-RU" sz="1500" dirty="0">
+              <a:rPr lang="en-US" sz="1500">
                 <a:solidFill>
-                  <a:srgbClr val="FFFFFF"/>
+                  <a:schemeClr val="tx1">
+                    <a:lumMod val="75000"/>
+                    <a:lumOff val="25000"/>
+                  </a:schemeClr>
                 </a:solidFill>
               </a:rPr>
-              <a:t>В главном </a:t>
-            </a:r>
-            <a:r>
-              <a:rPr lang="ru-RU" sz="1500" dirty="0" smtClean="0">
-                <a:solidFill>
-                  <a:srgbClr val="FFFFFF"/>
-                </a:solidFill>
-              </a:rPr>
-              <a:t>меню игрок может</a:t>
-            </a:r>
-            <a:r>
-              <a:rPr lang="en-US" sz="1500" dirty="0" smtClean="0">
-                <a:solidFill>
-                  <a:srgbClr val="FFFFFF"/>
-                </a:solidFill>
-              </a:rPr>
-              <a:t>:</a:t>
-            </a:r>
-            <a:endParaRPr lang="ru-RU" sz="1500" dirty="0" smtClean="0">
-              <a:solidFill>
-                <a:srgbClr val="FFFFFF"/>
-              </a:solidFill>
-            </a:endParaRPr>
-          </a:p>
-          <a:p>
-            <a:pPr>
-              <a:spcBef>
-                <a:spcPts val="0"/>
-              </a:spcBef>
-              <a:spcAft>
-                <a:spcPts val="600"/>
-              </a:spcAft>
-              <a:buFont typeface="Wingdings" panose="05000000000000000000" pitchFamily="2" charset="2"/>
-              <a:buChar char="§"/>
-            </a:pPr>
-            <a:r>
-              <a:rPr lang="ru-RU" sz="1500" dirty="0" smtClean="0">
-                <a:solidFill>
-                  <a:srgbClr val="FFFFFF"/>
-                </a:solidFill>
-              </a:rPr>
-              <a:t>Начать </a:t>
-            </a:r>
-            <a:r>
-              <a:rPr lang="ru-RU" sz="1500" dirty="0">
-                <a:solidFill>
-                  <a:srgbClr val="FFFFFF"/>
-                </a:solidFill>
-              </a:rPr>
-              <a:t>новую игру,</a:t>
-            </a:r>
-          </a:p>
-          <a:p>
-            <a:pPr>
-              <a:spcBef>
-                <a:spcPts val="0"/>
-              </a:spcBef>
-              <a:spcAft>
-                <a:spcPts val="600"/>
-              </a:spcAft>
-              <a:buFont typeface="Wingdings" panose="05000000000000000000" pitchFamily="2" charset="2"/>
-              <a:buChar char="§"/>
-            </a:pPr>
-            <a:r>
-              <a:rPr lang="ru-RU" sz="1500" dirty="0">
-                <a:solidFill>
-                  <a:srgbClr val="FFFFFF"/>
-                </a:solidFill>
-              </a:rPr>
-              <a:t>П</a:t>
-            </a:r>
-            <a:r>
-              <a:rPr lang="ru-RU" sz="1500" dirty="0" smtClean="0">
-                <a:solidFill>
-                  <a:srgbClr val="FFFFFF"/>
-                </a:solidFill>
-              </a:rPr>
-              <a:t>родолжить прошлую,</a:t>
-            </a:r>
-          </a:p>
-          <a:p>
-            <a:pPr>
-              <a:spcBef>
-                <a:spcPts val="0"/>
-              </a:spcBef>
-              <a:spcAft>
-                <a:spcPts val="600"/>
-              </a:spcAft>
-              <a:buFont typeface="Wingdings" panose="05000000000000000000" pitchFamily="2" charset="2"/>
-              <a:buChar char="§"/>
-            </a:pPr>
-            <a:r>
-              <a:rPr lang="ru-RU" sz="1500" dirty="0">
-                <a:solidFill>
-                  <a:srgbClr val="FFFFFF"/>
-                </a:solidFill>
-              </a:rPr>
-              <a:t>П</a:t>
-            </a:r>
-            <a:r>
-              <a:rPr lang="ru-RU" sz="1500" dirty="0" smtClean="0">
-                <a:solidFill>
-                  <a:srgbClr val="FFFFFF"/>
-                </a:solidFill>
-              </a:rPr>
-              <a:t>осмотреть статистику</a:t>
-            </a:r>
-            <a:endParaRPr lang="ru-RU" sz="1500" dirty="0">
-              <a:solidFill>
-                <a:srgbClr val="FFFFFF"/>
-              </a:solidFill>
-              <a:cs typeface="Calibri"/>
-            </a:endParaRPr>
+              <a:t>Статистика по игре. Отображается: количество пойманных членов мафии, монет, потраченного здоровья, действий, зачищенных мест, ловушек использовано</a:t>
+            </a:r>
           </a:p>
         </p:txBody>
       </p:sp>
       <p:pic>
         <p:nvPicPr>
-          <p:cNvPr id="5" name="Рисунок 4"/>
-          <p:cNvPicPr/>
-          <p:nvPr/>
+          <p:cNvPr id="4" name="Объект 3"/>
+          <p:cNvPicPr>
+            <a:picLocks noGrp="1"/>
+          </p:cNvPicPr>
+          <p:nvPr>
+            <p:ph idx="1"/>
+          </p:nvPr>
         </p:nvPicPr>
         <p:blipFill rotWithShape="1">
           <a:blip r:embed="rId2" cstate="print">
@@ -4530,78 +4357,23 @@
               </a:ext>
             </a:extLst>
           </a:blip>
-          <a:srcRect l="14923" r="18547"/>
+          <a:srcRect l="16388" r="17082"/>
           <a:stretch/>
         </p:blipFill>
         <p:spPr>
           <a:xfrm>
-            <a:off x="4331602" y="218114"/>
-            <a:ext cx="7625064" cy="6421772"/>
+            <a:off x="4075043" y="10"/>
+            <a:ext cx="8111272" cy="6857990"/>
           </a:xfrm>
           <a:prstGeom prst="rect">
             <a:avLst/>
           </a:prstGeom>
         </p:spPr>
       </p:pic>
-      <p:sp>
-        <p:nvSpPr>
-          <p:cNvPr id="15" name="Rectangle 14">
-            <a:extLst>
-              <a:ext uri="{FF2B5EF4-FFF2-40B4-BE49-F238E27FC236}">
-                <a16:creationId xmlns="" xmlns:a16="http://schemas.microsoft.com/office/drawing/2014/main" id="{8C04651D-B9F4-4935-A02D-364153FBDF54}"/>
-              </a:ext>
-              <a:ext uri="{C183D7F6-B498-43B3-948B-1728B52AA6E4}">
-                <adec:decorative xmlns="" xmlns:adec="http://schemas.microsoft.com/office/drawing/2017/decorative" val="1"/>
-              </a:ext>
-            </a:extLst>
-          </p:cNvPr>
-          <p:cNvSpPr>
-            <a:spLocks noGrp="1" noRot="1" noChangeAspect="1" noMove="1" noResize="1" noEditPoints="1" noAdjustHandles="1" noChangeArrowheads="1" noChangeShapeType="1" noTextEdit="1"/>
-          </p:cNvSpPr>
-          <p:nvPr>
-            <p:extLst>
-              <p:ext uri="{386F3935-93C4-4BCD-93E2-E3B085C9AB24}">
-                <p16:designElem xmlns="" xmlns:p16="http://schemas.microsoft.com/office/powerpoint/2015/main" val="1"/>
-              </p:ext>
-            </p:extLst>
-          </p:nvPr>
-        </p:nvSpPr>
-        <p:spPr>
-          <a:xfrm>
-            <a:off x="4040071" y="0"/>
-            <a:ext cx="64008" cy="6858000"/>
-          </a:xfrm>
-          <a:prstGeom prst="rect">
-            <a:avLst/>
-          </a:prstGeom>
-          <a:solidFill>
-            <a:schemeClr val="accent1"/>
-          </a:solidFill>
-          <a:ln>
-            <a:noFill/>
-          </a:ln>
-        </p:spPr>
-        <p:style>
-          <a:lnRef idx="2">
-            <a:schemeClr val="accent1">
-              <a:shade val="50000"/>
-            </a:schemeClr>
-          </a:lnRef>
-          <a:fillRef idx="1">
-            <a:schemeClr val="accent1"/>
-          </a:fillRef>
-          <a:effectRef idx="0">
-            <a:schemeClr val="accent1"/>
-          </a:effectRef>
-          <a:fontRef idx="minor">
-            <a:schemeClr val="lt1"/>
-          </a:fontRef>
-        </p:style>
-      </p:sp>
     </p:spTree>
     <p:extLst>
       <p:ext uri="{BB962C8B-B14F-4D97-AF65-F5344CB8AC3E}">
-        <p14:creationId xmlns:p14="http://schemas.microsoft.com/office/powerpoint/2010/main" val="3693952200"/>
+        <p14:creationId xmlns:p14="http://schemas.microsoft.com/office/powerpoint/2010/main" val="3671637155"/>
       </p:ext>
     </p:extLst>
   </p:cSld>
@@ -4615,6 +4387,248 @@
       </p:par>
     </p:tnLst>
   </p:timing>
+</p:sld>
+</file>
+
+<file path=ppt/slides/slide11.xml><?xml version="1.0" encoding="utf-8"?>
+<p:sld xmlns:a="http://schemas.openxmlformats.org/drawingml/2006/main" xmlns:r="http://schemas.openxmlformats.org/officeDocument/2006/relationships" xmlns:p="http://schemas.openxmlformats.org/presentationml/2006/main">
+  <p:cSld>
+    <p:spTree>
+      <p:nvGrpSpPr>
+        <p:cNvPr id="1" name=""/>
+        <p:cNvGrpSpPr/>
+        <p:nvPr/>
+      </p:nvGrpSpPr>
+      <p:grpSpPr>
+        <a:xfrm>
+          <a:off x="0" y="0"/>
+          <a:ext cx="0" cy="0"/>
+          <a:chOff x="0" y="0"/>
+          <a:chExt cx="0" cy="0"/>
+        </a:xfrm>
+      </p:grpSpPr>
+      <p:sp>
+        <p:nvSpPr>
+          <p:cNvPr id="2" name="Заголовок 1"/>
+          <p:cNvSpPr>
+            <a:spLocks noGrp="1"/>
+          </p:cNvSpPr>
+          <p:nvPr>
+            <p:ph type="title"/>
+          </p:nvPr>
+        </p:nvSpPr>
+        <p:spPr/>
+        <p:txBody>
+          <a:bodyPr/>
+          <a:lstStyle/>
+          <a:p>
+            <a:pPr algn="ctr"/>
+            <a:r>
+              <a:rPr lang="ru-RU" dirty="0"/>
+              <a:t>СПАСИБО ЗА ВНИМАНИЕ</a:t>
+            </a:r>
+          </a:p>
+        </p:txBody>
+      </p:sp>
+      <p:sp>
+        <p:nvSpPr>
+          <p:cNvPr id="3" name="Текст 2"/>
+          <p:cNvSpPr>
+            <a:spLocks noGrp="1"/>
+          </p:cNvSpPr>
+          <p:nvPr>
+            <p:ph type="body" idx="1"/>
+          </p:nvPr>
+        </p:nvSpPr>
+        <p:spPr/>
+        <p:txBody>
+          <a:bodyPr/>
+          <a:lstStyle/>
+          <a:p>
+            <a:endParaRPr lang="ru-RU"/>
+          </a:p>
+        </p:txBody>
+      </p:sp>
+    </p:spTree>
+    <p:extLst>
+      <p:ext uri="{BB962C8B-B14F-4D97-AF65-F5344CB8AC3E}">
+        <p14:creationId xmlns:p14="http://schemas.microsoft.com/office/powerpoint/2010/main" val="1408661188"/>
+      </p:ext>
+    </p:extLst>
+  </p:cSld>
+  <p:clrMapOvr>
+    <a:masterClrMapping/>
+  </p:clrMapOvr>
+  <p:timing>
+    <p:tnLst>
+      <p:par>
+        <p:cTn id="1" dur="indefinite" restart="never" nodeType="tmRoot"/>
+      </p:par>
+    </p:tnLst>
+  </p:timing>
+</p:sld>
+</file>
+
+<file path=ppt/slides/slide2.xml><?xml version="1.0" encoding="utf-8"?>
+<p:sld xmlns:a="http://schemas.openxmlformats.org/drawingml/2006/main" xmlns:r="http://schemas.openxmlformats.org/officeDocument/2006/relationships" xmlns:p="http://schemas.openxmlformats.org/presentationml/2006/main">
+  <p:cSld>
+    <p:spTree>
+      <p:nvGrpSpPr>
+        <p:cNvPr id="1" name=""/>
+        <p:cNvGrpSpPr/>
+        <p:nvPr/>
+      </p:nvGrpSpPr>
+      <p:grpSpPr>
+        <a:xfrm>
+          <a:off x="0" y="0"/>
+          <a:ext cx="0" cy="0"/>
+          <a:chOff x="0" y="0"/>
+          <a:chExt cx="0" cy="0"/>
+        </a:xfrm>
+      </p:grpSpPr>
+      <p:sp>
+        <p:nvSpPr>
+          <p:cNvPr id="2" name="Заголовок 1"/>
+          <p:cNvSpPr>
+            <a:spLocks noGrp="1"/>
+          </p:cNvSpPr>
+          <p:nvPr>
+            <p:ph type="title"/>
+          </p:nvPr>
+        </p:nvSpPr>
+        <p:spPr/>
+        <p:txBody>
+          <a:bodyPr/>
+          <a:lstStyle/>
+          <a:p>
+            <a:r>
+              <a:rPr lang="ru-RU" dirty="0"/>
+              <a:t>Краткое описание игры</a:t>
+            </a:r>
+            <a:endParaRPr lang="ru-RU" dirty="0"/>
+          </a:p>
+        </p:txBody>
+      </p:sp>
+      <p:sp>
+        <p:nvSpPr>
+          <p:cNvPr id="3" name="Объект 2"/>
+          <p:cNvSpPr>
+            <a:spLocks noGrp="1"/>
+          </p:cNvSpPr>
+          <p:nvPr>
+            <p:ph idx="1"/>
+          </p:nvPr>
+        </p:nvSpPr>
+        <p:spPr>
+          <a:xfrm>
+            <a:off x="1097280" y="1845734"/>
+            <a:ext cx="4499187" cy="4023360"/>
+          </a:xfrm>
+        </p:spPr>
+        <p:txBody>
+          <a:bodyPr/>
+          <a:lstStyle/>
+          <a:p>
+            <a:r>
+              <a:rPr lang="ru-RU" dirty="0" smtClean="0"/>
+              <a:t>Жанр: пошаговая </a:t>
+            </a:r>
+            <a:r>
+              <a:rPr lang="ru-RU" dirty="0"/>
+              <a:t>стратегия, тематика: герой</a:t>
+            </a:r>
+          </a:p>
+          <a:p>
+            <a:r>
+              <a:rPr lang="ru-RU" dirty="0"/>
+              <a:t>Игра про обычного человека, который решился стать героем для своего города. Он борется </a:t>
+            </a:r>
+            <a:r>
+              <a:rPr lang="ru-RU" dirty="0" smtClean="0"/>
+              <a:t>с группировкой мафии, которая оказывает негативное влияние на его родной уголок. Но у нашего героя есть и принцип</a:t>
+            </a:r>
+            <a:r>
+              <a:rPr lang="en-GB" dirty="0" smtClean="0"/>
+              <a:t>:</a:t>
+            </a:r>
+            <a:r>
+              <a:rPr lang="ru-RU" dirty="0" smtClean="0"/>
+              <a:t> </a:t>
+            </a:r>
+            <a:r>
+              <a:rPr lang="ru-RU" dirty="0"/>
+              <a:t>победить он хочет их </a:t>
+            </a:r>
+            <a:r>
+              <a:rPr lang="ru-RU" dirty="0" smtClean="0"/>
+              <a:t>разумом</a:t>
+            </a:r>
+            <a:r>
+              <a:rPr lang="en-GB" dirty="0" smtClean="0"/>
+              <a:t> </a:t>
+            </a:r>
+            <a:r>
+              <a:rPr lang="ru-RU" dirty="0" smtClean="0"/>
+              <a:t>(без насилия), </a:t>
+            </a:r>
+            <a:r>
+              <a:rPr lang="ru-RU" dirty="0"/>
+              <a:t>поэтому пытается одолеть их с помощью </a:t>
+            </a:r>
+            <a:r>
+              <a:rPr lang="ru-RU" dirty="0" smtClean="0"/>
+              <a:t>различных ловушек</a:t>
+            </a:r>
+            <a:r>
+              <a:rPr lang="ru-RU" dirty="0"/>
+              <a:t>.</a:t>
+            </a:r>
+          </a:p>
+          <a:p>
+            <a:endParaRPr lang="ru-RU" dirty="0"/>
+          </a:p>
+        </p:txBody>
+      </p:sp>
+      <p:pic>
+        <p:nvPicPr>
+          <p:cNvPr id="4" name="Рисунок 3"/>
+          <p:cNvPicPr>
+            <a:picLocks noChangeAspect="1"/>
+          </p:cNvPicPr>
+          <p:nvPr/>
+        </p:nvPicPr>
+        <p:blipFill>
+          <a:blip r:embed="rId2">
+            <a:extLst>
+              <a:ext uri="{28A0092B-C50C-407E-A947-70E740481C1C}">
+                <a14:useLocalDpi xmlns:a14="http://schemas.microsoft.com/office/drawing/2010/main" val="0"/>
+              </a:ext>
+            </a:extLst>
+          </a:blip>
+          <a:stretch>
+            <a:fillRect/>
+          </a:stretch>
+        </p:blipFill>
+        <p:spPr>
+          <a:xfrm>
+            <a:off x="5970540" y="2284057"/>
+            <a:ext cx="5010454" cy="2814205"/>
+          </a:xfrm>
+          <a:prstGeom prst="rect">
+            <a:avLst/>
+          </a:prstGeom>
+        </p:spPr>
+      </p:pic>
+    </p:spTree>
+    <p:extLst>
+      <p:ext uri="{BB962C8B-B14F-4D97-AF65-F5344CB8AC3E}">
+        <p14:creationId xmlns:p14="http://schemas.microsoft.com/office/powerpoint/2010/main" val="1237093149"/>
+      </p:ext>
+    </p:extLst>
+  </p:cSld>
+  <p:clrMapOvr>
+    <a:masterClrMapping/>
+  </p:clrMapOvr>
 </p:sld>
 </file>
 
@@ -4643,15 +4657,15 @@
           <a:chExt cx="0" cy="0"/>
         </a:xfrm>
       </p:grpSpPr>
-      <p:sp>
-        <p:nvSpPr>
-          <p:cNvPr id="20" name="Rectangle 22">
+      <p:sp useBgFill="1">
+        <p:nvSpPr>
+          <p:cNvPr id="11" name="Rectangle 10">
             <a:extLst>
               <a:ext uri="{FF2B5EF4-FFF2-40B4-BE49-F238E27FC236}">
-                <a16:creationId xmlns="" xmlns:a16="http://schemas.microsoft.com/office/drawing/2014/main" id="{25C8D2C1-DA83-420D-9635-D52CE066B5DA}"/>
+                <a16:creationId xmlns:a16="http://schemas.microsoft.com/office/drawing/2014/main" id="{990D0034-F768-41E7-85D4-F38C4DE85770}"/>
               </a:ext>
               <a:ext uri="{C183D7F6-B498-43B3-948B-1728B52AA6E4}">
-                <adec:decorative xmlns="" xmlns:adec="http://schemas.microsoft.com/office/drawing/2017/decorative" val="1"/>
+                <adec:decorative xmlns:adec="http://schemas.microsoft.com/office/drawing/2017/decorative" xmlns="" val="1"/>
               </a:ext>
             </a:extLst>
           </p:cNvPr>
@@ -4661,15 +4675,75 @@
           <p:nvPr>
             <p:extLst>
               <p:ext uri="{386F3935-93C4-4BCD-93E2-E3B085C9AB24}">
-                <p16:designElem xmlns="" xmlns:p16="http://schemas.microsoft.com/office/powerpoint/2015/main" val="1"/>
+                <p16:designElem xmlns:p16="http://schemas.microsoft.com/office/powerpoint/2015/main" val="1"/>
               </p:ext>
             </p:extLst>
           </p:nvPr>
         </p:nvSpPr>
         <p:spPr>
           <a:xfrm>
-            <a:off x="3175" y="6400800"/>
-            <a:ext cx="12188825" cy="457200"/>
+            <a:off x="0" y="0"/>
+            <a:ext cx="12186315" cy="6858000"/>
+          </a:xfrm>
+          <a:prstGeom prst="rect">
+            <a:avLst/>
+          </a:prstGeom>
+          <a:ln>
+            <a:noFill/>
+          </a:ln>
+        </p:spPr>
+        <p:style>
+          <a:lnRef idx="2">
+            <a:schemeClr val="accent6">
+              <a:shade val="50000"/>
+            </a:schemeClr>
+          </a:lnRef>
+          <a:fillRef idx="1001">
+            <a:schemeClr val="lt1"/>
+          </a:fillRef>
+          <a:effectRef idx="0">
+            <a:schemeClr val="accent6"/>
+          </a:effectRef>
+          <a:fontRef idx="minor">
+            <a:schemeClr val="lt1"/>
+          </a:fontRef>
+        </p:style>
+        <p:txBody>
+          <a:bodyPr rtlCol="0" anchor="ctr"/>
+          <a:lstStyle/>
+          <a:p>
+            <a:pPr algn="ctr"/>
+            <a:endParaRPr lang="en-US"/>
+          </a:p>
+        </p:txBody>
+      </p:sp>
+      <p:sp>
+        <p:nvSpPr>
+          <p:cNvPr id="13" name="Rectangle 12">
+            <a:extLst>
+              <a:ext uri="{FF2B5EF4-FFF2-40B4-BE49-F238E27FC236}">
+                <a16:creationId xmlns:a16="http://schemas.microsoft.com/office/drawing/2014/main" id="{C4F7E42D-8B5A-4FC8-81CD-9E60171F7FA8}"/>
+              </a:ext>
+              <a:ext uri="{C183D7F6-B498-43B3-948B-1728B52AA6E4}">
+                <adec:decorative xmlns:adec="http://schemas.microsoft.com/office/drawing/2017/decorative" xmlns="" val="1"/>
+              </a:ext>
+            </a:extLst>
+          </p:cNvPr>
+          <p:cNvSpPr>
+            <a:spLocks noGrp="1" noRot="1" noChangeAspect="1" noMove="1" noResize="1" noEditPoints="1" noAdjustHandles="1" noChangeArrowheads="1" noChangeShapeType="1" noTextEdit="1"/>
+          </p:cNvSpPr>
+          <p:nvPr>
+            <p:extLst>
+              <p:ext uri="{386F3935-93C4-4BCD-93E2-E3B085C9AB24}">
+                <p16:designElem xmlns:p16="http://schemas.microsoft.com/office/powerpoint/2015/main" val="1"/>
+              </p:ext>
+            </p:extLst>
+          </p:nvPr>
+        </p:nvSpPr>
+        <p:spPr>
+          <a:xfrm>
+            <a:off x="16" y="0"/>
+            <a:ext cx="4050791" cy="6858000"/>
           </a:xfrm>
           <a:prstGeom prst="rect">
             <a:avLst/>
@@ -4700,176 +4774,6 @@
       </p:sp>
       <p:sp>
         <p:nvSpPr>
-          <p:cNvPr id="21" name="Rectangle 24">
-            <a:extLst>
-              <a:ext uri="{FF2B5EF4-FFF2-40B4-BE49-F238E27FC236}">
-                <a16:creationId xmlns="" xmlns:a16="http://schemas.microsoft.com/office/drawing/2014/main" id="{434F74C9-6A0B-409E-AD1C-45B58BE91BB8}"/>
-              </a:ext>
-              <a:ext uri="{C183D7F6-B498-43B3-948B-1728B52AA6E4}">
-                <adec:decorative xmlns="" xmlns:adec="http://schemas.microsoft.com/office/drawing/2017/decorative" val="1"/>
-              </a:ext>
-            </a:extLst>
-          </p:cNvPr>
-          <p:cNvSpPr>
-            <a:spLocks noGrp="1" noRot="1" noChangeAspect="1" noMove="1" noResize="1" noEditPoints="1" noAdjustHandles="1" noChangeArrowheads="1" noChangeShapeType="1" noTextEdit="1"/>
-          </p:cNvSpPr>
-          <p:nvPr>
-            <p:extLst>
-              <p:ext uri="{386F3935-93C4-4BCD-93E2-E3B085C9AB24}">
-                <p16:designElem xmlns="" xmlns:p16="http://schemas.microsoft.com/office/powerpoint/2015/main" val="1"/>
-              </p:ext>
-            </p:extLst>
-          </p:nvPr>
-        </p:nvSpPr>
-        <p:spPr>
-          <a:xfrm>
-            <a:off x="15" y="6334316"/>
-            <a:ext cx="12188825" cy="64008"/>
-          </a:xfrm>
-          <a:prstGeom prst="rect">
-            <a:avLst/>
-          </a:prstGeom>
-          <a:solidFill>
-            <a:schemeClr val="accent1"/>
-          </a:solidFill>
-          <a:ln>
-            <a:noFill/>
-          </a:ln>
-        </p:spPr>
-        <p:style>
-          <a:lnRef idx="2">
-            <a:schemeClr val="accent1">
-              <a:shade val="50000"/>
-            </a:schemeClr>
-          </a:lnRef>
-          <a:fillRef idx="1">
-            <a:schemeClr val="accent1"/>
-          </a:fillRef>
-          <a:effectRef idx="0">
-            <a:schemeClr val="accent1"/>
-          </a:effectRef>
-          <a:fontRef idx="minor">
-            <a:schemeClr val="lt1"/>
-          </a:fontRef>
-        </p:style>
-      </p:sp>
-      <p:cxnSp>
-        <p:nvCxnSpPr>
-          <p:cNvPr id="22" name="Straight Connector 26">
-            <a:extLst>
-              <a:ext uri="{FF2B5EF4-FFF2-40B4-BE49-F238E27FC236}">
-                <a16:creationId xmlns="" xmlns:a16="http://schemas.microsoft.com/office/drawing/2014/main" id="{F5486A9D-1265-4B57-91E6-68E666B978BC}"/>
-              </a:ext>
-              <a:ext uri="{C183D7F6-B498-43B3-948B-1728B52AA6E4}">
-                <adec:decorative xmlns="" xmlns:adec="http://schemas.microsoft.com/office/drawing/2017/decorative" val="1"/>
-              </a:ext>
-            </a:extLst>
-          </p:cNvPr>
-          <p:cNvCxnSpPr>
-            <a:cxnSpLocks noGrp="1" noRot="1" noChangeAspect="1" noMove="1" noResize="1" noEditPoints="1" noAdjustHandles="1" noChangeArrowheads="1" noChangeShapeType="1"/>
-          </p:cNvCxnSpPr>
-          <p:nvPr>
-            <p:extLst>
-              <p:ext uri="{386F3935-93C4-4BCD-93E2-E3B085C9AB24}">
-                <p16:designElem xmlns="" xmlns:p16="http://schemas.microsoft.com/office/powerpoint/2015/main" val="1"/>
-              </p:ext>
-            </p:extLst>
-          </p:nvPr>
-        </p:nvCxnSpPr>
-        <p:spPr>
-          <a:xfrm>
-            <a:off x="1207658" y="4343400"/>
-            <a:ext cx="9875520" cy="0"/>
-          </a:xfrm>
-          <a:prstGeom prst="line">
-            <a:avLst/>
-          </a:prstGeom>
-          <a:ln w="6350">
-            <a:solidFill>
-              <a:schemeClr val="tx1">
-                <a:lumMod val="50000"/>
-                <a:lumOff val="50000"/>
-              </a:schemeClr>
-            </a:solidFill>
-          </a:ln>
-        </p:spPr>
-        <p:style>
-          <a:lnRef idx="1">
-            <a:schemeClr val="accent1"/>
-          </a:lnRef>
-          <a:fillRef idx="0">
-            <a:schemeClr val="accent1"/>
-          </a:fillRef>
-          <a:effectRef idx="0">
-            <a:schemeClr val="accent1"/>
-          </a:effectRef>
-          <a:fontRef idx="minor">
-            <a:schemeClr val="tx1"/>
-          </a:fontRef>
-        </p:style>
-      </p:cxnSp>
-      <p:sp useBgFill="1">
-        <p:nvSpPr>
-          <p:cNvPr id="24" name="Rectangle 28">
-            <a:extLst>
-              <a:ext uri="{FF2B5EF4-FFF2-40B4-BE49-F238E27FC236}">
-                <a16:creationId xmlns="" xmlns:a16="http://schemas.microsoft.com/office/drawing/2014/main" id="{F452A527-3631-41ED-858D-3777A7D1496A}"/>
-              </a:ext>
-              <a:ext uri="{C183D7F6-B498-43B3-948B-1728B52AA6E4}">
-                <adec:decorative xmlns="" xmlns:adec="http://schemas.microsoft.com/office/drawing/2017/decorative" val="1"/>
-              </a:ext>
-            </a:extLst>
-          </p:cNvPr>
-          <p:cNvSpPr>
-            <a:spLocks noGrp="1" noRot="1" noChangeAspect="1" noMove="1" noResize="1" noEditPoints="1" noAdjustHandles="1" noChangeArrowheads="1" noChangeShapeType="1" noTextEdit="1"/>
-          </p:cNvSpPr>
-          <p:nvPr>
-            <p:extLst>
-              <p:ext uri="{386F3935-93C4-4BCD-93E2-E3B085C9AB24}">
-                <p16:designElem xmlns="" xmlns:p16="http://schemas.microsoft.com/office/powerpoint/2015/main" val="1"/>
-              </p:ext>
-            </p:extLst>
-          </p:nvPr>
-        </p:nvSpPr>
-        <p:spPr>
-          <a:xfrm>
-            <a:off x="0" y="0"/>
-            <a:ext cx="12192001" cy="6858000"/>
-          </a:xfrm>
-          <a:prstGeom prst="rect">
-            <a:avLst/>
-          </a:prstGeom>
-          <a:ln>
-            <a:noFill/>
-          </a:ln>
-        </p:spPr>
-        <p:style>
-          <a:lnRef idx="2">
-            <a:schemeClr val="accent1">
-              <a:shade val="50000"/>
-            </a:schemeClr>
-          </a:lnRef>
-          <a:fillRef idx="1">
-            <a:schemeClr val="accent1"/>
-          </a:fillRef>
-          <a:effectRef idx="0">
-            <a:schemeClr val="accent1"/>
-          </a:effectRef>
-          <a:fontRef idx="minor">
-            <a:schemeClr val="lt1"/>
-          </a:fontRef>
-        </p:style>
-        <p:txBody>
-          <a:bodyPr rtlCol="0" anchor="ctr"/>
-          <a:lstStyle/>
-          <a:p>
-            <a:pPr algn="ctr"/>
-            <a:endParaRPr lang="en-US"/>
-          </a:p>
-        </p:txBody>
-      </p:sp>
-      <p:sp>
-        <p:nvSpPr>
           <p:cNvPr id="2" name="Заголовок 1"/>
           <p:cNvSpPr>
             <a:spLocks noGrp="1"/>
@@ -4880,33 +4784,30 @@
         </p:nvSpPr>
         <p:spPr>
           <a:xfrm>
-            <a:off x="6730000" y="639097"/>
-            <a:ext cx="4813072" cy="3686015"/>
-          </a:xfrm>
-        </p:spPr>
-        <p:txBody>
-          <a:bodyPr vert="horz" lIns="91440" tIns="45720" rIns="91440" bIns="45720" rtlCol="0" anchor="b">
+            <a:off x="492370" y="516835"/>
+            <a:ext cx="3084844" cy="2103875"/>
+          </a:xfrm>
+        </p:spPr>
+        <p:txBody>
+          <a:bodyPr>
             <a:normAutofit/>
           </a:bodyPr>
           <a:lstStyle/>
           <a:p>
             <a:r>
-              <a:rPr lang="en-US" sz="8000" dirty="0">
+              <a:rPr lang="ru-RU" sz="3600" dirty="0">
                 <a:solidFill>
-                  <a:schemeClr val="tx1">
-                    <a:lumMod val="85000"/>
-                    <a:lumOff val="15000"/>
-                  </a:schemeClr>
+                  <a:srgbClr val="FFFFFF"/>
                 </a:solidFill>
               </a:rPr>
-              <a:t>Меню паузы</a:t>
-            </a:r>
-          </a:p>
-        </p:txBody>
-      </p:sp>
-      <p:sp>
-        <p:nvSpPr>
-          <p:cNvPr id="3" name="Объект 2"/>
+              <a:t>Главное меню</a:t>
+            </a:r>
+          </a:p>
+        </p:txBody>
+      </p:sp>
+      <p:sp>
+        <p:nvSpPr>
+          <p:cNvPr id="6" name="Объект 5"/>
           <p:cNvSpPr>
             <a:spLocks noGrp="1"/>
           </p:cNvSpPr>
@@ -4916,112 +4817,143 @@
         </p:nvSpPr>
         <p:spPr>
           <a:xfrm>
-            <a:off x="6729999" y="4455621"/>
-            <a:ext cx="4829101" cy="1238616"/>
-          </a:xfrm>
-        </p:spPr>
-        <p:txBody>
-          <a:bodyPr vert="horz" lIns="91440" tIns="45720" rIns="91440" bIns="45720" rtlCol="0" anchor="t">
+            <a:off x="492371" y="2653800"/>
+            <a:ext cx="3084844" cy="3335519"/>
+          </a:xfrm>
+        </p:spPr>
+        <p:txBody>
+          <a:bodyPr vert="horz" lIns="0" tIns="45720" rIns="0" bIns="45720" rtlCol="0" anchor="t">
             <a:normAutofit/>
           </a:bodyPr>
           <a:lstStyle/>
           <a:p>
             <a:pPr marL="0" indent="0">
+              <a:spcBef>
+                <a:spcPts val="0"/>
+              </a:spcBef>
+              <a:spcAft>
+                <a:spcPts val="600"/>
+              </a:spcAft>
               <a:buNone/>
             </a:pPr>
             <a:r>
-              <a:rPr lang="en-US" sz="2200" cap="all" spc="200" dirty="0">
+              <a:rPr lang="ru-RU" sz="1500" dirty="0">
                 <a:solidFill>
-                  <a:schemeClr val="tx1">
-                    <a:lumMod val="85000"/>
-                    <a:lumOff val="15000"/>
-                  </a:schemeClr>
+                  <a:srgbClr val="FFFFFF"/>
                 </a:solidFill>
-                <a:latin typeface="+mj-lt"/>
               </a:rPr>
-              <a:t>В меню </a:t>
-            </a:r>
-            <a:r>
-              <a:rPr lang="ru-RU" sz="2200" cap="all" spc="200" noProof="1" smtClean="0">
+              <a:t>В главном </a:t>
+            </a:r>
+            <a:r>
+              <a:rPr lang="ru-RU" sz="1500" dirty="0" smtClean="0">
                 <a:solidFill>
-                  <a:schemeClr val="tx1">
-                    <a:lumMod val="85000"/>
-                    <a:lumOff val="15000"/>
-                  </a:schemeClr>
+                  <a:srgbClr val="FFFFFF"/>
                 </a:solidFill>
-                <a:latin typeface="+mj-lt"/>
               </a:rPr>
-              <a:t>паузы</a:t>
-            </a:r>
-            <a:r>
-              <a:rPr lang="en-US" sz="2200" cap="all" spc="200" dirty="0" smtClean="0">
+              <a:t>меню игрок может</a:t>
+            </a:r>
+            <a:r>
+              <a:rPr lang="en-US" sz="1500" dirty="0" smtClean="0">
                 <a:solidFill>
-                  <a:schemeClr val="tx1">
-                    <a:lumMod val="85000"/>
-                    <a:lumOff val="15000"/>
-                  </a:schemeClr>
+                  <a:srgbClr val="FFFFFF"/>
                 </a:solidFill>
-                <a:latin typeface="+mj-lt"/>
               </a:rPr>
-              <a:t> </a:t>
-            </a:r>
-            <a:r>
-              <a:rPr lang="en-US" sz="2200" cap="all" spc="200" dirty="0">
+              <a:t>:</a:t>
+            </a:r>
+            <a:endParaRPr lang="ru-RU" sz="1500" dirty="0" smtClean="0">
+              <a:solidFill>
+                <a:srgbClr val="FFFFFF"/>
+              </a:solidFill>
+            </a:endParaRPr>
+          </a:p>
+          <a:p>
+            <a:pPr>
+              <a:spcBef>
+                <a:spcPts val="0"/>
+              </a:spcBef>
+              <a:spcAft>
+                <a:spcPts val="600"/>
+              </a:spcAft>
+              <a:buFont typeface="Wingdings" panose="05000000000000000000" pitchFamily="2" charset="2"/>
+              <a:buChar char="§"/>
+            </a:pPr>
+            <a:r>
+              <a:rPr lang="ru-RU" sz="1500" dirty="0" smtClean="0">
                 <a:solidFill>
-                  <a:schemeClr val="tx1">
-                    <a:lumMod val="85000"/>
-                    <a:lumOff val="15000"/>
-                  </a:schemeClr>
+                  <a:srgbClr val="FFFFFF"/>
                 </a:solidFill>
-                <a:latin typeface="+mj-lt"/>
               </a:rPr>
-              <a:t>игрок может </a:t>
-            </a:r>
-            <a:r>
-              <a:rPr lang="ru-RU" sz="2200" cap="all" spc="200" noProof="1" smtClean="0">
+              <a:t>Начать </a:t>
+            </a:r>
+            <a:r>
+              <a:rPr lang="ru-RU" sz="1500" dirty="0">
                 <a:solidFill>
-                  <a:schemeClr val="tx1">
-                    <a:lumMod val="85000"/>
-                    <a:lumOff val="15000"/>
-                  </a:schemeClr>
+                  <a:srgbClr val="FFFFFF"/>
                 </a:solidFill>
-                <a:latin typeface="+mj-lt"/>
               </a:rPr>
-              <a:t>сохраниться</a:t>
-            </a:r>
-            <a:r>
-              <a:rPr lang="en-US" sz="2200" cap="all" spc="200" dirty="0" smtClean="0">
+              <a:t>новую игру,</a:t>
+            </a:r>
+          </a:p>
+          <a:p>
+            <a:pPr>
+              <a:spcBef>
+                <a:spcPts val="0"/>
+              </a:spcBef>
+              <a:spcAft>
+                <a:spcPts val="600"/>
+              </a:spcAft>
+              <a:buFont typeface="Wingdings" panose="05000000000000000000" pitchFamily="2" charset="2"/>
+              <a:buChar char="§"/>
+            </a:pPr>
+            <a:r>
+              <a:rPr lang="ru-RU" sz="1500" dirty="0">
                 <a:solidFill>
-                  <a:schemeClr val="tx1">
-                    <a:lumMod val="85000"/>
-                    <a:lumOff val="15000"/>
-                  </a:schemeClr>
+                  <a:srgbClr val="FFFFFF"/>
                 </a:solidFill>
-                <a:latin typeface="+mj-lt"/>
               </a:rPr>
-              <a:t> </a:t>
-            </a:r>
-            <a:r>
-              <a:rPr lang="en-US" sz="2200" cap="all" spc="200" dirty="0">
+              <a:t>П</a:t>
+            </a:r>
+            <a:r>
+              <a:rPr lang="ru-RU" sz="1500" dirty="0" smtClean="0">
                 <a:solidFill>
-                  <a:schemeClr val="tx1">
-                    <a:lumMod val="85000"/>
-                    <a:lumOff val="15000"/>
-                  </a:schemeClr>
+                  <a:srgbClr val="FFFFFF"/>
                 </a:solidFill>
-                <a:latin typeface="+mj-lt"/>
               </a:rPr>
-              <a:t>и позже загрузить сохранённую игру</a:t>
-            </a:r>
-            <a:endParaRPr lang="en-US" sz="2200" cap="all" spc="200" dirty="0">
+              <a:t>родолжить прошлую,</a:t>
+            </a:r>
+          </a:p>
+          <a:p>
+            <a:pPr>
+              <a:spcBef>
+                <a:spcPts val="0"/>
+              </a:spcBef>
+              <a:spcAft>
+                <a:spcPts val="600"/>
+              </a:spcAft>
+              <a:buFont typeface="Wingdings" panose="05000000000000000000" pitchFamily="2" charset="2"/>
+              <a:buChar char="§"/>
+            </a:pPr>
+            <a:r>
+              <a:rPr lang="ru-RU" sz="1500" dirty="0">
+                <a:solidFill>
+                  <a:srgbClr val="FFFFFF"/>
+                </a:solidFill>
+              </a:rPr>
+              <a:t>П</a:t>
+            </a:r>
+            <a:r>
+              <a:rPr lang="ru-RU" sz="1500" dirty="0" smtClean="0">
+                <a:solidFill>
+                  <a:srgbClr val="FFFFFF"/>
+                </a:solidFill>
+              </a:rPr>
+              <a:t>осмотреть статистику</a:t>
+            </a:r>
+            <a:endParaRPr lang="ru-RU" sz="1500" dirty="0">
               <a:solidFill>
-                <a:schemeClr val="tx1">
-                  <a:lumMod val="85000"/>
-                  <a:lumOff val="15000"/>
-                </a:schemeClr>
+                <a:srgbClr val="FFFFFF"/>
               </a:solidFill>
-              <a:latin typeface="+mj-lt"/>
-              <a:cs typeface="Calibri Light"/>
+              <a:cs typeface="Calibri"/>
             </a:endParaRPr>
           </a:p>
         </p:txBody>
@@ -5040,77 +4972,78 @@
               </a:ext>
             </a:extLst>
           </a:blip>
-          <a:srcRect l="25533" r="24467"/>
+          <a:srcRect l="14923" r="18547"/>
           <a:stretch/>
         </p:blipFill>
         <p:spPr>
           <a:xfrm>
-            <a:off x="350921" y="511352"/>
-            <a:ext cx="5394159" cy="5885437"/>
+            <a:off x="4331602" y="218114"/>
+            <a:ext cx="7625064" cy="6421772"/>
           </a:xfrm>
           <a:prstGeom prst="rect">
             <a:avLst/>
           </a:prstGeom>
         </p:spPr>
       </p:pic>
-      <p:cxnSp>
-        <p:nvCxnSpPr>
-          <p:cNvPr id="26" name="Straight Connector 30">
+      <p:sp>
+        <p:nvSpPr>
+          <p:cNvPr id="15" name="Rectangle 14">
             <a:extLst>
               <a:ext uri="{FF2B5EF4-FFF2-40B4-BE49-F238E27FC236}">
-                <a16:creationId xmlns="" xmlns:a16="http://schemas.microsoft.com/office/drawing/2014/main" id="{D28A9C89-B313-458F-9C85-515930A51A93}"/>
+                <a16:creationId xmlns:a16="http://schemas.microsoft.com/office/drawing/2014/main" id="{8C04651D-B9F4-4935-A02D-364153FBDF54}"/>
               </a:ext>
               <a:ext uri="{C183D7F6-B498-43B3-948B-1728B52AA6E4}">
-                <adec:decorative xmlns="" xmlns:adec="http://schemas.microsoft.com/office/drawing/2017/decorative" val="1"/>
+                <adec:decorative xmlns:adec="http://schemas.microsoft.com/office/drawing/2017/decorative" xmlns="" val="1"/>
               </a:ext>
             </a:extLst>
           </p:cNvPr>
-          <p:cNvCxnSpPr>
-            <a:cxnSpLocks noGrp="1" noRot="1" noChangeAspect="1" noMove="1" noResize="1" noEditPoints="1" noAdjustHandles="1" noChangeArrowheads="1" noChangeShapeType="1"/>
-          </p:cNvCxnSpPr>
+          <p:cNvSpPr>
+            <a:spLocks noGrp="1" noRot="1" noChangeAspect="1" noMove="1" noResize="1" noEditPoints="1" noAdjustHandles="1" noChangeArrowheads="1" noChangeShapeType="1" noTextEdit="1"/>
+          </p:cNvSpPr>
           <p:nvPr>
             <p:extLst>
               <p:ext uri="{386F3935-93C4-4BCD-93E2-E3B085C9AB24}">
-                <p16:designElem xmlns="" xmlns:p16="http://schemas.microsoft.com/office/powerpoint/2015/main" val="1"/>
+                <p16:designElem xmlns:p16="http://schemas.microsoft.com/office/powerpoint/2015/main" val="1"/>
               </p:ext>
             </p:extLst>
           </p:nvPr>
-        </p:nvCxnSpPr>
-        <p:spPr>
-          <a:xfrm>
-            <a:off x="6805053" y="4343400"/>
-            <a:ext cx="4389120" cy="0"/>
-          </a:xfrm>
-          <a:prstGeom prst="line">
+        </p:nvSpPr>
+        <p:spPr>
+          <a:xfrm>
+            <a:off x="4040071" y="0"/>
+            <a:ext cx="64008" cy="6858000"/>
+          </a:xfrm>
+          <a:prstGeom prst="rect">
             <a:avLst/>
           </a:prstGeom>
-          <a:ln w="6350">
-            <a:solidFill>
-              <a:schemeClr val="tx2">
-                <a:alpha val="90000"/>
-              </a:schemeClr>
-            </a:solidFill>
+          <a:solidFill>
+            <a:schemeClr val="accent1"/>
+          </a:solidFill>
+          <a:ln>
+            <a:noFill/>
           </a:ln>
         </p:spPr>
         <p:style>
-          <a:lnRef idx="1">
-            <a:schemeClr val="accent1"/>
+          <a:lnRef idx="2">
+            <a:schemeClr val="accent1">
+              <a:shade val="50000"/>
+            </a:schemeClr>
           </a:lnRef>
-          <a:fillRef idx="0">
+          <a:fillRef idx="1">
             <a:schemeClr val="accent1"/>
           </a:fillRef>
           <a:effectRef idx="0">
             <a:schemeClr val="accent1"/>
           </a:effectRef>
           <a:fontRef idx="minor">
-            <a:schemeClr val="tx1"/>
+            <a:schemeClr val="lt1"/>
           </a:fontRef>
         </p:style>
-      </p:cxnSp>
+      </p:sp>
     </p:spTree>
     <p:extLst>
       <p:ext uri="{BB962C8B-B14F-4D97-AF65-F5344CB8AC3E}">
-        <p14:creationId xmlns:p14="http://schemas.microsoft.com/office/powerpoint/2010/main" val="1819106708"/>
+        <p14:creationId xmlns:p14="http://schemas.microsoft.com/office/powerpoint/2010/main" val="3693952200"/>
       </p:ext>
     </p:extLst>
   </p:cSld>
@@ -5152,15 +5085,15 @@
           <a:chExt cx="0" cy="0"/>
         </a:xfrm>
       </p:grpSpPr>
-      <p:sp useBgFill="1">
-        <p:nvSpPr>
-          <p:cNvPr id="1050" name="Rectangle 88">
+      <p:sp>
+        <p:nvSpPr>
+          <p:cNvPr id="20" name="Rectangle 22">
             <a:extLst>
               <a:ext uri="{FF2B5EF4-FFF2-40B4-BE49-F238E27FC236}">
-                <a16:creationId xmlns="" xmlns:a16="http://schemas.microsoft.com/office/drawing/2014/main" id="{284B70D5-875B-433D-BDBD-1522A85D6C1D}"/>
+                <a16:creationId xmlns:a16="http://schemas.microsoft.com/office/drawing/2014/main" id="{25C8D2C1-DA83-420D-9635-D52CE066B5DA}"/>
               </a:ext>
               <a:ext uri="{C183D7F6-B498-43B3-948B-1728B52AA6E4}">
-                <adec:decorative xmlns="" xmlns:adec="http://schemas.microsoft.com/office/drawing/2017/decorative" val="1"/>
+                <adec:decorative xmlns:adec="http://schemas.microsoft.com/office/drawing/2017/decorative" xmlns="" val="1"/>
               </a:ext>
             </a:extLst>
           </p:cNvPr>
@@ -5170,244 +5103,15 @@
           <p:nvPr>
             <p:extLst>
               <p:ext uri="{386F3935-93C4-4BCD-93E2-E3B085C9AB24}">
-                <p16:designElem xmlns="" xmlns:p16="http://schemas.microsoft.com/office/powerpoint/2015/main" val="1"/>
+                <p16:designElem xmlns:p16="http://schemas.microsoft.com/office/powerpoint/2015/main" val="1"/>
               </p:ext>
             </p:extLst>
           </p:nvPr>
         </p:nvSpPr>
         <p:spPr>
           <a:xfrm>
-            <a:off x="0" y="0"/>
-            <a:ext cx="12192001" cy="6334316"/>
-          </a:xfrm>
-          <a:prstGeom prst="rect">
-            <a:avLst/>
-          </a:prstGeom>
-          <a:ln>
-            <a:noFill/>
-          </a:ln>
-        </p:spPr>
-        <p:style>
-          <a:lnRef idx="2">
-            <a:schemeClr val="accent1">
-              <a:shade val="50000"/>
-            </a:schemeClr>
-          </a:lnRef>
-          <a:fillRef idx="1">
-            <a:schemeClr val="accent1"/>
-          </a:fillRef>
-          <a:effectRef idx="0">
-            <a:schemeClr val="accent1"/>
-          </a:effectRef>
-          <a:fontRef idx="minor">
-            <a:schemeClr val="lt1"/>
-          </a:fontRef>
-        </p:style>
-        <p:txBody>
-          <a:bodyPr rtlCol="0" anchor="ctr"/>
-          <a:lstStyle/>
-          <a:p>
-            <a:pPr algn="ctr"/>
-            <a:endParaRPr lang="en-US"/>
-          </a:p>
-        </p:txBody>
-      </p:sp>
-      <p:sp>
-        <p:nvSpPr>
-          <p:cNvPr id="2" name="Заголовок 1"/>
-          <p:cNvSpPr>
-            <a:spLocks noGrp="1"/>
-          </p:cNvSpPr>
-          <p:nvPr>
-            <p:ph type="title"/>
-          </p:nvPr>
-        </p:nvSpPr>
-        <p:spPr>
-          <a:xfrm>
-            <a:off x="7859485" y="634946"/>
-            <a:ext cx="3690257" cy="1450757"/>
-          </a:xfrm>
-        </p:spPr>
-        <p:txBody>
-          <a:bodyPr>
-            <a:normAutofit/>
-          </a:bodyPr>
-          <a:lstStyle/>
-          <a:p>
-            <a:r>
-              <a:rPr lang="ru-RU" dirty="0"/>
-              <a:t>Поле игры</a:t>
-            </a:r>
-          </a:p>
-        </p:txBody>
-      </p:sp>
-      <p:cxnSp>
-        <p:nvCxnSpPr>
-          <p:cNvPr id="1051" name="Straight Connector 90">
-            <a:extLst>
-              <a:ext uri="{FF2B5EF4-FFF2-40B4-BE49-F238E27FC236}">
-                <a16:creationId xmlns="" xmlns:a16="http://schemas.microsoft.com/office/drawing/2014/main" id="{C947DF4A-614C-4B4C-8B80-E5B9D8E8CFED}"/>
-              </a:ext>
-              <a:ext uri="{C183D7F6-B498-43B3-948B-1728B52AA6E4}">
-                <adec:decorative xmlns="" xmlns:adec="http://schemas.microsoft.com/office/drawing/2017/decorative" val="1"/>
-              </a:ext>
-            </a:extLst>
-          </p:cNvPr>
-          <p:cNvCxnSpPr>
-            <a:cxnSpLocks noGrp="1" noRot="1" noChangeAspect="1" noMove="1" noResize="1" noEditPoints="1" noAdjustHandles="1" noChangeArrowheads="1" noChangeShapeType="1"/>
-          </p:cNvCxnSpPr>
-          <p:nvPr>
-            <p:extLst>
-              <p:ext uri="{386F3935-93C4-4BCD-93E2-E3B085C9AB24}">
-                <p16:designElem xmlns="" xmlns:p16="http://schemas.microsoft.com/office/powerpoint/2015/main" val="1"/>
-              </p:ext>
-            </p:extLst>
-          </p:nvPr>
-        </p:nvCxnSpPr>
-        <p:spPr>
-          <a:xfrm>
-            <a:off x="7892143" y="2085703"/>
-            <a:ext cx="3566160" cy="0"/>
-          </a:xfrm>
-          <a:prstGeom prst="line">
-            <a:avLst/>
-          </a:prstGeom>
-          <a:ln w="6350">
-            <a:solidFill>
-              <a:schemeClr val="tx1">
-                <a:lumMod val="50000"/>
-                <a:lumOff val="50000"/>
-                <a:alpha val="90000"/>
-              </a:schemeClr>
-            </a:solidFill>
-          </a:ln>
-        </p:spPr>
-        <p:style>
-          <a:lnRef idx="1">
-            <a:schemeClr val="accent1"/>
-          </a:lnRef>
-          <a:fillRef idx="0">
-            <a:schemeClr val="accent1"/>
-          </a:fillRef>
-          <a:effectRef idx="0">
-            <a:schemeClr val="accent1"/>
-          </a:effectRef>
-          <a:fontRef idx="minor">
-            <a:schemeClr val="tx1"/>
-          </a:fontRef>
-        </p:style>
-      </p:cxnSp>
-      <p:sp>
-        <p:nvSpPr>
-          <p:cNvPr id="3" name="Объект 2"/>
-          <p:cNvSpPr>
-            <a:spLocks noGrp="1"/>
-          </p:cNvSpPr>
-          <p:nvPr>
-            <p:ph idx="1"/>
-          </p:nvPr>
-        </p:nvSpPr>
-        <p:spPr>
-          <a:xfrm>
-            <a:off x="7859485" y="2198914"/>
-            <a:ext cx="3690257" cy="3670180"/>
-          </a:xfrm>
-        </p:spPr>
-        <p:txBody>
-          <a:bodyPr>
-            <a:normAutofit/>
-          </a:bodyPr>
-          <a:lstStyle/>
-          <a:p>
-            <a:r>
-              <a:rPr lang="ru-RU" dirty="0"/>
-              <a:t>Поле. Герой в синих штанах, синие кружки – места, куда можно поставить ловушки. Также есть монетки. Слева сверху отображается здоровье игрока и количество оставшихся действий, а справа сверху количество оставшихся монет.</a:t>
-            </a:r>
-          </a:p>
-        </p:txBody>
-      </p:sp>
-      <p:sp>
-        <p:nvSpPr>
-          <p:cNvPr id="1052" name="Rectangle 92">
-            <a:extLst>
-              <a:ext uri="{FF2B5EF4-FFF2-40B4-BE49-F238E27FC236}">
-                <a16:creationId xmlns="" xmlns:a16="http://schemas.microsoft.com/office/drawing/2014/main" id="{1E299956-A9E7-4FC1-A0B1-D590CA9730E8}"/>
-              </a:ext>
-              <a:ext uri="{C183D7F6-B498-43B3-948B-1728B52AA6E4}">
-                <adec:decorative xmlns="" xmlns:adec="http://schemas.microsoft.com/office/drawing/2017/decorative" val="1"/>
-              </a:ext>
-            </a:extLst>
-          </p:cNvPr>
-          <p:cNvSpPr>
-            <a:spLocks noGrp="1" noRot="1" noChangeAspect="1" noMove="1" noResize="1" noEditPoints="1" noAdjustHandles="1" noChangeArrowheads="1" noChangeShapeType="1" noTextEdit="1"/>
-          </p:cNvSpPr>
-          <p:nvPr>
-            <p:extLst>
-              <p:ext uri="{386F3935-93C4-4BCD-93E2-E3B085C9AB24}">
-                <p16:designElem xmlns="" xmlns:p16="http://schemas.microsoft.com/office/powerpoint/2015/main" val="1"/>
-              </p:ext>
-            </p:extLst>
-          </p:nvPr>
-        </p:nvSpPr>
-        <p:spPr>
-          <a:xfrm>
-            <a:off x="15" y="6334316"/>
-            <a:ext cx="12191985" cy="66484"/>
-          </a:xfrm>
-          <a:prstGeom prst="rect">
-            <a:avLst/>
-          </a:prstGeom>
-          <a:solidFill>
-            <a:schemeClr val="accent1"/>
-          </a:solidFill>
-          <a:ln>
-            <a:noFill/>
-          </a:ln>
-        </p:spPr>
-        <p:style>
-          <a:lnRef idx="2">
-            <a:schemeClr val="accent1">
-              <a:shade val="50000"/>
-            </a:schemeClr>
-          </a:lnRef>
-          <a:fillRef idx="1">
-            <a:schemeClr val="accent1"/>
-          </a:fillRef>
-          <a:effectRef idx="0">
-            <a:schemeClr val="accent1"/>
-          </a:effectRef>
-          <a:fontRef idx="minor">
-            <a:schemeClr val="lt1"/>
-          </a:fontRef>
-        </p:style>
-      </p:sp>
-      <p:sp>
-        <p:nvSpPr>
-          <p:cNvPr id="1053" name="Rectangle 94">
-            <a:extLst>
-              <a:ext uri="{FF2B5EF4-FFF2-40B4-BE49-F238E27FC236}">
-                <a16:creationId xmlns="" xmlns:a16="http://schemas.microsoft.com/office/drawing/2014/main" id="{17FC539C-B783-4B03-9F9E-D13430F3F64F}"/>
-              </a:ext>
-              <a:ext uri="{C183D7F6-B498-43B3-948B-1728B52AA6E4}">
-                <adec:decorative xmlns="" xmlns:adec="http://schemas.microsoft.com/office/drawing/2017/decorative" val="1"/>
-              </a:ext>
-            </a:extLst>
-          </p:cNvPr>
-          <p:cNvSpPr>
-            <a:spLocks noGrp="1" noRot="1" noChangeAspect="1" noMove="1" noResize="1" noEditPoints="1" noAdjustHandles="1" noChangeArrowheads="1" noChangeShapeType="1" noTextEdit="1"/>
-          </p:cNvSpPr>
-          <p:nvPr>
-            <p:extLst>
-              <p:ext uri="{386F3935-93C4-4BCD-93E2-E3B085C9AB24}">
-                <p16:designElem xmlns="" xmlns:p16="http://schemas.microsoft.com/office/powerpoint/2015/main" val="1"/>
-              </p:ext>
-            </p:extLst>
-          </p:nvPr>
-        </p:nvSpPr>
-        <p:spPr>
-          <a:xfrm>
-            <a:off x="1" y="6400800"/>
-            <a:ext cx="12192000" cy="457200"/>
+            <a:off x="3175" y="6400800"/>
+            <a:ext cx="12188825" cy="457200"/>
           </a:xfrm>
           <a:prstGeom prst="rect">
             <a:avLst/>
@@ -5436,15 +5140,341 @@
           </a:fontRef>
         </p:style>
       </p:sp>
+      <p:sp>
+        <p:nvSpPr>
+          <p:cNvPr id="21" name="Rectangle 24">
+            <a:extLst>
+              <a:ext uri="{FF2B5EF4-FFF2-40B4-BE49-F238E27FC236}">
+                <a16:creationId xmlns:a16="http://schemas.microsoft.com/office/drawing/2014/main" id="{434F74C9-6A0B-409E-AD1C-45B58BE91BB8}"/>
+              </a:ext>
+              <a:ext uri="{C183D7F6-B498-43B3-948B-1728B52AA6E4}">
+                <adec:decorative xmlns:adec="http://schemas.microsoft.com/office/drawing/2017/decorative" xmlns="" val="1"/>
+              </a:ext>
+            </a:extLst>
+          </p:cNvPr>
+          <p:cNvSpPr>
+            <a:spLocks noGrp="1" noRot="1" noChangeAspect="1" noMove="1" noResize="1" noEditPoints="1" noAdjustHandles="1" noChangeArrowheads="1" noChangeShapeType="1" noTextEdit="1"/>
+          </p:cNvSpPr>
+          <p:nvPr>
+            <p:extLst>
+              <p:ext uri="{386F3935-93C4-4BCD-93E2-E3B085C9AB24}">
+                <p16:designElem xmlns:p16="http://schemas.microsoft.com/office/powerpoint/2015/main" val="1"/>
+              </p:ext>
+            </p:extLst>
+          </p:nvPr>
+        </p:nvSpPr>
+        <p:spPr>
+          <a:xfrm>
+            <a:off x="15" y="6334316"/>
+            <a:ext cx="12188825" cy="64008"/>
+          </a:xfrm>
+          <a:prstGeom prst="rect">
+            <a:avLst/>
+          </a:prstGeom>
+          <a:solidFill>
+            <a:schemeClr val="accent1"/>
+          </a:solidFill>
+          <a:ln>
+            <a:noFill/>
+          </a:ln>
+        </p:spPr>
+        <p:style>
+          <a:lnRef idx="2">
+            <a:schemeClr val="accent1">
+              <a:shade val="50000"/>
+            </a:schemeClr>
+          </a:lnRef>
+          <a:fillRef idx="1">
+            <a:schemeClr val="accent1"/>
+          </a:fillRef>
+          <a:effectRef idx="0">
+            <a:schemeClr val="accent1"/>
+          </a:effectRef>
+          <a:fontRef idx="minor">
+            <a:schemeClr val="lt1"/>
+          </a:fontRef>
+        </p:style>
+      </p:sp>
+      <p:cxnSp>
+        <p:nvCxnSpPr>
+          <p:cNvPr id="22" name="Straight Connector 26">
+            <a:extLst>
+              <a:ext uri="{FF2B5EF4-FFF2-40B4-BE49-F238E27FC236}">
+                <a16:creationId xmlns:a16="http://schemas.microsoft.com/office/drawing/2014/main" id="{F5486A9D-1265-4B57-91E6-68E666B978BC}"/>
+              </a:ext>
+              <a:ext uri="{C183D7F6-B498-43B3-948B-1728B52AA6E4}">
+                <adec:decorative xmlns:adec="http://schemas.microsoft.com/office/drawing/2017/decorative" xmlns="" val="1"/>
+              </a:ext>
+            </a:extLst>
+          </p:cNvPr>
+          <p:cNvCxnSpPr>
+            <a:cxnSpLocks noGrp="1" noRot="1" noChangeAspect="1" noMove="1" noResize="1" noEditPoints="1" noAdjustHandles="1" noChangeArrowheads="1" noChangeShapeType="1"/>
+          </p:cNvCxnSpPr>
+          <p:nvPr>
+            <p:extLst>
+              <p:ext uri="{386F3935-93C4-4BCD-93E2-E3B085C9AB24}">
+                <p16:designElem xmlns:p16="http://schemas.microsoft.com/office/powerpoint/2015/main" val="1"/>
+              </p:ext>
+            </p:extLst>
+          </p:nvPr>
+        </p:nvCxnSpPr>
+        <p:spPr>
+          <a:xfrm>
+            <a:off x="1207658" y="4343400"/>
+            <a:ext cx="9875520" cy="0"/>
+          </a:xfrm>
+          <a:prstGeom prst="line">
+            <a:avLst/>
+          </a:prstGeom>
+          <a:ln w="6350">
+            <a:solidFill>
+              <a:schemeClr val="tx1">
+                <a:lumMod val="50000"/>
+                <a:lumOff val="50000"/>
+              </a:schemeClr>
+            </a:solidFill>
+          </a:ln>
+        </p:spPr>
+        <p:style>
+          <a:lnRef idx="1">
+            <a:schemeClr val="accent1"/>
+          </a:lnRef>
+          <a:fillRef idx="0">
+            <a:schemeClr val="accent1"/>
+          </a:fillRef>
+          <a:effectRef idx="0">
+            <a:schemeClr val="accent1"/>
+          </a:effectRef>
+          <a:fontRef idx="minor">
+            <a:schemeClr val="tx1"/>
+          </a:fontRef>
+        </p:style>
+      </p:cxnSp>
+      <p:sp useBgFill="1">
+        <p:nvSpPr>
+          <p:cNvPr id="24" name="Rectangle 28">
+            <a:extLst>
+              <a:ext uri="{FF2B5EF4-FFF2-40B4-BE49-F238E27FC236}">
+                <a16:creationId xmlns:a16="http://schemas.microsoft.com/office/drawing/2014/main" id="{F452A527-3631-41ED-858D-3777A7D1496A}"/>
+              </a:ext>
+              <a:ext uri="{C183D7F6-B498-43B3-948B-1728B52AA6E4}">
+                <adec:decorative xmlns:adec="http://schemas.microsoft.com/office/drawing/2017/decorative" xmlns="" val="1"/>
+              </a:ext>
+            </a:extLst>
+          </p:cNvPr>
+          <p:cNvSpPr>
+            <a:spLocks noGrp="1" noRot="1" noChangeAspect="1" noMove="1" noResize="1" noEditPoints="1" noAdjustHandles="1" noChangeArrowheads="1" noChangeShapeType="1" noTextEdit="1"/>
+          </p:cNvSpPr>
+          <p:nvPr>
+            <p:extLst>
+              <p:ext uri="{386F3935-93C4-4BCD-93E2-E3B085C9AB24}">
+                <p16:designElem xmlns:p16="http://schemas.microsoft.com/office/powerpoint/2015/main" val="1"/>
+              </p:ext>
+            </p:extLst>
+          </p:nvPr>
+        </p:nvSpPr>
+        <p:spPr>
+          <a:xfrm>
+            <a:off x="0" y="0"/>
+            <a:ext cx="12192001" cy="6858000"/>
+          </a:xfrm>
+          <a:prstGeom prst="rect">
+            <a:avLst/>
+          </a:prstGeom>
+          <a:ln>
+            <a:noFill/>
+          </a:ln>
+        </p:spPr>
+        <p:style>
+          <a:lnRef idx="2">
+            <a:schemeClr val="accent1">
+              <a:shade val="50000"/>
+            </a:schemeClr>
+          </a:lnRef>
+          <a:fillRef idx="1">
+            <a:schemeClr val="accent1"/>
+          </a:fillRef>
+          <a:effectRef idx="0">
+            <a:schemeClr val="accent1"/>
+          </a:effectRef>
+          <a:fontRef idx="minor">
+            <a:schemeClr val="lt1"/>
+          </a:fontRef>
+        </p:style>
+        <p:txBody>
+          <a:bodyPr rtlCol="0" anchor="ctr"/>
+          <a:lstStyle/>
+          <a:p>
+            <a:pPr algn="ctr"/>
+            <a:endParaRPr lang="en-US"/>
+          </a:p>
+        </p:txBody>
+      </p:sp>
+      <p:sp>
+        <p:nvSpPr>
+          <p:cNvPr id="2" name="Заголовок 1"/>
+          <p:cNvSpPr>
+            <a:spLocks noGrp="1"/>
+          </p:cNvSpPr>
+          <p:nvPr>
+            <p:ph type="title"/>
+          </p:nvPr>
+        </p:nvSpPr>
+        <p:spPr>
+          <a:xfrm>
+            <a:off x="6730000" y="639097"/>
+            <a:ext cx="4813072" cy="3686015"/>
+          </a:xfrm>
+        </p:spPr>
+        <p:txBody>
+          <a:bodyPr vert="horz" lIns="91440" tIns="45720" rIns="91440" bIns="45720" rtlCol="0" anchor="b">
+            <a:normAutofit/>
+          </a:bodyPr>
+          <a:lstStyle/>
+          <a:p>
+            <a:r>
+              <a:rPr lang="en-US" sz="8000" dirty="0">
+                <a:solidFill>
+                  <a:schemeClr val="tx1">
+                    <a:lumMod val="85000"/>
+                    <a:lumOff val="15000"/>
+                  </a:schemeClr>
+                </a:solidFill>
+              </a:rPr>
+              <a:t>Меню паузы</a:t>
+            </a:r>
+          </a:p>
+        </p:txBody>
+      </p:sp>
+      <p:sp>
+        <p:nvSpPr>
+          <p:cNvPr id="3" name="Объект 2"/>
+          <p:cNvSpPr>
+            <a:spLocks noGrp="1"/>
+          </p:cNvSpPr>
+          <p:nvPr>
+            <p:ph idx="1"/>
+          </p:nvPr>
+        </p:nvSpPr>
+        <p:spPr>
+          <a:xfrm>
+            <a:off x="6729999" y="4455621"/>
+            <a:ext cx="4829101" cy="1238616"/>
+          </a:xfrm>
+        </p:spPr>
+        <p:txBody>
+          <a:bodyPr vert="horz" lIns="91440" tIns="45720" rIns="91440" bIns="45720" rtlCol="0" anchor="t">
+            <a:normAutofit/>
+          </a:bodyPr>
+          <a:lstStyle/>
+          <a:p>
+            <a:pPr marL="0" indent="0">
+              <a:buNone/>
+            </a:pPr>
+            <a:r>
+              <a:rPr lang="en-US" sz="2200" cap="all" spc="200" dirty="0">
+                <a:solidFill>
+                  <a:schemeClr val="tx1">
+                    <a:lumMod val="85000"/>
+                    <a:lumOff val="15000"/>
+                  </a:schemeClr>
+                </a:solidFill>
+                <a:latin typeface="+mj-lt"/>
+              </a:rPr>
+              <a:t>В меню </a:t>
+            </a:r>
+            <a:r>
+              <a:rPr lang="ru-RU" sz="2200" cap="all" spc="200" noProof="1" smtClean="0">
+                <a:solidFill>
+                  <a:schemeClr val="tx1">
+                    <a:lumMod val="85000"/>
+                    <a:lumOff val="15000"/>
+                  </a:schemeClr>
+                </a:solidFill>
+                <a:latin typeface="+mj-lt"/>
+              </a:rPr>
+              <a:t>паузы</a:t>
+            </a:r>
+            <a:r>
+              <a:rPr lang="en-US" sz="2200" cap="all" spc="200" dirty="0" smtClean="0">
+                <a:solidFill>
+                  <a:schemeClr val="tx1">
+                    <a:lumMod val="85000"/>
+                    <a:lumOff val="15000"/>
+                  </a:schemeClr>
+                </a:solidFill>
+                <a:latin typeface="+mj-lt"/>
+              </a:rPr>
+              <a:t> </a:t>
+            </a:r>
+            <a:r>
+              <a:rPr lang="en-US" sz="2200" cap="all" spc="200" dirty="0">
+                <a:solidFill>
+                  <a:schemeClr val="tx1">
+                    <a:lumMod val="85000"/>
+                    <a:lumOff val="15000"/>
+                  </a:schemeClr>
+                </a:solidFill>
+                <a:latin typeface="+mj-lt"/>
+              </a:rPr>
+              <a:t>игрок может </a:t>
+            </a:r>
+            <a:r>
+              <a:rPr lang="ru-RU" sz="2200" cap="all" spc="200" noProof="1" smtClean="0">
+                <a:solidFill>
+                  <a:schemeClr val="tx1">
+                    <a:lumMod val="85000"/>
+                    <a:lumOff val="15000"/>
+                  </a:schemeClr>
+                </a:solidFill>
+                <a:latin typeface="+mj-lt"/>
+              </a:rPr>
+              <a:t>сохраниться</a:t>
+            </a:r>
+            <a:r>
+              <a:rPr lang="en-US" sz="2200" cap="all" spc="200" dirty="0" smtClean="0">
+                <a:solidFill>
+                  <a:schemeClr val="tx1">
+                    <a:lumMod val="85000"/>
+                    <a:lumOff val="15000"/>
+                  </a:schemeClr>
+                </a:solidFill>
+                <a:latin typeface="+mj-lt"/>
+              </a:rPr>
+              <a:t> </a:t>
+            </a:r>
+            <a:r>
+              <a:rPr lang="en-US" sz="2200" cap="all" spc="200" dirty="0">
+                <a:solidFill>
+                  <a:schemeClr val="tx1">
+                    <a:lumMod val="85000"/>
+                    <a:lumOff val="15000"/>
+                  </a:schemeClr>
+                </a:solidFill>
+                <a:latin typeface="+mj-lt"/>
+              </a:rPr>
+              <a:t>и позже загрузить сохранённую игру</a:t>
+            </a:r>
+            <a:endParaRPr lang="en-US" sz="2200" cap="all" spc="200" dirty="0">
+              <a:solidFill>
+                <a:schemeClr val="tx1">
+                  <a:lumMod val="85000"/>
+                  <a:lumOff val="15000"/>
+                </a:schemeClr>
+              </a:solidFill>
+              <a:latin typeface="+mj-lt"/>
+              <a:cs typeface="Calibri Light"/>
+            </a:endParaRPr>
+          </a:p>
+        </p:txBody>
+      </p:sp>
       <p:pic>
         <p:nvPicPr>
-          <p:cNvPr id="4" name="Рисунок 3"/>
-          <p:cNvPicPr>
-            <a:picLocks noChangeAspect="1"/>
-          </p:cNvPicPr>
+          <p:cNvPr id="5" name="Рисунок 4"/>
+          <p:cNvPicPr/>
           <p:nvPr/>
         </p:nvPicPr>
-        <p:blipFill>
+        <p:blipFill rotWithShape="1">
           <a:blip r:embed="rId2" cstate="print">
             <a:extLst>
               <a:ext uri="{28A0092B-C50C-407E-A947-70E740481C1C}">
@@ -5452,24 +5482,77 @@
               </a:ext>
             </a:extLst>
           </a:blip>
-          <a:stretch>
-            <a:fillRect/>
-          </a:stretch>
+          <a:srcRect l="25533" r="24467"/>
+          <a:stretch/>
         </p:blipFill>
         <p:spPr>
           <a:xfrm>
-            <a:off x="-6833" y="1149292"/>
-            <a:ext cx="7882647" cy="4432192"/>
+            <a:off x="350921" y="511352"/>
+            <a:ext cx="5394159" cy="5885437"/>
           </a:xfrm>
           <a:prstGeom prst="rect">
             <a:avLst/>
           </a:prstGeom>
         </p:spPr>
       </p:pic>
+      <p:cxnSp>
+        <p:nvCxnSpPr>
+          <p:cNvPr id="26" name="Straight Connector 30">
+            <a:extLst>
+              <a:ext uri="{FF2B5EF4-FFF2-40B4-BE49-F238E27FC236}">
+                <a16:creationId xmlns:a16="http://schemas.microsoft.com/office/drawing/2014/main" id="{D28A9C89-B313-458F-9C85-515930A51A93}"/>
+              </a:ext>
+              <a:ext uri="{C183D7F6-B498-43B3-948B-1728B52AA6E4}">
+                <adec:decorative xmlns:adec="http://schemas.microsoft.com/office/drawing/2017/decorative" xmlns="" val="1"/>
+              </a:ext>
+            </a:extLst>
+          </p:cNvPr>
+          <p:cNvCxnSpPr>
+            <a:cxnSpLocks noGrp="1" noRot="1" noChangeAspect="1" noMove="1" noResize="1" noEditPoints="1" noAdjustHandles="1" noChangeArrowheads="1" noChangeShapeType="1"/>
+          </p:cNvCxnSpPr>
+          <p:nvPr>
+            <p:extLst>
+              <p:ext uri="{386F3935-93C4-4BCD-93E2-E3B085C9AB24}">
+                <p16:designElem xmlns:p16="http://schemas.microsoft.com/office/powerpoint/2015/main" val="1"/>
+              </p:ext>
+            </p:extLst>
+          </p:nvPr>
+        </p:nvCxnSpPr>
+        <p:spPr>
+          <a:xfrm>
+            <a:off x="6805053" y="4343400"/>
+            <a:ext cx="4389120" cy="0"/>
+          </a:xfrm>
+          <a:prstGeom prst="line">
+            <a:avLst/>
+          </a:prstGeom>
+          <a:ln w="6350">
+            <a:solidFill>
+              <a:schemeClr val="tx2">
+                <a:alpha val="90000"/>
+              </a:schemeClr>
+            </a:solidFill>
+          </a:ln>
+        </p:spPr>
+        <p:style>
+          <a:lnRef idx="1">
+            <a:schemeClr val="accent1"/>
+          </a:lnRef>
+          <a:fillRef idx="0">
+            <a:schemeClr val="accent1"/>
+          </a:fillRef>
+          <a:effectRef idx="0">
+            <a:schemeClr val="accent1"/>
+          </a:effectRef>
+          <a:fontRef idx="minor">
+            <a:schemeClr val="tx1"/>
+          </a:fontRef>
+        </p:style>
+      </p:cxnSp>
     </p:spTree>
     <p:extLst>
       <p:ext uri="{BB962C8B-B14F-4D97-AF65-F5344CB8AC3E}">
-        <p14:creationId xmlns:p14="http://schemas.microsoft.com/office/powerpoint/2010/main" val="1627622157"/>
+        <p14:creationId xmlns:p14="http://schemas.microsoft.com/office/powerpoint/2010/main" val="1819106708"/>
       </p:ext>
     </p:extLst>
   </p:cSld>
@@ -5513,13 +5596,372 @@
       </p:grpSpPr>
       <p:sp useBgFill="1">
         <p:nvSpPr>
+          <p:cNvPr id="1050" name="Rectangle 88">
+            <a:extLst>
+              <a:ext uri="{FF2B5EF4-FFF2-40B4-BE49-F238E27FC236}">
+                <a16:creationId xmlns:a16="http://schemas.microsoft.com/office/drawing/2014/main" id="{284B70D5-875B-433D-BDBD-1522A85D6C1D}"/>
+              </a:ext>
+              <a:ext uri="{C183D7F6-B498-43B3-948B-1728B52AA6E4}">
+                <adec:decorative xmlns:adec="http://schemas.microsoft.com/office/drawing/2017/decorative" xmlns="" val="1"/>
+              </a:ext>
+            </a:extLst>
+          </p:cNvPr>
+          <p:cNvSpPr>
+            <a:spLocks noGrp="1" noRot="1" noChangeAspect="1" noMove="1" noResize="1" noEditPoints="1" noAdjustHandles="1" noChangeArrowheads="1" noChangeShapeType="1" noTextEdit="1"/>
+          </p:cNvSpPr>
+          <p:nvPr>
+            <p:extLst>
+              <p:ext uri="{386F3935-93C4-4BCD-93E2-E3B085C9AB24}">
+                <p16:designElem xmlns:p16="http://schemas.microsoft.com/office/powerpoint/2015/main" val="1"/>
+              </p:ext>
+            </p:extLst>
+          </p:nvPr>
+        </p:nvSpPr>
+        <p:spPr>
+          <a:xfrm>
+            <a:off x="0" y="0"/>
+            <a:ext cx="12192001" cy="6334316"/>
+          </a:xfrm>
+          <a:prstGeom prst="rect">
+            <a:avLst/>
+          </a:prstGeom>
+          <a:ln>
+            <a:noFill/>
+          </a:ln>
+        </p:spPr>
+        <p:style>
+          <a:lnRef idx="2">
+            <a:schemeClr val="accent1">
+              <a:shade val="50000"/>
+            </a:schemeClr>
+          </a:lnRef>
+          <a:fillRef idx="1">
+            <a:schemeClr val="accent1"/>
+          </a:fillRef>
+          <a:effectRef idx="0">
+            <a:schemeClr val="accent1"/>
+          </a:effectRef>
+          <a:fontRef idx="minor">
+            <a:schemeClr val="lt1"/>
+          </a:fontRef>
+        </p:style>
+        <p:txBody>
+          <a:bodyPr rtlCol="0" anchor="ctr"/>
+          <a:lstStyle/>
+          <a:p>
+            <a:pPr algn="ctr"/>
+            <a:endParaRPr lang="en-US"/>
+          </a:p>
+        </p:txBody>
+      </p:sp>
+      <p:sp>
+        <p:nvSpPr>
+          <p:cNvPr id="2" name="Заголовок 1"/>
+          <p:cNvSpPr>
+            <a:spLocks noGrp="1"/>
+          </p:cNvSpPr>
+          <p:nvPr>
+            <p:ph type="title"/>
+          </p:nvPr>
+        </p:nvSpPr>
+        <p:spPr>
+          <a:xfrm>
+            <a:off x="7859485" y="634946"/>
+            <a:ext cx="3690257" cy="1450757"/>
+          </a:xfrm>
+        </p:spPr>
+        <p:txBody>
+          <a:bodyPr>
+            <a:normAutofit/>
+          </a:bodyPr>
+          <a:lstStyle/>
+          <a:p>
+            <a:r>
+              <a:rPr lang="ru-RU" dirty="0"/>
+              <a:t>Поле игры</a:t>
+            </a:r>
+          </a:p>
+        </p:txBody>
+      </p:sp>
+      <p:cxnSp>
+        <p:nvCxnSpPr>
+          <p:cNvPr id="1051" name="Straight Connector 90">
+            <a:extLst>
+              <a:ext uri="{FF2B5EF4-FFF2-40B4-BE49-F238E27FC236}">
+                <a16:creationId xmlns:a16="http://schemas.microsoft.com/office/drawing/2014/main" id="{C947DF4A-614C-4B4C-8B80-E5B9D8E8CFED}"/>
+              </a:ext>
+              <a:ext uri="{C183D7F6-B498-43B3-948B-1728B52AA6E4}">
+                <adec:decorative xmlns:adec="http://schemas.microsoft.com/office/drawing/2017/decorative" xmlns="" val="1"/>
+              </a:ext>
+            </a:extLst>
+          </p:cNvPr>
+          <p:cNvCxnSpPr>
+            <a:cxnSpLocks noGrp="1" noRot="1" noChangeAspect="1" noMove="1" noResize="1" noEditPoints="1" noAdjustHandles="1" noChangeArrowheads="1" noChangeShapeType="1"/>
+          </p:cNvCxnSpPr>
+          <p:nvPr>
+            <p:extLst>
+              <p:ext uri="{386F3935-93C4-4BCD-93E2-E3B085C9AB24}">
+                <p16:designElem xmlns:p16="http://schemas.microsoft.com/office/powerpoint/2015/main" val="1"/>
+              </p:ext>
+            </p:extLst>
+          </p:nvPr>
+        </p:nvCxnSpPr>
+        <p:spPr>
+          <a:xfrm>
+            <a:off x="7892143" y="2085703"/>
+            <a:ext cx="3566160" cy="0"/>
+          </a:xfrm>
+          <a:prstGeom prst="line">
+            <a:avLst/>
+          </a:prstGeom>
+          <a:ln w="6350">
+            <a:solidFill>
+              <a:schemeClr val="tx1">
+                <a:lumMod val="50000"/>
+                <a:lumOff val="50000"/>
+                <a:alpha val="90000"/>
+              </a:schemeClr>
+            </a:solidFill>
+          </a:ln>
+        </p:spPr>
+        <p:style>
+          <a:lnRef idx="1">
+            <a:schemeClr val="accent1"/>
+          </a:lnRef>
+          <a:fillRef idx="0">
+            <a:schemeClr val="accent1"/>
+          </a:fillRef>
+          <a:effectRef idx="0">
+            <a:schemeClr val="accent1"/>
+          </a:effectRef>
+          <a:fontRef idx="minor">
+            <a:schemeClr val="tx1"/>
+          </a:fontRef>
+        </p:style>
+      </p:cxnSp>
+      <p:sp>
+        <p:nvSpPr>
+          <p:cNvPr id="3" name="Объект 2"/>
+          <p:cNvSpPr>
+            <a:spLocks noGrp="1"/>
+          </p:cNvSpPr>
+          <p:nvPr>
+            <p:ph idx="1"/>
+          </p:nvPr>
+        </p:nvSpPr>
+        <p:spPr>
+          <a:xfrm>
+            <a:off x="7859485" y="2198914"/>
+            <a:ext cx="3690257" cy="3670180"/>
+          </a:xfrm>
+        </p:spPr>
+        <p:txBody>
+          <a:bodyPr>
+            <a:normAutofit/>
+          </a:bodyPr>
+          <a:lstStyle/>
+          <a:p>
+            <a:r>
+              <a:rPr lang="ru-RU" dirty="0"/>
+              <a:t>Поле. Герой в синих штанах, синие кружки – места, куда можно поставить ловушки. Также есть монетки. Слева сверху отображается здоровье игрока и количество оставшихся действий, а справа сверху количество оставшихся монет.</a:t>
+            </a:r>
+          </a:p>
+        </p:txBody>
+      </p:sp>
+      <p:sp>
+        <p:nvSpPr>
+          <p:cNvPr id="1052" name="Rectangle 92">
+            <a:extLst>
+              <a:ext uri="{FF2B5EF4-FFF2-40B4-BE49-F238E27FC236}">
+                <a16:creationId xmlns:a16="http://schemas.microsoft.com/office/drawing/2014/main" id="{1E299956-A9E7-4FC1-A0B1-D590CA9730E8}"/>
+              </a:ext>
+              <a:ext uri="{C183D7F6-B498-43B3-948B-1728B52AA6E4}">
+                <adec:decorative xmlns:adec="http://schemas.microsoft.com/office/drawing/2017/decorative" xmlns="" val="1"/>
+              </a:ext>
+            </a:extLst>
+          </p:cNvPr>
+          <p:cNvSpPr>
+            <a:spLocks noGrp="1" noRot="1" noChangeAspect="1" noMove="1" noResize="1" noEditPoints="1" noAdjustHandles="1" noChangeArrowheads="1" noChangeShapeType="1" noTextEdit="1"/>
+          </p:cNvSpPr>
+          <p:nvPr>
+            <p:extLst>
+              <p:ext uri="{386F3935-93C4-4BCD-93E2-E3B085C9AB24}">
+                <p16:designElem xmlns:p16="http://schemas.microsoft.com/office/powerpoint/2015/main" val="1"/>
+              </p:ext>
+            </p:extLst>
+          </p:nvPr>
+        </p:nvSpPr>
+        <p:spPr>
+          <a:xfrm>
+            <a:off x="15" y="6334316"/>
+            <a:ext cx="12191985" cy="66484"/>
+          </a:xfrm>
+          <a:prstGeom prst="rect">
+            <a:avLst/>
+          </a:prstGeom>
+          <a:solidFill>
+            <a:schemeClr val="accent1"/>
+          </a:solidFill>
+          <a:ln>
+            <a:noFill/>
+          </a:ln>
+        </p:spPr>
+        <p:style>
+          <a:lnRef idx="2">
+            <a:schemeClr val="accent1">
+              <a:shade val="50000"/>
+            </a:schemeClr>
+          </a:lnRef>
+          <a:fillRef idx="1">
+            <a:schemeClr val="accent1"/>
+          </a:fillRef>
+          <a:effectRef idx="0">
+            <a:schemeClr val="accent1"/>
+          </a:effectRef>
+          <a:fontRef idx="minor">
+            <a:schemeClr val="lt1"/>
+          </a:fontRef>
+        </p:style>
+      </p:sp>
+      <p:sp>
+        <p:nvSpPr>
+          <p:cNvPr id="1053" name="Rectangle 94">
+            <a:extLst>
+              <a:ext uri="{FF2B5EF4-FFF2-40B4-BE49-F238E27FC236}">
+                <a16:creationId xmlns:a16="http://schemas.microsoft.com/office/drawing/2014/main" id="{17FC539C-B783-4B03-9F9E-D13430F3F64F}"/>
+              </a:ext>
+              <a:ext uri="{C183D7F6-B498-43B3-948B-1728B52AA6E4}">
+                <adec:decorative xmlns:adec="http://schemas.microsoft.com/office/drawing/2017/decorative" xmlns="" val="1"/>
+              </a:ext>
+            </a:extLst>
+          </p:cNvPr>
+          <p:cNvSpPr>
+            <a:spLocks noGrp="1" noRot="1" noChangeAspect="1" noMove="1" noResize="1" noEditPoints="1" noAdjustHandles="1" noChangeArrowheads="1" noChangeShapeType="1" noTextEdit="1"/>
+          </p:cNvSpPr>
+          <p:nvPr>
+            <p:extLst>
+              <p:ext uri="{386F3935-93C4-4BCD-93E2-E3B085C9AB24}">
+                <p16:designElem xmlns:p16="http://schemas.microsoft.com/office/powerpoint/2015/main" val="1"/>
+              </p:ext>
+            </p:extLst>
+          </p:nvPr>
+        </p:nvSpPr>
+        <p:spPr>
+          <a:xfrm>
+            <a:off x="1" y="6400800"/>
+            <a:ext cx="12192000" cy="457200"/>
+          </a:xfrm>
+          <a:prstGeom prst="rect">
+            <a:avLst/>
+          </a:prstGeom>
+          <a:solidFill>
+            <a:schemeClr val="accent2"/>
+          </a:solidFill>
+          <a:ln>
+            <a:noFill/>
+          </a:ln>
+        </p:spPr>
+        <p:style>
+          <a:lnRef idx="2">
+            <a:schemeClr val="accent1">
+              <a:shade val="50000"/>
+            </a:schemeClr>
+          </a:lnRef>
+          <a:fillRef idx="1">
+            <a:schemeClr val="accent1"/>
+          </a:fillRef>
+          <a:effectRef idx="0">
+            <a:schemeClr val="accent1"/>
+          </a:effectRef>
+          <a:fontRef idx="minor">
+            <a:schemeClr val="lt1"/>
+          </a:fontRef>
+        </p:style>
+      </p:sp>
+      <p:pic>
+        <p:nvPicPr>
+          <p:cNvPr id="4" name="Рисунок 3"/>
+          <p:cNvPicPr>
+            <a:picLocks noChangeAspect="1"/>
+          </p:cNvPicPr>
+          <p:nvPr/>
+        </p:nvPicPr>
+        <p:blipFill>
+          <a:blip r:embed="rId2" cstate="print">
+            <a:extLst>
+              <a:ext uri="{28A0092B-C50C-407E-A947-70E740481C1C}">
+                <a14:useLocalDpi xmlns:a14="http://schemas.microsoft.com/office/drawing/2010/main" val="0"/>
+              </a:ext>
+            </a:extLst>
+          </a:blip>
+          <a:stretch>
+            <a:fillRect/>
+          </a:stretch>
+        </p:blipFill>
+        <p:spPr>
+          <a:xfrm>
+            <a:off x="-6833" y="1149292"/>
+            <a:ext cx="7882647" cy="4432192"/>
+          </a:xfrm>
+          <a:prstGeom prst="rect">
+            <a:avLst/>
+          </a:prstGeom>
+        </p:spPr>
+      </p:pic>
+    </p:spTree>
+    <p:extLst>
+      <p:ext uri="{BB962C8B-B14F-4D97-AF65-F5344CB8AC3E}">
+        <p14:creationId xmlns:p14="http://schemas.microsoft.com/office/powerpoint/2010/main" val="1627622157"/>
+      </p:ext>
+    </p:extLst>
+  </p:cSld>
+  <p:clrMapOvr>
+    <a:masterClrMapping/>
+  </p:clrMapOvr>
+  <p:timing>
+    <p:tnLst>
+      <p:par>
+        <p:cTn id="1" dur="indefinite" restart="never" nodeType="tmRoot"/>
+      </p:par>
+    </p:tnLst>
+  </p:timing>
+</p:sld>
+</file>
+
+<file path=ppt/slides/slide6.xml><?xml version="1.0" encoding="utf-8"?>
+<p:sld xmlns:a="http://schemas.openxmlformats.org/drawingml/2006/main" xmlns:r="http://schemas.openxmlformats.org/officeDocument/2006/relationships" xmlns:p="http://schemas.openxmlformats.org/presentationml/2006/main">
+  <p:cSld>
+    <p:bg>
+      <p:bgPr>
+        <a:solidFill>
+          <a:schemeClr val="bg1"/>
+        </a:solidFill>
+        <a:effectLst/>
+      </p:bgPr>
+    </p:bg>
+    <p:spTree>
+      <p:nvGrpSpPr>
+        <p:cNvPr id="1" name=""/>
+        <p:cNvGrpSpPr/>
+        <p:nvPr/>
+      </p:nvGrpSpPr>
+      <p:grpSpPr>
+        <a:xfrm>
+          <a:off x="0" y="0"/>
+          <a:ext cx="0" cy="0"/>
+          <a:chOff x="0" y="0"/>
+          <a:chExt cx="0" cy="0"/>
+        </a:xfrm>
+      </p:grpSpPr>
+      <p:sp useBgFill="1">
+        <p:nvSpPr>
           <p:cNvPr id="2057" name="Rectangle 70">
             <a:extLst>
               <a:ext uri="{FF2B5EF4-FFF2-40B4-BE49-F238E27FC236}">
-                <a16:creationId xmlns="" xmlns:a16="http://schemas.microsoft.com/office/drawing/2014/main" id="{990D0034-F768-41E7-85D4-F38C4DE85770}"/>
+                <a16:creationId xmlns:a16="http://schemas.microsoft.com/office/drawing/2014/main" id="{990D0034-F768-41E7-85D4-F38C4DE85770}"/>
               </a:ext>
               <a:ext uri="{C183D7F6-B498-43B3-948B-1728B52AA6E4}">
-                <adec:decorative xmlns="" xmlns:adec="http://schemas.microsoft.com/office/drawing/2017/decorative" val="1"/>
+                <adec:decorative xmlns:adec="http://schemas.microsoft.com/office/drawing/2017/decorative" xmlns="" val="1"/>
               </a:ext>
             </a:extLst>
           </p:cNvPr>
@@ -5529,7 +5971,7 @@
           <p:nvPr>
             <p:extLst>
               <p:ext uri="{386F3935-93C4-4BCD-93E2-E3B085C9AB24}">
-                <p16:designElem xmlns="" xmlns:p16="http://schemas.microsoft.com/office/powerpoint/2015/main" val="1"/>
+                <p16:designElem xmlns:p16="http://schemas.microsoft.com/office/powerpoint/2015/main" val="1"/>
               </p:ext>
             </p:extLst>
           </p:nvPr>
@@ -5605,10 +6047,10 @@
           <p:cNvPr id="2058" name="Straight Connector 72">
             <a:extLst>
               <a:ext uri="{FF2B5EF4-FFF2-40B4-BE49-F238E27FC236}">
-                <a16:creationId xmlns="" xmlns:a16="http://schemas.microsoft.com/office/drawing/2014/main" id="{5A0A5CF6-407C-4691-8122-49DF69D0020D}"/>
+                <a16:creationId xmlns:a16="http://schemas.microsoft.com/office/drawing/2014/main" id="{5A0A5CF6-407C-4691-8122-49DF69D0020D}"/>
               </a:ext>
               <a:ext uri="{C183D7F6-B498-43B3-948B-1728B52AA6E4}">
-                <adec:decorative xmlns="" xmlns:adec="http://schemas.microsoft.com/office/drawing/2017/decorative" val="1"/>
+                <adec:decorative xmlns:adec="http://schemas.microsoft.com/office/drawing/2017/decorative" xmlns="" val="1"/>
               </a:ext>
             </a:extLst>
           </p:cNvPr>
@@ -5618,7 +6060,7 @@
           <p:nvPr>
             <p:extLst>
               <p:ext uri="{386F3935-93C4-4BCD-93E2-E3B085C9AB24}">
-                <p16:designElem xmlns="" xmlns:p16="http://schemas.microsoft.com/office/powerpoint/2015/main" val="1"/>
+                <p16:designElem xmlns:p16="http://schemas.microsoft.com/office/powerpoint/2015/main" val="1"/>
               </p:ext>
             </p:extLst>
           </p:nvPr>
@@ -5737,196 +6179,6 @@
 </p:sld>
 </file>
 
-<file path=ppt/slides/slide6.xml><?xml version="1.0" encoding="utf-8"?>
-<p:sld xmlns:a="http://schemas.openxmlformats.org/drawingml/2006/main" xmlns:r="http://schemas.openxmlformats.org/officeDocument/2006/relationships" xmlns:p="http://schemas.openxmlformats.org/presentationml/2006/main">
-  <p:cSld>
-    <p:spTree>
-      <p:nvGrpSpPr>
-        <p:cNvPr id="1" name=""/>
-        <p:cNvGrpSpPr/>
-        <p:nvPr/>
-      </p:nvGrpSpPr>
-      <p:grpSpPr>
-        <a:xfrm>
-          <a:off x="0" y="0"/>
-          <a:ext cx="0" cy="0"/>
-          <a:chOff x="0" y="0"/>
-          <a:chExt cx="0" cy="0"/>
-        </a:xfrm>
-      </p:grpSpPr>
-      <p:sp>
-        <p:nvSpPr>
-          <p:cNvPr id="2" name="Заголовок 1"/>
-          <p:cNvSpPr>
-            <a:spLocks noGrp="1"/>
-          </p:cNvSpPr>
-          <p:nvPr>
-            <p:ph type="title"/>
-          </p:nvPr>
-        </p:nvSpPr>
-        <p:spPr/>
-        <p:txBody>
-          <a:bodyPr/>
-          <a:lstStyle/>
-          <a:p>
-            <a:r>
-              <a:rPr lang="ru-RU" dirty="0" smtClean="0"/>
-              <a:t>Меню выбора улучшения</a:t>
-            </a:r>
-            <a:endParaRPr lang="ru-RU" dirty="0"/>
-          </a:p>
-        </p:txBody>
-      </p:sp>
-      <p:pic>
-        <p:nvPicPr>
-          <p:cNvPr id="4" name="Объект 3"/>
-          <p:cNvPicPr>
-            <a:picLocks noGrp="1" noChangeAspect="1"/>
-          </p:cNvPicPr>
-          <p:nvPr>
-            <p:ph idx="1"/>
-          </p:nvPr>
-        </p:nvPicPr>
-        <p:blipFill rotWithShape="1">
-          <a:blip r:embed="rId2" cstate="print">
-            <a:extLst>
-              <a:ext uri="{28A0092B-C50C-407E-A947-70E740481C1C}">
-                <a14:useLocalDpi xmlns:a14="http://schemas.microsoft.com/office/drawing/2010/main" val="0"/>
-              </a:ext>
-            </a:extLst>
-          </a:blip>
-          <a:srcRect l="17729" r="17897" b="16147"/>
-          <a:stretch/>
-        </p:blipFill>
-        <p:spPr>
-          <a:xfrm>
-            <a:off x="-5873" y="1737360"/>
-            <a:ext cx="6132353" cy="4491404"/>
-          </a:xfrm>
-        </p:spPr>
-      </p:pic>
-      <p:sp>
-        <p:nvSpPr>
-          <p:cNvPr id="5" name="TextBox 4"/>
-          <p:cNvSpPr txBox="1"/>
-          <p:nvPr/>
-        </p:nvSpPr>
-        <p:spPr>
-          <a:xfrm>
-            <a:off x="6126480" y="2004969"/>
-            <a:ext cx="5029200" cy="1200329"/>
-          </a:xfrm>
-          <a:prstGeom prst="rect">
-            <a:avLst/>
-          </a:prstGeom>
-          <a:noFill/>
-        </p:spPr>
-        <p:txBody>
-          <a:bodyPr wrap="square" rtlCol="0">
-            <a:spAutoFit/>
-          </a:bodyPr>
-          <a:lstStyle/>
-          <a:p>
-            <a:r>
-              <a:rPr lang="ru-RU" dirty="0" smtClean="0"/>
-              <a:t>На выбор есть:</a:t>
-            </a:r>
-          </a:p>
-          <a:p>
-            <a:pPr marL="285750" indent="-285750">
-              <a:buFont typeface="Arial" panose="020B0604020202020204" pitchFamily="34" charset="0"/>
-              <a:buChar char="•"/>
-            </a:pPr>
-            <a:r>
-              <a:rPr lang="ru-RU" dirty="0" smtClean="0"/>
-              <a:t>Увеличить </a:t>
-            </a:r>
-            <a:r>
-              <a:rPr lang="en-US" dirty="0" err="1" smtClean="0"/>
-              <a:t>hp</a:t>
-            </a:r>
-            <a:r>
-              <a:rPr lang="ru-RU" dirty="0" smtClean="0"/>
-              <a:t> (</a:t>
-            </a:r>
-            <a:r>
-              <a:rPr lang="en-US" dirty="0" smtClean="0"/>
-              <a:t>health points) </a:t>
-            </a:r>
-            <a:r>
-              <a:rPr lang="ru-RU" dirty="0" smtClean="0"/>
-              <a:t>на 1</a:t>
-            </a:r>
-            <a:endParaRPr lang="en-US" dirty="0" smtClean="0"/>
-          </a:p>
-          <a:p>
-            <a:pPr marL="285750" indent="-285750">
-              <a:buFont typeface="Arial" panose="020B0604020202020204" pitchFamily="34" charset="0"/>
-              <a:buChar char="•"/>
-            </a:pPr>
-            <a:r>
-              <a:rPr lang="ru-RU" dirty="0" smtClean="0"/>
-              <a:t>Увеличить </a:t>
-            </a:r>
-            <a:r>
-              <a:rPr lang="en-US" dirty="0" err="1" smtClean="0"/>
-              <a:t>mp</a:t>
-            </a:r>
-            <a:r>
-              <a:rPr lang="en-US" dirty="0" smtClean="0"/>
-              <a:t> (movement points) </a:t>
-            </a:r>
-            <a:r>
-              <a:rPr lang="ru-RU" dirty="0" smtClean="0"/>
-              <a:t>на 1</a:t>
-            </a:r>
-          </a:p>
-          <a:p>
-            <a:pPr marL="285750" indent="-285750">
-              <a:buFont typeface="Arial" panose="020B0604020202020204" pitchFamily="34" charset="0"/>
-              <a:buChar char="•"/>
-            </a:pPr>
-            <a:r>
-              <a:rPr lang="ru-RU" dirty="0" smtClean="0"/>
-              <a:t>Увеличить </a:t>
-            </a:r>
-            <a:r>
-              <a:rPr lang="en-US" dirty="0" err="1" smtClean="0"/>
-              <a:t>cage_dis</a:t>
-            </a:r>
-            <a:r>
-              <a:rPr lang="en-US" dirty="0" smtClean="0"/>
-              <a:t> (</a:t>
-            </a:r>
-            <a:r>
-              <a:rPr lang="en-US" dirty="0" err="1" smtClean="0"/>
-              <a:t>cage_distance</a:t>
-            </a:r>
-            <a:r>
-              <a:rPr lang="en-US" dirty="0" smtClean="0"/>
-              <a:t>) </a:t>
-            </a:r>
-            <a:r>
-              <a:rPr lang="ru-RU" dirty="0" smtClean="0"/>
-              <a:t>на 1</a:t>
-            </a:r>
-            <a:endParaRPr lang="ru-RU" dirty="0"/>
-          </a:p>
-        </p:txBody>
-      </p:sp>
-    </p:spTree>
-    <p:extLst>
-      <p:ext uri="{BB962C8B-B14F-4D97-AF65-F5344CB8AC3E}">
-        <p14:creationId xmlns:p14="http://schemas.microsoft.com/office/powerpoint/2010/main" val="1334648505"/>
-      </p:ext>
-    </p:extLst>
-  </p:cSld>
-  <p:clrMapOvr>
-    <a:masterClrMapping/>
-  </p:clrMapOvr>
-</p:sld>
-</file>
-
 <file path=ppt/slides/slide7.xml><?xml version="1.0" encoding="utf-8"?>
 <p:sld xmlns:a="http://schemas.openxmlformats.org/drawingml/2006/main" xmlns:r="http://schemas.openxmlformats.org/officeDocument/2006/relationships" xmlns:p="http://schemas.openxmlformats.org/presentationml/2006/main">
   <p:cSld>
@@ -5961,7 +6213,7 @@
           <a:p>
             <a:r>
               <a:rPr lang="ru-RU" dirty="0" smtClean="0"/>
-              <a:t>База данных</a:t>
+              <a:t>Меню выбора улучшения</a:t>
             </a:r>
             <a:endParaRPr lang="ru-RU" dirty="0"/>
           </a:p>
@@ -5977,34 +6229,33 @@
             <p:ph idx="1"/>
           </p:nvPr>
         </p:nvPicPr>
-        <p:blipFill>
-          <a:blip r:embed="rId2">
+        <p:blipFill rotWithShape="1">
+          <a:blip r:embed="rId2" cstate="print">
             <a:extLst>
               <a:ext uri="{28A0092B-C50C-407E-A947-70E740481C1C}">
                 <a14:useLocalDpi xmlns:a14="http://schemas.microsoft.com/office/drawing/2010/main" val="0"/>
               </a:ext>
             </a:extLst>
           </a:blip>
-          <a:stretch>
-            <a:fillRect/>
-          </a:stretch>
+          <a:srcRect l="17729" r="17897" b="16147"/>
+          <a:stretch/>
         </p:blipFill>
         <p:spPr>
           <a:xfrm>
-            <a:off x="914876" y="1737360"/>
-            <a:ext cx="10740585" cy="1551272"/>
+            <a:off x="-5873" y="1737360"/>
+            <a:ext cx="6132353" cy="4491404"/>
           </a:xfrm>
         </p:spPr>
       </p:pic>
       <p:sp>
         <p:nvSpPr>
-          <p:cNvPr id="6" name="TextBox 5"/>
+          <p:cNvPr id="5" name="TextBox 4"/>
           <p:cNvSpPr txBox="1"/>
           <p:nvPr/>
         </p:nvSpPr>
         <p:spPr>
           <a:xfrm>
-            <a:off x="914876" y="3323860"/>
+            <a:off x="6126480" y="2004969"/>
             <a:ext cx="5029200" cy="1200329"/>
           </a:xfrm>
           <a:prstGeom prst="rect">
@@ -6020,45 +6271,95 @@
           <a:p>
             <a:r>
               <a:rPr lang="ru-RU" dirty="0" smtClean="0"/>
-              <a:t>Структура:</a:t>
-            </a:r>
-          </a:p>
-          <a:p>
+              <a:t>На выбор есть:</a:t>
+            </a:r>
+          </a:p>
+          <a:p>
+            <a:pPr marL="285750" indent="-285750">
+              <a:buFont typeface="Arial" panose="020B0604020202020204" pitchFamily="34" charset="0"/>
+              <a:buChar char="•"/>
+            </a:pPr>
+            <a:r>
+              <a:rPr lang="ru-RU" dirty="0" smtClean="0"/>
+              <a:t>Увеличить </a:t>
+            </a:r>
+            <a:r>
+              <a:rPr lang="en-US" dirty="0" err="1" smtClean="0"/>
+              <a:t>hp</a:t>
+            </a:r>
+            <a:r>
+              <a:rPr lang="ru-RU" dirty="0" smtClean="0"/>
+              <a:t> (</a:t>
+            </a:r>
             <a:r>
               <a:rPr lang="en-US" dirty="0" smtClean="0"/>
-              <a:t>-id;</a:t>
-            </a:r>
-          </a:p>
-          <a:p>
+              <a:t>health points) </a:t>
+            </a:r>
+            <a:r>
+              <a:rPr lang="ru-RU" dirty="0" smtClean="0"/>
+              <a:t>на 1</a:t>
+            </a:r>
+            <a:endParaRPr lang="en-US" dirty="0" smtClean="0"/>
+          </a:p>
+          <a:p>
+            <a:pPr marL="285750" indent="-285750">
+              <a:buFont typeface="Arial" panose="020B0604020202020204" pitchFamily="34" charset="0"/>
+              <a:buChar char="•"/>
+            </a:pPr>
+            <a:r>
+              <a:rPr lang="ru-RU" dirty="0" smtClean="0"/>
+              <a:t>Увеличить </a:t>
+            </a:r>
+            <a:r>
+              <a:rPr lang="en-US" dirty="0" err="1" smtClean="0"/>
+              <a:t>mp</a:t>
+            </a:r>
             <a:r>
               <a:rPr lang="en-US" dirty="0" smtClean="0"/>
-              <a:t>-title </a:t>
+              <a:t> (movement points) </a:t>
             </a:r>
             <a:r>
               <a:rPr lang="ru-RU" dirty="0" smtClean="0"/>
-              <a:t>(название строки)</a:t>
-            </a:r>
-          </a:p>
-          <a:p>
+              <a:t>на 1</a:t>
+            </a:r>
+          </a:p>
+          <a:p>
+            <a:pPr marL="285750" indent="-285750">
+              <a:buFont typeface="Arial" panose="020B0604020202020204" pitchFamily="34" charset="0"/>
+              <a:buChar char="•"/>
+            </a:pPr>
             <a:r>
               <a:rPr lang="ru-RU" dirty="0" smtClean="0"/>
-              <a:t>-</a:t>
+              <a:t>Увеличить </a:t>
+            </a:r>
+            <a:r>
+              <a:rPr lang="en-US" dirty="0" err="1" smtClean="0"/>
+              <a:t>cage_dis</a:t>
             </a:r>
             <a:r>
               <a:rPr lang="en-US" dirty="0" smtClean="0"/>
-              <a:t>value(</a:t>
+              <a:t> (</a:t>
+            </a:r>
+            <a:r>
+              <a:rPr lang="en-US" dirty="0" err="1" smtClean="0"/>
+              <a:t>cage_distance</a:t>
+            </a:r>
+            <a:r>
+              <a:rPr lang="en-US" dirty="0" smtClean="0"/>
+              <a:t>) </a:t>
             </a:r>
             <a:r>
               <a:rPr lang="ru-RU" dirty="0" smtClean="0"/>
-              <a:t>значение события)</a:t>
-            </a:r>
+              <a:t>на 1</a:t>
+            </a:r>
+            <a:endParaRPr lang="ru-RU" dirty="0"/>
           </a:p>
         </p:txBody>
       </p:sp>
     </p:spTree>
     <p:extLst>
       <p:ext uri="{BB962C8B-B14F-4D97-AF65-F5344CB8AC3E}">
-        <p14:creationId xmlns:p14="http://schemas.microsoft.com/office/powerpoint/2010/main" val="2079369557"/>
+        <p14:creationId xmlns:p14="http://schemas.microsoft.com/office/powerpoint/2010/main" val="1334648505"/>
       </p:ext>
     </p:extLst>
   </p:cSld>
@@ -6102,6 +6403,147 @@
           <a:p>
             <a:r>
               <a:rPr lang="ru-RU" dirty="0" smtClean="0"/>
+              <a:t>База данных</a:t>
+            </a:r>
+            <a:endParaRPr lang="ru-RU" dirty="0"/>
+          </a:p>
+        </p:txBody>
+      </p:sp>
+      <p:pic>
+        <p:nvPicPr>
+          <p:cNvPr id="4" name="Объект 3"/>
+          <p:cNvPicPr>
+            <a:picLocks noGrp="1" noChangeAspect="1"/>
+          </p:cNvPicPr>
+          <p:nvPr>
+            <p:ph idx="1"/>
+          </p:nvPr>
+        </p:nvPicPr>
+        <p:blipFill>
+          <a:blip r:embed="rId2">
+            <a:extLst>
+              <a:ext uri="{28A0092B-C50C-407E-A947-70E740481C1C}">
+                <a14:useLocalDpi xmlns:a14="http://schemas.microsoft.com/office/drawing/2010/main" val="0"/>
+              </a:ext>
+            </a:extLst>
+          </a:blip>
+          <a:stretch>
+            <a:fillRect/>
+          </a:stretch>
+        </p:blipFill>
+        <p:spPr>
+          <a:xfrm>
+            <a:off x="914876" y="1737360"/>
+            <a:ext cx="10740585" cy="1551272"/>
+          </a:xfrm>
+        </p:spPr>
+      </p:pic>
+      <p:sp>
+        <p:nvSpPr>
+          <p:cNvPr id="6" name="TextBox 5"/>
+          <p:cNvSpPr txBox="1"/>
+          <p:nvPr/>
+        </p:nvSpPr>
+        <p:spPr>
+          <a:xfrm>
+            <a:off x="914876" y="3323860"/>
+            <a:ext cx="5029200" cy="1200329"/>
+          </a:xfrm>
+          <a:prstGeom prst="rect">
+            <a:avLst/>
+          </a:prstGeom>
+          <a:noFill/>
+        </p:spPr>
+        <p:txBody>
+          <a:bodyPr wrap="square" rtlCol="0">
+            <a:spAutoFit/>
+          </a:bodyPr>
+          <a:lstStyle/>
+          <a:p>
+            <a:r>
+              <a:rPr lang="ru-RU" dirty="0" smtClean="0"/>
+              <a:t>Структура:</a:t>
+            </a:r>
+          </a:p>
+          <a:p>
+            <a:r>
+              <a:rPr lang="en-US" dirty="0" smtClean="0"/>
+              <a:t>-id;</a:t>
+            </a:r>
+          </a:p>
+          <a:p>
+            <a:r>
+              <a:rPr lang="en-US" dirty="0" smtClean="0"/>
+              <a:t>-title </a:t>
+            </a:r>
+            <a:r>
+              <a:rPr lang="ru-RU" dirty="0" smtClean="0"/>
+              <a:t>(название строки)</a:t>
+            </a:r>
+          </a:p>
+          <a:p>
+            <a:r>
+              <a:rPr lang="ru-RU" dirty="0" smtClean="0"/>
+              <a:t>-</a:t>
+            </a:r>
+            <a:r>
+              <a:rPr lang="en-US" dirty="0" smtClean="0"/>
+              <a:t>value(</a:t>
+            </a:r>
+            <a:r>
+              <a:rPr lang="ru-RU" dirty="0" smtClean="0"/>
+              <a:t>значение события)</a:t>
+            </a:r>
+          </a:p>
+        </p:txBody>
+      </p:sp>
+    </p:spTree>
+    <p:extLst>
+      <p:ext uri="{BB962C8B-B14F-4D97-AF65-F5344CB8AC3E}">
+        <p14:creationId xmlns:p14="http://schemas.microsoft.com/office/powerpoint/2010/main" val="2079369557"/>
+      </p:ext>
+    </p:extLst>
+  </p:cSld>
+  <p:clrMapOvr>
+    <a:masterClrMapping/>
+  </p:clrMapOvr>
+</p:sld>
+</file>
+
+<file path=ppt/slides/slide9.xml><?xml version="1.0" encoding="utf-8"?>
+<p:sld xmlns:a="http://schemas.openxmlformats.org/drawingml/2006/main" xmlns:r="http://schemas.openxmlformats.org/officeDocument/2006/relationships" xmlns:p="http://schemas.openxmlformats.org/presentationml/2006/main">
+  <p:cSld>
+    <p:spTree>
+      <p:nvGrpSpPr>
+        <p:cNvPr id="1" name=""/>
+        <p:cNvGrpSpPr/>
+        <p:nvPr/>
+      </p:nvGrpSpPr>
+      <p:grpSpPr>
+        <a:xfrm>
+          <a:off x="0" y="0"/>
+          <a:ext cx="0" cy="0"/>
+          <a:chOff x="0" y="0"/>
+          <a:chExt cx="0" cy="0"/>
+        </a:xfrm>
+      </p:grpSpPr>
+      <p:sp>
+        <p:nvSpPr>
+          <p:cNvPr id="2" name="Заголовок 1"/>
+          <p:cNvSpPr>
+            <a:spLocks noGrp="1"/>
+          </p:cNvSpPr>
+          <p:nvPr>
+            <p:ph type="title"/>
+          </p:nvPr>
+        </p:nvSpPr>
+        <p:spPr/>
+        <p:txBody>
+          <a:bodyPr/>
+          <a:lstStyle/>
+          <a:p>
+            <a:r>
+              <a:rPr lang="ru-RU" dirty="0" smtClean="0"/>
               <a:t>Данные в базе данных</a:t>
             </a:r>
             <a:endParaRPr lang="ru-RU" dirty="0"/>
@@ -6164,7 +6606,6 @@
               <a:rPr lang="ru-RU" dirty="0"/>
               <a:t>-Кол-во совершённых действий</a:t>
             </a:r>
-            <a:endParaRPr lang="ru-RU" dirty="0"/>
           </a:p>
         </p:txBody>
       </p:sp>
@@ -6208,284 +6649,6 @@
   <p:clrMapOvr>
     <a:masterClrMapping/>
   </p:clrMapOvr>
-</p:sld>
-</file>
-
-<file path=ppt/slides/slide9.xml><?xml version="1.0" encoding="utf-8"?>
-<p:sld xmlns:a="http://schemas.openxmlformats.org/drawingml/2006/main" xmlns:r="http://schemas.openxmlformats.org/officeDocument/2006/relationships" xmlns:p="http://schemas.openxmlformats.org/presentationml/2006/main">
-  <p:cSld>
-    <p:bg>
-      <p:bgPr>
-        <a:solidFill>
-          <a:schemeClr val="bg1"/>
-        </a:solidFill>
-        <a:effectLst/>
-      </p:bgPr>
-    </p:bg>
-    <p:spTree>
-      <p:nvGrpSpPr>
-        <p:cNvPr id="1" name=""/>
-        <p:cNvGrpSpPr/>
-        <p:nvPr/>
-      </p:nvGrpSpPr>
-      <p:grpSpPr>
-        <a:xfrm>
-          <a:off x="0" y="0"/>
-          <a:ext cx="0" cy="0"/>
-          <a:chOff x="0" y="0"/>
-          <a:chExt cx="0" cy="0"/>
-        </a:xfrm>
-      </p:grpSpPr>
-      <p:sp useBgFill="1">
-        <p:nvSpPr>
-          <p:cNvPr id="11" name="Rectangle 9">
-            <a:extLst>
-              <a:ext uri="{FF2B5EF4-FFF2-40B4-BE49-F238E27FC236}">
-                <a16:creationId xmlns="" xmlns:a16="http://schemas.microsoft.com/office/drawing/2014/main" id="{990D0034-F768-41E7-85D4-F38C4DE85770}"/>
-              </a:ext>
-              <a:ext uri="{C183D7F6-B498-43B3-948B-1728B52AA6E4}">
-                <adec:decorative xmlns="" xmlns:adec="http://schemas.microsoft.com/office/drawing/2017/decorative" val="1"/>
-              </a:ext>
-            </a:extLst>
-          </p:cNvPr>
-          <p:cNvSpPr>
-            <a:spLocks noGrp="1" noRot="1" noChangeAspect="1" noMove="1" noResize="1" noEditPoints="1" noAdjustHandles="1" noChangeArrowheads="1" noChangeShapeType="1" noTextEdit="1"/>
-          </p:cNvSpPr>
-          <p:nvPr>
-            <p:extLst>
-              <p:ext uri="{386F3935-93C4-4BCD-93E2-E3B085C9AB24}">
-                <p16:designElem xmlns="" xmlns:p16="http://schemas.microsoft.com/office/powerpoint/2015/main" val="1"/>
-              </p:ext>
-            </p:extLst>
-          </p:nvPr>
-        </p:nvSpPr>
-        <p:spPr>
-          <a:xfrm>
-            <a:off x="0" y="0"/>
-            <a:ext cx="12186315" cy="6858000"/>
-          </a:xfrm>
-          <a:prstGeom prst="rect">
-            <a:avLst/>
-          </a:prstGeom>
-          <a:ln>
-            <a:noFill/>
-          </a:ln>
-        </p:spPr>
-        <p:style>
-          <a:lnRef idx="2">
-            <a:schemeClr val="accent6">
-              <a:shade val="50000"/>
-            </a:schemeClr>
-          </a:lnRef>
-          <a:fillRef idx="1001">
-            <a:schemeClr val="lt1"/>
-          </a:fillRef>
-          <a:effectRef idx="0">
-            <a:schemeClr val="accent6"/>
-          </a:effectRef>
-          <a:fontRef idx="minor">
-            <a:schemeClr val="lt1"/>
-          </a:fontRef>
-        </p:style>
-        <p:txBody>
-          <a:bodyPr rtlCol="0" anchor="ctr"/>
-          <a:lstStyle/>
-          <a:p>
-            <a:pPr algn="ctr"/>
-            <a:endParaRPr lang="en-US"/>
-          </a:p>
-        </p:txBody>
-      </p:sp>
-      <p:sp>
-        <p:nvSpPr>
-          <p:cNvPr id="2" name="Заголовок 1"/>
-          <p:cNvSpPr>
-            <a:spLocks noGrp="1"/>
-          </p:cNvSpPr>
-          <p:nvPr>
-            <p:ph type="title"/>
-          </p:nvPr>
-        </p:nvSpPr>
-        <p:spPr>
-          <a:xfrm>
-            <a:off x="477078" y="516835"/>
-            <a:ext cx="3100136" cy="2103875"/>
-          </a:xfrm>
-        </p:spPr>
-        <p:txBody>
-          <a:bodyPr vert="horz" lIns="91440" tIns="45720" rIns="91440" bIns="45720" rtlCol="0" anchor="b">
-            <a:normAutofit/>
-          </a:bodyPr>
-          <a:lstStyle/>
-          <a:p>
-            <a:r>
-              <a:rPr lang="en-US" sz="3600" kern="1200" spc="-50" baseline="0">
-                <a:solidFill>
-                  <a:schemeClr val="tx1">
-                    <a:lumMod val="75000"/>
-                    <a:lumOff val="25000"/>
-                  </a:schemeClr>
-                </a:solidFill>
-                <a:latin typeface="+mj-lt"/>
-                <a:ea typeface="+mj-ea"/>
-                <a:cs typeface="+mj-cs"/>
-              </a:rPr>
-              <a:t>Статистика</a:t>
-            </a:r>
-          </a:p>
-        </p:txBody>
-      </p:sp>
-      <p:cxnSp>
-        <p:nvCxnSpPr>
-          <p:cNvPr id="13" name="Straight Connector 11">
-            <a:extLst>
-              <a:ext uri="{FF2B5EF4-FFF2-40B4-BE49-F238E27FC236}">
-                <a16:creationId xmlns="" xmlns:a16="http://schemas.microsoft.com/office/drawing/2014/main" id="{5A0A5CF6-407C-4691-8122-49DF69D0020D}"/>
-              </a:ext>
-              <a:ext uri="{C183D7F6-B498-43B3-948B-1728B52AA6E4}">
-                <adec:decorative xmlns="" xmlns:adec="http://schemas.microsoft.com/office/drawing/2017/decorative" val="1"/>
-              </a:ext>
-            </a:extLst>
-          </p:cNvPr>
-          <p:cNvCxnSpPr>
-            <a:cxnSpLocks noGrp="1" noRot="1" noChangeAspect="1" noMove="1" noResize="1" noEditPoints="1" noAdjustHandles="1" noChangeArrowheads="1" noChangeShapeType="1"/>
-          </p:cNvCxnSpPr>
-          <p:nvPr>
-            <p:extLst>
-              <p:ext uri="{386F3935-93C4-4BCD-93E2-E3B085C9AB24}">
-                <p16:designElem xmlns="" xmlns:p16="http://schemas.microsoft.com/office/powerpoint/2015/main" val="1"/>
-              </p:ext>
-            </p:extLst>
-          </p:nvPr>
-        </p:nvCxnSpPr>
-        <p:spPr>
-          <a:xfrm>
-            <a:off x="590927" y="2633962"/>
-            <a:ext cx="2743200" cy="0"/>
-          </a:xfrm>
-          <a:prstGeom prst="line">
-            <a:avLst/>
-          </a:prstGeom>
-          <a:ln w="6350">
-            <a:solidFill>
-              <a:schemeClr val="tx1">
-                <a:lumMod val="50000"/>
-                <a:lumOff val="50000"/>
-                <a:alpha val="90000"/>
-              </a:schemeClr>
-            </a:solidFill>
-          </a:ln>
-        </p:spPr>
-        <p:style>
-          <a:lnRef idx="1">
-            <a:schemeClr val="accent1"/>
-          </a:lnRef>
-          <a:fillRef idx="0">
-            <a:schemeClr val="accent1"/>
-          </a:fillRef>
-          <a:effectRef idx="0">
-            <a:schemeClr val="accent1"/>
-          </a:effectRef>
-          <a:fontRef idx="minor">
-            <a:schemeClr val="tx1"/>
-          </a:fontRef>
-        </p:style>
-      </p:cxnSp>
-      <p:sp>
-        <p:nvSpPr>
-          <p:cNvPr id="5" name="TextBox 4"/>
-          <p:cNvSpPr txBox="1"/>
-          <p:nvPr/>
-        </p:nvSpPr>
-        <p:spPr>
-          <a:xfrm>
-            <a:off x="492371" y="2736574"/>
-            <a:ext cx="3084844" cy="3366047"/>
-          </a:xfrm>
-          <a:prstGeom prst="rect">
-            <a:avLst/>
-          </a:prstGeom>
-        </p:spPr>
-        <p:txBody>
-          <a:bodyPr vert="horz" lIns="0" tIns="45720" rIns="0" bIns="45720" rtlCol="0">
-            <a:normAutofit/>
-          </a:bodyPr>
-          <a:lstStyle/>
-          <a:p>
-            <a:pPr>
-              <a:lnSpc>
-                <a:spcPct val="90000"/>
-              </a:lnSpc>
-              <a:spcAft>
-                <a:spcPts val="600"/>
-              </a:spcAft>
-              <a:buClr>
-                <a:schemeClr val="accent1"/>
-              </a:buClr>
-              <a:buFont typeface="Calibri" panose="020F0502020204030204" pitchFamily="34" charset="0"/>
-            </a:pPr>
-            <a:r>
-              <a:rPr lang="en-US" sz="1500">
-                <a:solidFill>
-                  <a:schemeClr val="tx1">
-                    <a:lumMod val="75000"/>
-                    <a:lumOff val="25000"/>
-                  </a:schemeClr>
-                </a:solidFill>
-              </a:rPr>
-              <a:t>Статистика по игре. Отображается: количество пойманных членов мафии, монет, потраченного здоровья, действий, зачищенных мест, ловушек использовано</a:t>
-            </a:r>
-          </a:p>
-        </p:txBody>
-      </p:sp>
-      <p:pic>
-        <p:nvPicPr>
-          <p:cNvPr id="4" name="Объект 3"/>
-          <p:cNvPicPr>
-            <a:picLocks noGrp="1"/>
-          </p:cNvPicPr>
-          <p:nvPr>
-            <p:ph idx="1"/>
-          </p:nvPr>
-        </p:nvPicPr>
-        <p:blipFill rotWithShape="1">
-          <a:blip r:embed="rId2" cstate="print">
-            <a:extLst>
-              <a:ext uri="{28A0092B-C50C-407E-A947-70E740481C1C}">
-                <a14:useLocalDpi xmlns:a14="http://schemas.microsoft.com/office/drawing/2010/main" val="0"/>
-              </a:ext>
-            </a:extLst>
-          </a:blip>
-          <a:srcRect l="16388" r="17082"/>
-          <a:stretch/>
-        </p:blipFill>
-        <p:spPr>
-          <a:xfrm>
-            <a:off x="4075043" y="10"/>
-            <a:ext cx="8111272" cy="6857990"/>
-          </a:xfrm>
-          <a:prstGeom prst="rect">
-            <a:avLst/>
-          </a:prstGeom>
-        </p:spPr>
-      </p:pic>
-    </p:spTree>
-    <p:extLst>
-      <p:ext uri="{BB962C8B-B14F-4D97-AF65-F5344CB8AC3E}">
-        <p14:creationId xmlns:p14="http://schemas.microsoft.com/office/powerpoint/2010/main" val="3671637155"/>
-      </p:ext>
-    </p:extLst>
-  </p:cSld>
-  <p:clrMapOvr>
-    <a:masterClrMapping/>
-  </p:clrMapOvr>
-  <p:timing>
-    <p:tnLst>
-      <p:par>
-        <p:cTn id="1" dur="indefinite" restart="never" nodeType="tmRoot"/>
-      </p:par>
-    </p:tnLst>
-  </p:timing>
 </p:sld>
 </file>
 

--- a/documentation/Trap them.pptx
+++ b/documentation/Trap them.pptx
@@ -3840,10 +3840,10 @@
           <p:cNvPr id="8" name="Rectangle 7">
             <a:extLst>
               <a:ext uri="{FF2B5EF4-FFF2-40B4-BE49-F238E27FC236}">
-                <a16:creationId xmlns:a16="http://schemas.microsoft.com/office/drawing/2014/main" id="{8C6E698C-8155-4B8B-BDC9-B7299772B509}"/>
+                <a16:creationId xmlns:a16="http://schemas.microsoft.com/office/drawing/2014/main" xmlns="" id="{8C6E698C-8155-4B8B-BDC9-B7299772B509}"/>
               </a:ext>
               <a:ext uri="{C183D7F6-B498-43B3-948B-1728B52AA6E4}">
-                <adec:decorative xmlns:adec="http://schemas.microsoft.com/office/drawing/2017/decorative" xmlns="" val="1"/>
+                <adec:decorative xmlns="" xmlns:adec="http://schemas.microsoft.com/office/drawing/2017/decorative" val="1"/>
               </a:ext>
             </a:extLst>
           </p:cNvPr>
@@ -3853,7 +3853,7 @@
           <p:nvPr>
             <p:extLst>
               <p:ext uri="{386F3935-93C4-4BCD-93E2-E3B085C9AB24}">
-                <p16:designElem xmlns:p16="http://schemas.microsoft.com/office/powerpoint/2015/main" val="1"/>
+                <p16:designElem xmlns:p16="http://schemas.microsoft.com/office/powerpoint/2015/main" xmlns="" val="1"/>
               </p:ext>
             </p:extLst>
           </p:nvPr>
@@ -3938,10 +3938,10 @@
           <p:cNvPr id="10" name="Rectangle 9">
             <a:extLst>
               <a:ext uri="{FF2B5EF4-FFF2-40B4-BE49-F238E27FC236}">
-                <a16:creationId xmlns:a16="http://schemas.microsoft.com/office/drawing/2014/main" id="{0EEF5601-A8BC-411D-AA64-3E79320BA122}"/>
+                <a16:creationId xmlns:a16="http://schemas.microsoft.com/office/drawing/2014/main" xmlns="" id="{0EEF5601-A8BC-411D-AA64-3E79320BA122}"/>
               </a:ext>
               <a:ext uri="{C183D7F6-B498-43B3-948B-1728B52AA6E4}">
-                <adec:decorative xmlns:adec="http://schemas.microsoft.com/office/drawing/2017/decorative" xmlns="" val="1"/>
+                <adec:decorative xmlns="" xmlns:adec="http://schemas.microsoft.com/office/drawing/2017/decorative" val="1"/>
               </a:ext>
             </a:extLst>
           </p:cNvPr>
@@ -3951,7 +3951,7 @@
           <p:nvPr>
             <p:extLst>
               <p:ext uri="{386F3935-93C4-4BCD-93E2-E3B085C9AB24}">
-                <p16:designElem xmlns:p16="http://schemas.microsoft.com/office/powerpoint/2015/main" val="1"/>
+                <p16:designElem xmlns:p16="http://schemas.microsoft.com/office/powerpoint/2015/main" xmlns="" val="1"/>
               </p:ext>
             </p:extLst>
           </p:nvPr>
@@ -4042,10 +4042,10 @@
           <p:cNvPr id="12" name="Rectangle 11">
             <a:extLst>
               <a:ext uri="{FF2B5EF4-FFF2-40B4-BE49-F238E27FC236}">
-                <a16:creationId xmlns:a16="http://schemas.microsoft.com/office/drawing/2014/main" id="{33209156-242F-4B26-8D07-CEB2B68A9F9A}"/>
+                <a16:creationId xmlns:a16="http://schemas.microsoft.com/office/drawing/2014/main" xmlns="" id="{33209156-242F-4B26-8D07-CEB2B68A9F9A}"/>
               </a:ext>
               <a:ext uri="{C183D7F6-B498-43B3-948B-1728B52AA6E4}">
-                <adec:decorative xmlns:adec="http://schemas.microsoft.com/office/drawing/2017/decorative" xmlns="" val="1"/>
+                <adec:decorative xmlns="" xmlns:adec="http://schemas.microsoft.com/office/drawing/2017/decorative" val="1"/>
               </a:ext>
             </a:extLst>
           </p:cNvPr>
@@ -4055,7 +4055,7 @@
           <p:nvPr>
             <p:extLst>
               <p:ext uri="{386F3935-93C4-4BCD-93E2-E3B085C9AB24}">
-                <p16:designElem xmlns:p16="http://schemas.microsoft.com/office/powerpoint/2015/main" val="1"/>
+                <p16:designElem xmlns:p16="http://schemas.microsoft.com/office/powerpoint/2015/main" xmlns="" val="1"/>
               </p:ext>
             </p:extLst>
           </p:nvPr>
@@ -4142,10 +4142,10 @@
           <p:cNvPr id="11" name="Rectangle 9">
             <a:extLst>
               <a:ext uri="{FF2B5EF4-FFF2-40B4-BE49-F238E27FC236}">
-                <a16:creationId xmlns:a16="http://schemas.microsoft.com/office/drawing/2014/main" id="{990D0034-F768-41E7-85D4-F38C4DE85770}"/>
+                <a16:creationId xmlns:a16="http://schemas.microsoft.com/office/drawing/2014/main" xmlns="" id="{990D0034-F768-41E7-85D4-F38C4DE85770}"/>
               </a:ext>
               <a:ext uri="{C183D7F6-B498-43B3-948B-1728B52AA6E4}">
-                <adec:decorative xmlns:adec="http://schemas.microsoft.com/office/drawing/2017/decorative" xmlns="" val="1"/>
+                <adec:decorative xmlns="" xmlns:adec="http://schemas.microsoft.com/office/drawing/2017/decorative" val="1"/>
               </a:ext>
             </a:extLst>
           </p:cNvPr>
@@ -4155,7 +4155,7 @@
           <p:nvPr>
             <p:extLst>
               <p:ext uri="{386F3935-93C4-4BCD-93E2-E3B085C9AB24}">
-                <p16:designElem xmlns:p16="http://schemas.microsoft.com/office/powerpoint/2015/main" val="1"/>
+                <p16:designElem xmlns:p16="http://schemas.microsoft.com/office/powerpoint/2015/main" xmlns="" val="1"/>
               </p:ext>
             </p:extLst>
           </p:nvPr>
@@ -4241,10 +4241,10 @@
           <p:cNvPr id="13" name="Straight Connector 11">
             <a:extLst>
               <a:ext uri="{FF2B5EF4-FFF2-40B4-BE49-F238E27FC236}">
-                <a16:creationId xmlns:a16="http://schemas.microsoft.com/office/drawing/2014/main" id="{5A0A5CF6-407C-4691-8122-49DF69D0020D}"/>
+                <a16:creationId xmlns:a16="http://schemas.microsoft.com/office/drawing/2014/main" xmlns="" id="{5A0A5CF6-407C-4691-8122-49DF69D0020D}"/>
               </a:ext>
               <a:ext uri="{C183D7F6-B498-43B3-948B-1728B52AA6E4}">
-                <adec:decorative xmlns:adec="http://schemas.microsoft.com/office/drawing/2017/decorative" xmlns="" val="1"/>
+                <adec:decorative xmlns="" xmlns:adec="http://schemas.microsoft.com/office/drawing/2017/decorative" val="1"/>
               </a:ext>
             </a:extLst>
           </p:cNvPr>
@@ -4254,7 +4254,7 @@
           <p:nvPr>
             <p:extLst>
               <p:ext uri="{386F3935-93C4-4BCD-93E2-E3B085C9AB24}">
-                <p16:designElem xmlns:p16="http://schemas.microsoft.com/office/powerpoint/2015/main" val="1"/>
+                <p16:designElem xmlns:p16="http://schemas.microsoft.com/office/powerpoint/2015/main" xmlns="" val="1"/>
               </p:ext>
             </p:extLst>
           </p:nvPr>
@@ -4505,7 +4505,6 @@
               <a:rPr lang="ru-RU" dirty="0"/>
               <a:t>Краткое описание игры</a:t>
             </a:r>
-            <a:endParaRPr lang="ru-RU" dirty="0"/>
           </a:p>
         </p:txBody>
       </p:sp>
@@ -4662,10 +4661,10 @@
           <p:cNvPr id="11" name="Rectangle 10">
             <a:extLst>
               <a:ext uri="{FF2B5EF4-FFF2-40B4-BE49-F238E27FC236}">
-                <a16:creationId xmlns:a16="http://schemas.microsoft.com/office/drawing/2014/main" id="{990D0034-F768-41E7-85D4-F38C4DE85770}"/>
+                <a16:creationId xmlns:a16="http://schemas.microsoft.com/office/drawing/2014/main" xmlns="" id="{990D0034-F768-41E7-85D4-F38C4DE85770}"/>
               </a:ext>
               <a:ext uri="{C183D7F6-B498-43B3-948B-1728B52AA6E4}">
-                <adec:decorative xmlns:adec="http://schemas.microsoft.com/office/drawing/2017/decorative" xmlns="" val="1"/>
+                <adec:decorative xmlns="" xmlns:adec="http://schemas.microsoft.com/office/drawing/2017/decorative" val="1"/>
               </a:ext>
             </a:extLst>
           </p:cNvPr>
@@ -4675,7 +4674,7 @@
           <p:nvPr>
             <p:extLst>
               <p:ext uri="{386F3935-93C4-4BCD-93E2-E3B085C9AB24}">
-                <p16:designElem xmlns:p16="http://schemas.microsoft.com/office/powerpoint/2015/main" val="1"/>
+                <p16:designElem xmlns:p16="http://schemas.microsoft.com/office/powerpoint/2015/main" xmlns="" val="1"/>
               </p:ext>
             </p:extLst>
           </p:nvPr>
@@ -4722,10 +4721,10 @@
           <p:cNvPr id="13" name="Rectangle 12">
             <a:extLst>
               <a:ext uri="{FF2B5EF4-FFF2-40B4-BE49-F238E27FC236}">
-                <a16:creationId xmlns:a16="http://schemas.microsoft.com/office/drawing/2014/main" id="{C4F7E42D-8B5A-4FC8-81CD-9E60171F7FA8}"/>
+                <a16:creationId xmlns:a16="http://schemas.microsoft.com/office/drawing/2014/main" xmlns="" id="{C4F7E42D-8B5A-4FC8-81CD-9E60171F7FA8}"/>
               </a:ext>
               <a:ext uri="{C183D7F6-B498-43B3-948B-1728B52AA6E4}">
-                <adec:decorative xmlns:adec="http://schemas.microsoft.com/office/drawing/2017/decorative" xmlns="" val="1"/>
+                <adec:decorative xmlns="" xmlns:adec="http://schemas.microsoft.com/office/drawing/2017/decorative" val="1"/>
               </a:ext>
             </a:extLst>
           </p:cNvPr>
@@ -4735,7 +4734,7 @@
           <p:nvPr>
             <p:extLst>
               <p:ext uri="{386F3935-93C4-4BCD-93E2-E3B085C9AB24}">
-                <p16:designElem xmlns:p16="http://schemas.microsoft.com/office/powerpoint/2015/main" val="1"/>
+                <p16:designElem xmlns:p16="http://schemas.microsoft.com/office/powerpoint/2015/main" xmlns="" val="1"/>
               </p:ext>
             </p:extLst>
           </p:nvPr>
@@ -4990,10 +4989,10 @@
           <p:cNvPr id="15" name="Rectangle 14">
             <a:extLst>
               <a:ext uri="{FF2B5EF4-FFF2-40B4-BE49-F238E27FC236}">
-                <a16:creationId xmlns:a16="http://schemas.microsoft.com/office/drawing/2014/main" id="{8C04651D-B9F4-4935-A02D-364153FBDF54}"/>
+                <a16:creationId xmlns:a16="http://schemas.microsoft.com/office/drawing/2014/main" xmlns="" id="{8C04651D-B9F4-4935-A02D-364153FBDF54}"/>
               </a:ext>
               <a:ext uri="{C183D7F6-B498-43B3-948B-1728B52AA6E4}">
-                <adec:decorative xmlns:adec="http://schemas.microsoft.com/office/drawing/2017/decorative" xmlns="" val="1"/>
+                <adec:decorative xmlns="" xmlns:adec="http://schemas.microsoft.com/office/drawing/2017/decorative" val="1"/>
               </a:ext>
             </a:extLst>
           </p:cNvPr>
@@ -5003,7 +5002,7 @@
           <p:nvPr>
             <p:extLst>
               <p:ext uri="{386F3935-93C4-4BCD-93E2-E3B085C9AB24}">
-                <p16:designElem xmlns:p16="http://schemas.microsoft.com/office/powerpoint/2015/main" val="1"/>
+                <p16:designElem xmlns:p16="http://schemas.microsoft.com/office/powerpoint/2015/main" xmlns="" val="1"/>
               </p:ext>
             </p:extLst>
           </p:nvPr>
@@ -5090,10 +5089,10 @@
           <p:cNvPr id="20" name="Rectangle 22">
             <a:extLst>
               <a:ext uri="{FF2B5EF4-FFF2-40B4-BE49-F238E27FC236}">
-                <a16:creationId xmlns:a16="http://schemas.microsoft.com/office/drawing/2014/main" id="{25C8D2C1-DA83-420D-9635-D52CE066B5DA}"/>
+                <a16:creationId xmlns:a16="http://schemas.microsoft.com/office/drawing/2014/main" xmlns="" id="{25C8D2C1-DA83-420D-9635-D52CE066B5DA}"/>
               </a:ext>
               <a:ext uri="{C183D7F6-B498-43B3-948B-1728B52AA6E4}">
-                <adec:decorative xmlns:adec="http://schemas.microsoft.com/office/drawing/2017/decorative" xmlns="" val="1"/>
+                <adec:decorative xmlns="" xmlns:adec="http://schemas.microsoft.com/office/drawing/2017/decorative" val="1"/>
               </a:ext>
             </a:extLst>
           </p:cNvPr>
@@ -5103,7 +5102,7 @@
           <p:nvPr>
             <p:extLst>
               <p:ext uri="{386F3935-93C4-4BCD-93E2-E3B085C9AB24}">
-                <p16:designElem xmlns:p16="http://schemas.microsoft.com/office/powerpoint/2015/main" val="1"/>
+                <p16:designElem xmlns:p16="http://schemas.microsoft.com/office/powerpoint/2015/main" xmlns="" val="1"/>
               </p:ext>
             </p:extLst>
           </p:nvPr>
@@ -5145,10 +5144,10 @@
           <p:cNvPr id="21" name="Rectangle 24">
             <a:extLst>
               <a:ext uri="{FF2B5EF4-FFF2-40B4-BE49-F238E27FC236}">
-                <a16:creationId xmlns:a16="http://schemas.microsoft.com/office/drawing/2014/main" id="{434F74C9-6A0B-409E-AD1C-45B58BE91BB8}"/>
+                <a16:creationId xmlns:a16="http://schemas.microsoft.com/office/drawing/2014/main" xmlns="" id="{434F74C9-6A0B-409E-AD1C-45B58BE91BB8}"/>
               </a:ext>
               <a:ext uri="{C183D7F6-B498-43B3-948B-1728B52AA6E4}">
-                <adec:decorative xmlns:adec="http://schemas.microsoft.com/office/drawing/2017/decorative" xmlns="" val="1"/>
+                <adec:decorative xmlns="" xmlns:adec="http://schemas.microsoft.com/office/drawing/2017/decorative" val="1"/>
               </a:ext>
             </a:extLst>
           </p:cNvPr>
@@ -5158,7 +5157,7 @@
           <p:nvPr>
             <p:extLst>
               <p:ext uri="{386F3935-93C4-4BCD-93E2-E3B085C9AB24}">
-                <p16:designElem xmlns:p16="http://schemas.microsoft.com/office/powerpoint/2015/main" val="1"/>
+                <p16:designElem xmlns:p16="http://schemas.microsoft.com/office/powerpoint/2015/main" xmlns="" val="1"/>
               </p:ext>
             </p:extLst>
           </p:nvPr>
@@ -5200,10 +5199,10 @@
           <p:cNvPr id="22" name="Straight Connector 26">
             <a:extLst>
               <a:ext uri="{FF2B5EF4-FFF2-40B4-BE49-F238E27FC236}">
-                <a16:creationId xmlns:a16="http://schemas.microsoft.com/office/drawing/2014/main" id="{F5486A9D-1265-4B57-91E6-68E666B978BC}"/>
+                <a16:creationId xmlns:a16="http://schemas.microsoft.com/office/drawing/2014/main" xmlns="" id="{F5486A9D-1265-4B57-91E6-68E666B978BC}"/>
               </a:ext>
               <a:ext uri="{C183D7F6-B498-43B3-948B-1728B52AA6E4}">
-                <adec:decorative xmlns:adec="http://schemas.microsoft.com/office/drawing/2017/decorative" xmlns="" val="1"/>
+                <adec:decorative xmlns="" xmlns:adec="http://schemas.microsoft.com/office/drawing/2017/decorative" val="1"/>
               </a:ext>
             </a:extLst>
           </p:cNvPr>
@@ -5213,7 +5212,7 @@
           <p:nvPr>
             <p:extLst>
               <p:ext uri="{386F3935-93C4-4BCD-93E2-E3B085C9AB24}">
-                <p16:designElem xmlns:p16="http://schemas.microsoft.com/office/powerpoint/2015/main" val="1"/>
+                <p16:designElem xmlns:p16="http://schemas.microsoft.com/office/powerpoint/2015/main" xmlns="" val="1"/>
               </p:ext>
             </p:extLst>
           </p:nvPr>
@@ -5255,10 +5254,10 @@
           <p:cNvPr id="24" name="Rectangle 28">
             <a:extLst>
               <a:ext uri="{FF2B5EF4-FFF2-40B4-BE49-F238E27FC236}">
-                <a16:creationId xmlns:a16="http://schemas.microsoft.com/office/drawing/2014/main" id="{F452A527-3631-41ED-858D-3777A7D1496A}"/>
+                <a16:creationId xmlns:a16="http://schemas.microsoft.com/office/drawing/2014/main" xmlns="" id="{F452A527-3631-41ED-858D-3777A7D1496A}"/>
               </a:ext>
               <a:ext uri="{C183D7F6-B498-43B3-948B-1728B52AA6E4}">
-                <adec:decorative xmlns:adec="http://schemas.microsoft.com/office/drawing/2017/decorative" xmlns="" val="1"/>
+                <adec:decorative xmlns="" xmlns:adec="http://schemas.microsoft.com/office/drawing/2017/decorative" val="1"/>
               </a:ext>
             </a:extLst>
           </p:cNvPr>
@@ -5268,7 +5267,7 @@
           <p:nvPr>
             <p:extLst>
               <p:ext uri="{386F3935-93C4-4BCD-93E2-E3B085C9AB24}">
-                <p16:designElem xmlns:p16="http://schemas.microsoft.com/office/powerpoint/2015/main" val="1"/>
+                <p16:designElem xmlns:p16="http://schemas.microsoft.com/office/powerpoint/2015/main" xmlns="" val="1"/>
               </p:ext>
             </p:extLst>
           </p:nvPr>
@@ -5500,10 +5499,10 @@
           <p:cNvPr id="26" name="Straight Connector 30">
             <a:extLst>
               <a:ext uri="{FF2B5EF4-FFF2-40B4-BE49-F238E27FC236}">
-                <a16:creationId xmlns:a16="http://schemas.microsoft.com/office/drawing/2014/main" id="{D28A9C89-B313-458F-9C85-515930A51A93}"/>
+                <a16:creationId xmlns:a16="http://schemas.microsoft.com/office/drawing/2014/main" xmlns="" id="{D28A9C89-B313-458F-9C85-515930A51A93}"/>
               </a:ext>
               <a:ext uri="{C183D7F6-B498-43B3-948B-1728B52AA6E4}">
-                <adec:decorative xmlns:adec="http://schemas.microsoft.com/office/drawing/2017/decorative" xmlns="" val="1"/>
+                <adec:decorative xmlns="" xmlns:adec="http://schemas.microsoft.com/office/drawing/2017/decorative" val="1"/>
               </a:ext>
             </a:extLst>
           </p:cNvPr>
@@ -5513,7 +5512,7 @@
           <p:nvPr>
             <p:extLst>
               <p:ext uri="{386F3935-93C4-4BCD-93E2-E3B085C9AB24}">
-                <p16:designElem xmlns:p16="http://schemas.microsoft.com/office/powerpoint/2015/main" val="1"/>
+                <p16:designElem xmlns:p16="http://schemas.microsoft.com/office/powerpoint/2015/main" xmlns="" val="1"/>
               </p:ext>
             </p:extLst>
           </p:nvPr>
@@ -5599,10 +5598,10 @@
           <p:cNvPr id="1050" name="Rectangle 88">
             <a:extLst>
               <a:ext uri="{FF2B5EF4-FFF2-40B4-BE49-F238E27FC236}">
-                <a16:creationId xmlns:a16="http://schemas.microsoft.com/office/drawing/2014/main" id="{284B70D5-875B-433D-BDBD-1522A85D6C1D}"/>
+                <a16:creationId xmlns:a16="http://schemas.microsoft.com/office/drawing/2014/main" xmlns="" id="{284B70D5-875B-433D-BDBD-1522A85D6C1D}"/>
               </a:ext>
               <a:ext uri="{C183D7F6-B498-43B3-948B-1728B52AA6E4}">
-                <adec:decorative xmlns:adec="http://schemas.microsoft.com/office/drawing/2017/decorative" xmlns="" val="1"/>
+                <adec:decorative xmlns="" xmlns:adec="http://schemas.microsoft.com/office/drawing/2017/decorative" val="1"/>
               </a:ext>
             </a:extLst>
           </p:cNvPr>
@@ -5612,7 +5611,7 @@
           <p:nvPr>
             <p:extLst>
               <p:ext uri="{386F3935-93C4-4BCD-93E2-E3B085C9AB24}">
-                <p16:designElem xmlns:p16="http://schemas.microsoft.com/office/powerpoint/2015/main" val="1"/>
+                <p16:designElem xmlns:p16="http://schemas.microsoft.com/office/powerpoint/2015/main" xmlns="" val="1"/>
               </p:ext>
             </p:extLst>
           </p:nvPr>
@@ -5688,10 +5687,10 @@
           <p:cNvPr id="1051" name="Straight Connector 90">
             <a:extLst>
               <a:ext uri="{FF2B5EF4-FFF2-40B4-BE49-F238E27FC236}">
-                <a16:creationId xmlns:a16="http://schemas.microsoft.com/office/drawing/2014/main" id="{C947DF4A-614C-4B4C-8B80-E5B9D8E8CFED}"/>
+                <a16:creationId xmlns:a16="http://schemas.microsoft.com/office/drawing/2014/main" xmlns="" id="{C947DF4A-614C-4B4C-8B80-E5B9D8E8CFED}"/>
               </a:ext>
               <a:ext uri="{C183D7F6-B498-43B3-948B-1728B52AA6E4}">
-                <adec:decorative xmlns:adec="http://schemas.microsoft.com/office/drawing/2017/decorative" xmlns="" val="1"/>
+                <adec:decorative xmlns="" xmlns:adec="http://schemas.microsoft.com/office/drawing/2017/decorative" val="1"/>
               </a:ext>
             </a:extLst>
           </p:cNvPr>
@@ -5701,7 +5700,7 @@
           <p:nvPr>
             <p:extLst>
               <p:ext uri="{386F3935-93C4-4BCD-93E2-E3B085C9AB24}">
-                <p16:designElem xmlns:p16="http://schemas.microsoft.com/office/powerpoint/2015/main" val="1"/>
+                <p16:designElem xmlns:p16="http://schemas.microsoft.com/office/powerpoint/2015/main" xmlns="" val="1"/>
               </p:ext>
             </p:extLst>
           </p:nvPr>
@@ -5773,10 +5772,10 @@
           <p:cNvPr id="1052" name="Rectangle 92">
             <a:extLst>
               <a:ext uri="{FF2B5EF4-FFF2-40B4-BE49-F238E27FC236}">
-                <a16:creationId xmlns:a16="http://schemas.microsoft.com/office/drawing/2014/main" id="{1E299956-A9E7-4FC1-A0B1-D590CA9730E8}"/>
+                <a16:creationId xmlns:a16="http://schemas.microsoft.com/office/drawing/2014/main" xmlns="" id="{1E299956-A9E7-4FC1-A0B1-D590CA9730E8}"/>
               </a:ext>
               <a:ext uri="{C183D7F6-B498-43B3-948B-1728B52AA6E4}">
-                <adec:decorative xmlns:adec="http://schemas.microsoft.com/office/drawing/2017/decorative" xmlns="" val="1"/>
+                <adec:decorative xmlns="" xmlns:adec="http://schemas.microsoft.com/office/drawing/2017/decorative" val="1"/>
               </a:ext>
             </a:extLst>
           </p:cNvPr>
@@ -5786,7 +5785,7 @@
           <p:nvPr>
             <p:extLst>
               <p:ext uri="{386F3935-93C4-4BCD-93E2-E3B085C9AB24}">
-                <p16:designElem xmlns:p16="http://schemas.microsoft.com/office/powerpoint/2015/main" val="1"/>
+                <p16:designElem xmlns:p16="http://schemas.microsoft.com/office/powerpoint/2015/main" xmlns="" val="1"/>
               </p:ext>
             </p:extLst>
           </p:nvPr>
@@ -5828,10 +5827,10 @@
           <p:cNvPr id="1053" name="Rectangle 94">
             <a:extLst>
               <a:ext uri="{FF2B5EF4-FFF2-40B4-BE49-F238E27FC236}">
-                <a16:creationId xmlns:a16="http://schemas.microsoft.com/office/drawing/2014/main" id="{17FC539C-B783-4B03-9F9E-D13430F3F64F}"/>
+                <a16:creationId xmlns:a16="http://schemas.microsoft.com/office/drawing/2014/main" xmlns="" id="{17FC539C-B783-4B03-9F9E-D13430F3F64F}"/>
               </a:ext>
               <a:ext uri="{C183D7F6-B498-43B3-948B-1728B52AA6E4}">
-                <adec:decorative xmlns:adec="http://schemas.microsoft.com/office/drawing/2017/decorative" xmlns="" val="1"/>
+                <adec:decorative xmlns="" xmlns:adec="http://schemas.microsoft.com/office/drawing/2017/decorative" val="1"/>
               </a:ext>
             </a:extLst>
           </p:cNvPr>
@@ -5841,7 +5840,7 @@
           <p:nvPr>
             <p:extLst>
               <p:ext uri="{386F3935-93C4-4BCD-93E2-E3B085C9AB24}">
-                <p16:designElem xmlns:p16="http://schemas.microsoft.com/office/powerpoint/2015/main" val="1"/>
+                <p16:designElem xmlns:p16="http://schemas.microsoft.com/office/powerpoint/2015/main" xmlns="" val="1"/>
               </p:ext>
             </p:extLst>
           </p:nvPr>
@@ -5958,10 +5957,10 @@
           <p:cNvPr id="2057" name="Rectangle 70">
             <a:extLst>
               <a:ext uri="{FF2B5EF4-FFF2-40B4-BE49-F238E27FC236}">
-                <a16:creationId xmlns:a16="http://schemas.microsoft.com/office/drawing/2014/main" id="{990D0034-F768-41E7-85D4-F38C4DE85770}"/>
+                <a16:creationId xmlns:a16="http://schemas.microsoft.com/office/drawing/2014/main" xmlns="" id="{990D0034-F768-41E7-85D4-F38C4DE85770}"/>
               </a:ext>
               <a:ext uri="{C183D7F6-B498-43B3-948B-1728B52AA6E4}">
-                <adec:decorative xmlns:adec="http://schemas.microsoft.com/office/drawing/2017/decorative" xmlns="" val="1"/>
+                <adec:decorative xmlns="" xmlns:adec="http://schemas.microsoft.com/office/drawing/2017/decorative" val="1"/>
               </a:ext>
             </a:extLst>
           </p:cNvPr>
@@ -5971,7 +5970,7 @@
           <p:nvPr>
             <p:extLst>
               <p:ext uri="{386F3935-93C4-4BCD-93E2-E3B085C9AB24}">
-                <p16:designElem xmlns:p16="http://schemas.microsoft.com/office/powerpoint/2015/main" val="1"/>
+                <p16:designElem xmlns:p16="http://schemas.microsoft.com/office/powerpoint/2015/main" xmlns="" val="1"/>
               </p:ext>
             </p:extLst>
           </p:nvPr>
@@ -6036,9 +6035,10 @@
           <a:lstStyle/>
           <a:p>
             <a:r>
-              <a:rPr lang="ru-RU" sz="3600"/>
-              <a:t>Ловушки и количество ходов</a:t>
-            </a:r>
+              <a:rPr lang="ru-RU" sz="3600" dirty="0" smtClean="0"/>
+              <a:t>Ловушки</a:t>
+            </a:r>
+            <a:endParaRPr lang="ru-RU" sz="3600" dirty="0"/>
           </a:p>
         </p:txBody>
       </p:sp>
@@ -6047,10 +6047,10 @@
           <p:cNvPr id="2058" name="Straight Connector 72">
             <a:extLst>
               <a:ext uri="{FF2B5EF4-FFF2-40B4-BE49-F238E27FC236}">
-                <a16:creationId xmlns:a16="http://schemas.microsoft.com/office/drawing/2014/main" id="{5A0A5CF6-407C-4691-8122-49DF69D0020D}"/>
+                <a16:creationId xmlns:a16="http://schemas.microsoft.com/office/drawing/2014/main" xmlns="" id="{5A0A5CF6-407C-4691-8122-49DF69D0020D}"/>
               </a:ext>
               <a:ext uri="{C183D7F6-B498-43B3-948B-1728B52AA6E4}">
-                <adec:decorative xmlns:adec="http://schemas.microsoft.com/office/drawing/2017/decorative" xmlns="" val="1"/>
+                <adec:decorative xmlns="" xmlns:adec="http://schemas.microsoft.com/office/drawing/2017/decorative" val="1"/>
               </a:ext>
             </a:extLst>
           </p:cNvPr>
@@ -6060,7 +6060,7 @@
           <p:nvPr>
             <p:extLst>
               <p:ext uri="{386F3935-93C4-4BCD-93E2-E3B085C9AB24}">
-                <p16:designElem xmlns:p16="http://schemas.microsoft.com/office/powerpoint/2015/main" val="1"/>
+                <p16:designElem xmlns:p16="http://schemas.microsoft.com/office/powerpoint/2015/main" xmlns="" val="1"/>
               </p:ext>
             </p:extLst>
           </p:nvPr>
@@ -6604,8 +6604,30 @@
           <a:p>
             <a:r>
               <a:rPr lang="ru-RU" dirty="0"/>
-              <a:t>-Кол-во совершённых действий</a:t>
-            </a:r>
+              <a:t>-Кол-во совершённых </a:t>
+            </a:r>
+            <a:r>
+              <a:rPr lang="ru-RU" dirty="0" smtClean="0"/>
+              <a:t>действий</a:t>
+            </a:r>
+            <a:endParaRPr lang="en-US" dirty="0" smtClean="0"/>
+          </a:p>
+          <a:p>
+            <a:r>
+              <a:rPr lang="en-US" dirty="0" smtClean="0"/>
+              <a:t>-</a:t>
+            </a:r>
+            <a:r>
+              <a:rPr lang="ru-RU" dirty="0" smtClean="0"/>
+              <a:t>Кол-во зачищенных мест</a:t>
+            </a:r>
+          </a:p>
+          <a:p>
+            <a:r>
+              <a:rPr lang="ru-RU" dirty="0" smtClean="0"/>
+              <a:t>-Кол-во использованных ловушек</a:t>
+            </a:r>
+            <a:endParaRPr lang="ru-RU" dirty="0"/>
           </a:p>
         </p:txBody>
       </p:sp>
